--- a/Documents/NH poster.pptx
+++ b/Documents/NH poster.pptx
@@ -2,19 +2,22 @@
 <file path=ppt/presentation.xml><?xml version="1.0" encoding="utf-8"?>
 <p:presentation xmlns:a="http://schemas.openxmlformats.org/drawingml/2006/main" xmlns:r="http://schemas.openxmlformats.org/officeDocument/2006/relationships" xmlns:p="http://schemas.openxmlformats.org/presentationml/2006/main" saveSubsetFonts="1">
   <p:sldMasterIdLst>
-    <p:sldMasterId id="2147483703" r:id="rId1"/>
+    <p:sldMasterId id="2147483648" r:id="rId1"/>
   </p:sldMasterIdLst>
+  <p:handoutMasterIdLst>
+    <p:handoutMasterId r:id="rId3"/>
+  </p:handoutMasterIdLst>
   <p:sldIdLst>
     <p:sldId id="256" r:id="rId2"/>
   </p:sldIdLst>
-  <p:sldSz cx="43891200" cy="32918400"/>
-  <p:notesSz cx="6881813" cy="9296400"/>
+  <p:sldSz cx="32918400" cy="21945600"/>
+  <p:notesSz cx="7004050" cy="9290050"/>
   <p:defaultTextStyle>
     <a:defPPr>
       <a:defRPr lang="en-US"/>
     </a:defPPr>
-    <a:lvl1pPr marL="0" algn="l" defTabSz="914400" rtl="0" eaLnBrk="1" latinLnBrk="0" hangingPunct="1">
-      <a:defRPr sz="1800" kern="1200">
+    <a:lvl1pPr marL="0" algn="l" defTabSz="2350606" rtl="0" eaLnBrk="1" latinLnBrk="0" hangingPunct="1">
+      <a:defRPr sz="4600" kern="1200">
         <a:solidFill>
           <a:schemeClr val="tx1"/>
         </a:solidFill>
@@ -23,8 +26,8 @@
         <a:cs typeface="+mn-cs"/>
       </a:defRPr>
     </a:lvl1pPr>
-    <a:lvl2pPr marL="457200" algn="l" defTabSz="914400" rtl="0" eaLnBrk="1" latinLnBrk="0" hangingPunct="1">
-      <a:defRPr sz="1800" kern="1200">
+    <a:lvl2pPr marL="1175304" algn="l" defTabSz="2350606" rtl="0" eaLnBrk="1" latinLnBrk="0" hangingPunct="1">
+      <a:defRPr sz="4600" kern="1200">
         <a:solidFill>
           <a:schemeClr val="tx1"/>
         </a:solidFill>
@@ -33,8 +36,8 @@
         <a:cs typeface="+mn-cs"/>
       </a:defRPr>
     </a:lvl2pPr>
-    <a:lvl3pPr marL="914400" algn="l" defTabSz="914400" rtl="0" eaLnBrk="1" latinLnBrk="0" hangingPunct="1">
-      <a:defRPr sz="1800" kern="1200">
+    <a:lvl3pPr marL="2350606" algn="l" defTabSz="2350606" rtl="0" eaLnBrk="1" latinLnBrk="0" hangingPunct="1">
+      <a:defRPr sz="4600" kern="1200">
         <a:solidFill>
           <a:schemeClr val="tx1"/>
         </a:solidFill>
@@ -43,8 +46,8 @@
         <a:cs typeface="+mn-cs"/>
       </a:defRPr>
     </a:lvl3pPr>
-    <a:lvl4pPr marL="1371600" algn="l" defTabSz="914400" rtl="0" eaLnBrk="1" latinLnBrk="0" hangingPunct="1">
-      <a:defRPr sz="1800" kern="1200">
+    <a:lvl4pPr marL="3525911" algn="l" defTabSz="2350606" rtl="0" eaLnBrk="1" latinLnBrk="0" hangingPunct="1">
+      <a:defRPr sz="4600" kern="1200">
         <a:solidFill>
           <a:schemeClr val="tx1"/>
         </a:solidFill>
@@ -53,8 +56,8 @@
         <a:cs typeface="+mn-cs"/>
       </a:defRPr>
     </a:lvl4pPr>
-    <a:lvl5pPr marL="1828800" algn="l" defTabSz="914400" rtl="0" eaLnBrk="1" latinLnBrk="0" hangingPunct="1">
-      <a:defRPr sz="1800" kern="1200">
+    <a:lvl5pPr marL="4701214" algn="l" defTabSz="2350606" rtl="0" eaLnBrk="1" latinLnBrk="0" hangingPunct="1">
+      <a:defRPr sz="4600" kern="1200">
         <a:solidFill>
           <a:schemeClr val="tx1"/>
         </a:solidFill>
@@ -63,8 +66,8 @@
         <a:cs typeface="+mn-cs"/>
       </a:defRPr>
     </a:lvl5pPr>
-    <a:lvl6pPr marL="2286000" algn="l" defTabSz="914400" rtl="0" eaLnBrk="1" latinLnBrk="0" hangingPunct="1">
-      <a:defRPr sz="1800" kern="1200">
+    <a:lvl6pPr marL="5876517" algn="l" defTabSz="2350606" rtl="0" eaLnBrk="1" latinLnBrk="0" hangingPunct="1">
+      <a:defRPr sz="4600" kern="1200">
         <a:solidFill>
           <a:schemeClr val="tx1"/>
         </a:solidFill>
@@ -73,8 +76,8 @@
         <a:cs typeface="+mn-cs"/>
       </a:defRPr>
     </a:lvl6pPr>
-    <a:lvl7pPr marL="2743200" algn="l" defTabSz="914400" rtl="0" eaLnBrk="1" latinLnBrk="0" hangingPunct="1">
-      <a:defRPr sz="1800" kern="1200">
+    <a:lvl7pPr marL="7051819" algn="l" defTabSz="2350606" rtl="0" eaLnBrk="1" latinLnBrk="0" hangingPunct="1">
+      <a:defRPr sz="4600" kern="1200">
         <a:solidFill>
           <a:schemeClr val="tx1"/>
         </a:solidFill>
@@ -83,8 +86,8 @@
         <a:cs typeface="+mn-cs"/>
       </a:defRPr>
     </a:lvl7pPr>
-    <a:lvl8pPr marL="3200400" algn="l" defTabSz="914400" rtl="0" eaLnBrk="1" latinLnBrk="0" hangingPunct="1">
-      <a:defRPr sz="1800" kern="1200">
+    <a:lvl8pPr marL="8227124" algn="l" defTabSz="2350606" rtl="0" eaLnBrk="1" latinLnBrk="0" hangingPunct="1">
+      <a:defRPr sz="4600" kern="1200">
         <a:solidFill>
           <a:schemeClr val="tx1"/>
         </a:solidFill>
@@ -93,8 +96,8 @@
         <a:cs typeface="+mn-cs"/>
       </a:defRPr>
     </a:lvl8pPr>
-    <a:lvl9pPr marL="3657600" algn="l" defTabSz="914400" rtl="0" eaLnBrk="1" latinLnBrk="0" hangingPunct="1">
-      <a:defRPr sz="1800" kern="1200">
+    <a:lvl9pPr marL="9402428" algn="l" defTabSz="2350606" rtl="0" eaLnBrk="1" latinLnBrk="0" hangingPunct="1">
+      <a:defRPr sz="4600" kern="1200">
         <a:solidFill>
           <a:schemeClr val="tx1"/>
         </a:solidFill>
@@ -107,54 +110,38 @@
   <p:extLst>
     <p:ext uri="{EFAFB233-063F-42B5-8137-9DF3F51BA10A}">
       <p15:sldGuideLst xmlns:p15="http://schemas.microsoft.com/office/powerpoint/2012/main">
-        <p15:guide id="1" orient="horz" pos="10368">
+        <p15:guide id="1" orient="horz" pos="6912">
           <p15:clr>
             <a:srgbClr val="A4A3A4"/>
           </p15:clr>
         </p15:guide>
-        <p15:guide id="2" pos="13824">
+        <p15:guide id="2" pos="10368">
           <p15:clr>
             <a:srgbClr val="A4A3A4"/>
           </p15:clr>
         </p15:guide>
       </p15:sldGuideLst>
     </p:ext>
+    <p:ext uri="{2D200454-40CA-4A62-9FC3-DE9A4176ACB9}">
+      <p15:notesGuideLst xmlns:p15="http://schemas.microsoft.com/office/powerpoint/2012/main">
+        <p15:guide id="1" orient="horz" pos="2926">
+          <p15:clr>
+            <a:srgbClr val="A4A3A4"/>
+          </p15:clr>
+        </p15:guide>
+        <p15:guide id="2" pos="2206">
+          <p15:clr>
+            <a:srgbClr val="A4A3A4"/>
+          </p15:clr>
+        </p15:guide>
+      </p15:notesGuideLst>
+    </p:ext>
   </p:extLst>
 </p:presentation>
 </file>
 
-<file path=ppt/slideLayouts/slideLayout1.xml><?xml version="1.0" encoding="utf-8"?>
-<p:sldLayout xmlns:a="http://schemas.openxmlformats.org/drawingml/2006/main" xmlns:r="http://schemas.openxmlformats.org/officeDocument/2006/relationships" xmlns:p="http://schemas.openxmlformats.org/presentationml/2006/main" userDrawn="1">
-  <p:cSld name="1_Title Slide">
-    <p:spTree>
-      <p:nvGrpSpPr>
-        <p:cNvPr id="1" name=""/>
-        <p:cNvGrpSpPr/>
-        <p:nvPr/>
-      </p:nvGrpSpPr>
-      <p:grpSpPr>
-        <a:xfrm>
-          <a:off x="0" y="0"/>
-          <a:ext cx="0" cy="0"/>
-          <a:chOff x="0" y="0"/>
-          <a:chExt cx="0" cy="0"/>
-        </a:xfrm>
-      </p:grpSpPr>
-    </p:spTree>
-    <p:extLst>
-      <p:ext uri="{BB962C8B-B14F-4D97-AF65-F5344CB8AC3E}">
-        <p14:creationId xmlns:p14="http://schemas.microsoft.com/office/powerpoint/2010/main" val="2950952038"/>
-      </p:ext>
-    </p:extLst>
-  </p:cSld>
-  <p:clrMapOvr>
-    <a:masterClrMapping/>
-  </p:clrMapOvr>
-</p:sldLayout>
-</file>
-
-<file path=ppt/slideMasters/slideMaster1.xml><?xml version="1.0" encoding="utf-8"?>
-<p:sldMaster xmlns:a="http://schemas.openxmlformats.org/drawingml/2006/main" xmlns:r="http://schemas.openxmlformats.org/officeDocument/2006/relationships" xmlns:p="http://schemas.openxmlformats.org/presentationml/2006/main">
+<file path=ppt/handoutMasters/handoutMaster1.xml><?xml version="1.0" encoding="utf-8"?>
+<p:handoutMaster xmlns:a="http://schemas.openxmlformats.org/drawingml/2006/main" xmlns:r="http://schemas.openxmlformats.org/officeDocument/2006/relationships" xmlns:p="http://schemas.openxmlformats.org/presentationml/2006/main">
   <p:cSld>
     <p:bg>
       <p:bgRef idx="1001">
@@ -177,262 +164,174 @@
       </p:grpSpPr>
       <p:sp>
         <p:nvSpPr>
-          <p:cNvPr id="2" name="Title Placeholder 1">
-            <a:extLst>
-              <a:ext uri="{FF2B5EF4-FFF2-40B4-BE49-F238E27FC236}">
-                <a16:creationId xmlns="" xmlns:a16="http://schemas.microsoft.com/office/drawing/2014/main" id="{D5AA2320-7051-4086-BE30-05F3CED99B81}"/>
-              </a:ext>
-            </a:extLst>
-          </p:cNvPr>
+          <p:cNvPr id="2" name="Header Placeholder 1"/>
           <p:cNvSpPr>
             <a:spLocks noGrp="1"/>
           </p:cNvSpPr>
           <p:nvPr>
-            <p:ph type="title"/>
+            <p:ph type="hdr" sz="quarter"/>
           </p:nvPr>
         </p:nvSpPr>
         <p:spPr>
           <a:xfrm>
-            <a:off x="3017520" y="1752603"/>
-            <a:ext cx="37856160" cy="6362702"/>
+            <a:off x="0" y="0"/>
+            <a:ext cx="3035300" cy="465138"/>
           </a:xfrm>
           <a:prstGeom prst="rect">
             <a:avLst/>
           </a:prstGeom>
         </p:spPr>
         <p:txBody>
-          <a:bodyPr vert="horz" lIns="91440" tIns="45720" rIns="91440" bIns="45720" rtlCol="0" anchor="ctr">
-            <a:normAutofit/>
-          </a:bodyPr>
-          <a:lstStyle/>
-          <a:p>
-            <a:r>
-              <a:rPr lang="en-US"/>
-              <a:t>Click to edit Master title style</a:t>
-            </a:r>
+          <a:bodyPr vert="horz" lIns="91440" tIns="45720" rIns="91440" bIns="45720" rtlCol="0"/>
+          <a:lstStyle>
+            <a:lvl1pPr algn="l">
+              <a:defRPr sz="1200"/>
+            </a:lvl1pPr>
+          </a:lstStyle>
+          <a:p>
+            <a:endParaRPr lang="en-US"/>
           </a:p>
         </p:txBody>
       </p:sp>
       <p:sp>
         <p:nvSpPr>
-          <p:cNvPr id="3" name="Text Placeholder 2">
-            <a:extLst>
-              <a:ext uri="{FF2B5EF4-FFF2-40B4-BE49-F238E27FC236}">
-                <a16:creationId xmlns="" xmlns:a16="http://schemas.microsoft.com/office/drawing/2014/main" id="{6CCB6650-51D1-4FB7-8D77-2EAACEEADF8A}"/>
-              </a:ext>
-            </a:extLst>
-          </p:cNvPr>
+          <p:cNvPr id="3" name="Date Placeholder 2"/>
           <p:cNvSpPr>
             <a:spLocks noGrp="1"/>
           </p:cNvSpPr>
           <p:nvPr>
-            <p:ph type="body" idx="1"/>
+            <p:ph type="dt" sz="quarter" idx="1"/>
           </p:nvPr>
         </p:nvSpPr>
         <p:spPr>
           <a:xfrm>
-            <a:off x="3017520" y="8763000"/>
-            <a:ext cx="37856160" cy="20886422"/>
+            <a:off x="3967163" y="0"/>
+            <a:ext cx="3035300" cy="465138"/>
           </a:xfrm>
           <a:prstGeom prst="rect">
             <a:avLst/>
           </a:prstGeom>
         </p:spPr>
         <p:txBody>
-          <a:bodyPr vert="horz" lIns="91440" tIns="45720" rIns="91440" bIns="45720" rtlCol="0">
-            <a:normAutofit/>
-          </a:bodyPr>
-          <a:lstStyle/>
-          <a:p>
-            <a:pPr lvl="0"/>
-            <a:r>
-              <a:rPr lang="en-US"/>
-              <a:t>Edit Master text styles</a:t>
-            </a:r>
-          </a:p>
-          <a:p>
-            <a:pPr lvl="1"/>
-            <a:r>
-              <a:rPr lang="en-US"/>
-              <a:t>Second level</a:t>
-            </a:r>
-          </a:p>
-          <a:p>
-            <a:pPr lvl="2"/>
-            <a:r>
-              <a:rPr lang="en-US"/>
-              <a:t>Third level</a:t>
-            </a:r>
-          </a:p>
-          <a:p>
-            <a:pPr lvl="3"/>
-            <a:r>
-              <a:rPr lang="en-US"/>
-              <a:t>Fourth level</a:t>
-            </a:r>
-          </a:p>
-          <a:p>
-            <a:pPr lvl="4"/>
-            <a:r>
-              <a:rPr lang="en-US"/>
-              <a:t>Fifth level</a:t>
-            </a:r>
+          <a:bodyPr vert="horz" lIns="91440" tIns="45720" rIns="91440" bIns="45720" rtlCol="0"/>
+          <a:lstStyle>
+            <a:lvl1pPr algn="r">
+              <a:defRPr sz="1200"/>
+            </a:lvl1pPr>
+          </a:lstStyle>
+          <a:p>
+            <a:fld id="{FF66CDD7-09B6-4BB3-9069-2B95837CCCB2}" type="datetimeFigureOut">
+              <a:rPr lang="en-US" smtClean="0"/>
+              <a:t>5/9/2018</a:t>
+            </a:fld>
+            <a:endParaRPr lang="en-US"/>
           </a:p>
         </p:txBody>
       </p:sp>
       <p:sp>
         <p:nvSpPr>
-          <p:cNvPr id="4" name="Date Placeholder 3">
-            <a:extLst>
-              <a:ext uri="{FF2B5EF4-FFF2-40B4-BE49-F238E27FC236}">
-                <a16:creationId xmlns="" xmlns:a16="http://schemas.microsoft.com/office/drawing/2014/main" id="{D390E7C8-7FF9-4C9C-8025-3CCF1F580193}"/>
-              </a:ext>
-            </a:extLst>
-          </p:cNvPr>
+          <p:cNvPr id="4" name="Footer Placeholder 3"/>
           <p:cNvSpPr>
             <a:spLocks noGrp="1"/>
           </p:cNvSpPr>
           <p:nvPr>
-            <p:ph type="dt" sz="half" idx="2"/>
+            <p:ph type="ftr" sz="quarter" idx="2"/>
           </p:nvPr>
         </p:nvSpPr>
         <p:spPr>
           <a:xfrm>
-            <a:off x="3017520" y="30510482"/>
-            <a:ext cx="9875520" cy="1752600"/>
+            <a:off x="0" y="8823325"/>
+            <a:ext cx="3035300" cy="465138"/>
           </a:xfrm>
           <a:prstGeom prst="rect">
             <a:avLst/>
           </a:prstGeom>
         </p:spPr>
         <p:txBody>
-          <a:bodyPr vert="horz" lIns="91440" tIns="45720" rIns="91440" bIns="45720" rtlCol="0" anchor="ctr"/>
+          <a:bodyPr vert="horz" lIns="91440" tIns="45720" rIns="91440" bIns="45720" rtlCol="0" anchor="b"/>
           <a:lstStyle>
             <a:lvl1pPr algn="l">
-              <a:defRPr sz="4320">
-                <a:solidFill>
-                  <a:schemeClr val="tx1">
-                    <a:tint val="75000"/>
-                  </a:schemeClr>
-                </a:solidFill>
-              </a:defRPr>
+              <a:defRPr sz="1200"/>
             </a:lvl1pPr>
           </a:lstStyle>
           <a:p>
-            <a:fld id="{985D6BDF-9D0E-4E2B-85B8-D8F4790360C9}" type="datetimeFigureOut">
-              <a:rPr lang="en-US" smtClean="0"/>
-              <a:t>5/9/2018</a:t>
-            </a:fld>
-            <a:endParaRPr lang="en-US" dirty="0"/>
+            <a:endParaRPr lang="en-US"/>
           </a:p>
         </p:txBody>
       </p:sp>
       <p:sp>
         <p:nvSpPr>
-          <p:cNvPr id="5" name="Footer Placeholder 4">
-            <a:extLst>
-              <a:ext uri="{FF2B5EF4-FFF2-40B4-BE49-F238E27FC236}">
-                <a16:creationId xmlns="" xmlns:a16="http://schemas.microsoft.com/office/drawing/2014/main" id="{FAC26B8D-9A00-4784-BBA0-627D012CA801}"/>
-              </a:ext>
-            </a:extLst>
-          </p:cNvPr>
+          <p:cNvPr id="5" name="Slide Number Placeholder 4"/>
           <p:cNvSpPr>
             <a:spLocks noGrp="1"/>
           </p:cNvSpPr>
           <p:nvPr>
-            <p:ph type="ftr" sz="quarter" idx="3"/>
+            <p:ph type="sldNum" sz="quarter" idx="3"/>
           </p:nvPr>
         </p:nvSpPr>
         <p:spPr>
           <a:xfrm>
-            <a:off x="14538960" y="30510482"/>
-            <a:ext cx="14813280" cy="1752600"/>
+            <a:off x="3967163" y="8823325"/>
+            <a:ext cx="3035300" cy="465138"/>
           </a:xfrm>
           <a:prstGeom prst="rect">
             <a:avLst/>
           </a:prstGeom>
         </p:spPr>
         <p:txBody>
-          <a:bodyPr vert="horz" lIns="91440" tIns="45720" rIns="91440" bIns="45720" rtlCol="0" anchor="ctr"/>
+          <a:bodyPr vert="horz" lIns="91440" tIns="45720" rIns="91440" bIns="45720" rtlCol="0" anchor="b"/>
           <a:lstStyle>
-            <a:lvl1pPr algn="ctr">
-              <a:defRPr sz="4320">
-                <a:solidFill>
-                  <a:schemeClr val="tx1">
-                    <a:tint val="75000"/>
-                  </a:schemeClr>
-                </a:solidFill>
-              </a:defRPr>
+            <a:lvl1pPr algn="r">
+              <a:defRPr sz="1200"/>
             </a:lvl1pPr>
           </a:lstStyle>
           <a:p>
-            <a:endParaRPr lang="en-US" dirty="0"/>
-          </a:p>
-        </p:txBody>
-      </p:sp>
-      <p:sp>
-        <p:nvSpPr>
-          <p:cNvPr id="6" name="Slide Number Placeholder 5">
-            <a:extLst>
-              <a:ext uri="{FF2B5EF4-FFF2-40B4-BE49-F238E27FC236}">
-                <a16:creationId xmlns="" xmlns:a16="http://schemas.microsoft.com/office/drawing/2014/main" id="{A6772DF0-F4C0-44E8-9F72-FFC4534F3346}"/>
-              </a:ext>
-            </a:extLst>
-          </p:cNvPr>
-          <p:cNvSpPr>
-            <a:spLocks noGrp="1"/>
-          </p:cNvSpPr>
-          <p:nvPr>
-            <p:ph type="sldNum" sz="quarter" idx="4"/>
-          </p:nvPr>
-        </p:nvSpPr>
-        <p:spPr>
-          <a:xfrm>
-            <a:off x="30998160" y="30510482"/>
-            <a:ext cx="9875520" cy="1752600"/>
-          </a:xfrm>
-          <a:prstGeom prst="rect">
-            <a:avLst/>
-          </a:prstGeom>
-        </p:spPr>
-        <p:txBody>
-          <a:bodyPr vert="horz" lIns="91440" tIns="45720" rIns="91440" bIns="45720" rtlCol="0" anchor="ctr"/>
-          <a:lstStyle>
-            <a:lvl1pPr algn="r">
-              <a:defRPr sz="4320">
-                <a:solidFill>
-                  <a:schemeClr val="tx1">
-                    <a:tint val="75000"/>
-                  </a:schemeClr>
-                </a:solidFill>
-              </a:defRPr>
-            </a:lvl1pPr>
-          </a:lstStyle>
-          <a:p>
-            <a:fld id="{FBB075EA-769C-4ECD-B48E-D6FCDC24F876}" type="slidenum">
+            <a:fld id="{0479BA33-46DD-4DE6-9BEC-D9D96B7B704D}" type="slidenum">
               <a:rPr lang="en-US" smtClean="0"/>
               <a:t>‹#›</a:t>
             </a:fld>
-            <a:endParaRPr lang="en-US" dirty="0"/>
+            <a:endParaRPr lang="en-US"/>
           </a:p>
         </p:txBody>
       </p:sp>
+    </p:spTree>
+    <p:extLst>
+      <p:ext uri="{BB962C8B-B14F-4D97-AF65-F5344CB8AC3E}">
+        <p14:creationId xmlns:p14="http://schemas.microsoft.com/office/powerpoint/2010/main" val="786740357"/>
+      </p:ext>
+    </p:extLst>
+  </p:cSld>
+  <p:clrMap bg1="lt1" tx1="dk1" bg2="lt2" tx2="dk2" accent1="accent1" accent2="accent2" accent3="accent3" accent4="accent4" accent5="accent5" accent6="accent6" hlink="hlink" folHlink="folHlink"/>
+</p:handoutMaster>
+</file>
+
+<file path=ppt/slideLayouts/slideLayout1.xml><?xml version="1.0" encoding="utf-8"?>
+<p:sldLayout xmlns:a="http://schemas.openxmlformats.org/drawingml/2006/main" xmlns:r="http://schemas.openxmlformats.org/officeDocument/2006/relationships" xmlns:p="http://schemas.openxmlformats.org/presentationml/2006/main" preserve="1" userDrawn="1">
+  <p:cSld name="Title Slide">
+    <p:spTree>
+      <p:nvGrpSpPr>
+        <p:cNvPr id="1" name=""/>
+        <p:cNvGrpSpPr/>
+        <p:nvPr/>
+      </p:nvGrpSpPr>
+      <p:grpSpPr>
+        <a:xfrm>
+          <a:off x="0" y="0"/>
+          <a:ext cx="0" cy="0"/>
+          <a:chOff x="0" y="0"/>
+          <a:chExt cx="0" cy="0"/>
+        </a:xfrm>
+      </p:grpSpPr>
       <p:sp>
         <p:nvSpPr>
-          <p:cNvPr id="7" name="Rectangle 6">
-            <a:extLst>
-              <a:ext uri="{FF2B5EF4-FFF2-40B4-BE49-F238E27FC236}">
-                <a16:creationId xmlns="" xmlns:a16="http://schemas.microsoft.com/office/drawing/2014/main" id="{1A6B75E9-20AF-4508-B0B1-37EB62C7573F}"/>
-              </a:ext>
-            </a:extLst>
-          </p:cNvPr>
+          <p:cNvPr id="15" name="Rectangle 14"/>
           <p:cNvSpPr/>
           <p:nvPr userDrawn="1"/>
         </p:nvSpPr>
         <p:spPr>
           <a:xfrm>
-            <a:off x="43159680" y="0"/>
-            <a:ext cx="731520" cy="32918400"/>
+            <a:off x="32369760" y="0"/>
+            <a:ext cx="548640" cy="21945600"/>
           </a:xfrm>
           <a:prstGeom prst="rect">
             <a:avLst/>
@@ -464,7 +363,7 @@
           </a:fontRef>
         </p:style>
         <p:txBody>
-          <a:bodyPr lIns="68568" tIns="34284" rIns="68568" bIns="34284" rtlCol="0" anchor="ctr"/>
+          <a:bodyPr lIns="48971" tIns="24486" rIns="48971" bIns="24486" rtlCol="0" anchor="ctr"/>
           <a:lstStyle/>
           <a:p>
             <a:pPr algn="ctr"/>
@@ -474,20 +373,14 @@
       </p:sp>
       <p:sp>
         <p:nvSpPr>
-          <p:cNvPr id="8" name="Rectangle 7">
-            <a:extLst>
-              <a:ext uri="{FF2B5EF4-FFF2-40B4-BE49-F238E27FC236}">
-                <a16:creationId xmlns="" xmlns:a16="http://schemas.microsoft.com/office/drawing/2014/main" id="{1908E2B7-FD7C-4917-9116-BC481670380D}"/>
-              </a:ext>
-            </a:extLst>
-          </p:cNvPr>
+          <p:cNvPr id="16" name="Rectangle 15"/>
           <p:cNvSpPr/>
           <p:nvPr userDrawn="1"/>
         </p:nvSpPr>
         <p:spPr>
           <a:xfrm>
-            <a:off x="-3" y="0"/>
-            <a:ext cx="731520" cy="32918400"/>
+            <a:off x="-2" y="0"/>
+            <a:ext cx="548640" cy="21945600"/>
           </a:xfrm>
           <a:prstGeom prst="rect">
             <a:avLst/>
@@ -519,7 +412,7 @@
           </a:fontRef>
         </p:style>
         <p:txBody>
-          <a:bodyPr lIns="68568" tIns="34284" rIns="68568" bIns="34284" rtlCol="0" anchor="ctr"/>
+          <a:bodyPr lIns="48971" tIns="24486" rIns="48971" bIns="24486" rtlCol="0" anchor="ctr"/>
           <a:lstStyle/>
           <a:p>
             <a:pPr algn="ctr"/>
@@ -529,20 +422,14 @@
       </p:sp>
       <p:sp>
         <p:nvSpPr>
-          <p:cNvPr id="9" name="Rectangle 8">
-            <a:extLst>
-              <a:ext uri="{FF2B5EF4-FFF2-40B4-BE49-F238E27FC236}">
-                <a16:creationId xmlns="" xmlns:a16="http://schemas.microsoft.com/office/drawing/2014/main" id="{4E459857-EC20-4725-9729-C46C2B82E67B}"/>
-              </a:ext>
-            </a:extLst>
-          </p:cNvPr>
+          <p:cNvPr id="17" name="Rectangle 16"/>
           <p:cNvSpPr/>
           <p:nvPr userDrawn="1"/>
         </p:nvSpPr>
         <p:spPr>
           <a:xfrm>
             <a:off x="0" y="0"/>
-            <a:ext cx="43891200" cy="4114800"/>
+            <a:ext cx="32918400" cy="2743200"/>
           </a:xfrm>
           <a:prstGeom prst="rect">
             <a:avLst/>
@@ -573,7 +460,7 @@
           </a:fontRef>
         </p:style>
         <p:txBody>
-          <a:bodyPr lIns="68568" tIns="34284" rIns="68568" bIns="34284" rtlCol="0" anchor="ctr"/>
+          <a:bodyPr lIns="48971" tIns="24486" rIns="48971" bIns="24486" rtlCol="0" anchor="ctr"/>
           <a:lstStyle/>
           <a:p>
             <a:pPr algn="ctr"/>
@@ -583,20 +470,14 @@
       </p:sp>
       <p:sp>
         <p:nvSpPr>
-          <p:cNvPr id="10" name="Rectangle 9">
-            <a:extLst>
-              <a:ext uri="{FF2B5EF4-FFF2-40B4-BE49-F238E27FC236}">
-                <a16:creationId xmlns="" xmlns:a16="http://schemas.microsoft.com/office/drawing/2014/main" id="{53D01061-EB55-4BDA-9715-6B258A79D235}"/>
-              </a:ext>
-            </a:extLst>
-          </p:cNvPr>
+          <p:cNvPr id="18" name="Rectangle 17"/>
           <p:cNvSpPr/>
           <p:nvPr userDrawn="1"/>
         </p:nvSpPr>
         <p:spPr>
           <a:xfrm>
-            <a:off x="0" y="28803600"/>
-            <a:ext cx="43891200" cy="4114800"/>
+            <a:off x="0" y="19202400"/>
+            <a:ext cx="32918400" cy="2743200"/>
           </a:xfrm>
           <a:prstGeom prst="rect">
             <a:avLst/>
@@ -628,7 +509,7 @@
           </a:fontRef>
         </p:style>
         <p:txBody>
-          <a:bodyPr lIns="68568" tIns="34284" rIns="68568" bIns="34284" rtlCol="0" anchor="ctr"/>
+          <a:bodyPr lIns="48971" tIns="24486" rIns="48971" bIns="24486" rtlCol="0" anchor="ctr"/>
           <a:lstStyle/>
           <a:p>
             <a:pPr algn="ctr"/>
@@ -638,20 +519,14 @@
       </p:sp>
       <p:sp>
         <p:nvSpPr>
-          <p:cNvPr id="11" name="Instructions">
-            <a:extLst>
-              <a:ext uri="{FF2B5EF4-FFF2-40B4-BE49-F238E27FC236}">
-                <a16:creationId xmlns="" xmlns:a16="http://schemas.microsoft.com/office/drawing/2014/main" id="{2635A212-2F14-4E54-B188-2E68FF297809}"/>
-              </a:ext>
-            </a:extLst>
-          </p:cNvPr>
+          <p:cNvPr id="11" name="Instructions"/>
           <p:cNvSpPr/>
           <p:nvPr userDrawn="1"/>
         </p:nvSpPr>
         <p:spPr>
           <a:xfrm>
-            <a:off x="-10515600" y="0"/>
-            <a:ext cx="9601200" cy="32918400"/>
+            <a:off x="-7680960" y="0"/>
+            <a:ext cx="7132320" cy="21945600"/>
           </a:xfrm>
           <a:prstGeom prst="rect">
             <a:avLst/>
@@ -682,7 +557,7 @@
           </a:fontRef>
         </p:style>
         <p:txBody>
-          <a:bodyPr lIns="171421" tIns="171421" rIns="171421" bIns="171421" rtlCol="0" anchor="t"/>
+          <a:bodyPr lIns="122428" tIns="122428" rIns="122428" bIns="122428" rtlCol="0" anchor="t"/>
           <a:lstStyle>
             <a:defPPr>
               <a:defRPr lang="en-US"/>
@@ -784,11 +659,11 @@
                 <a:spcPts val="0"/>
               </a:spcBef>
               <a:spcAft>
-                <a:spcPts val="1800"/>
+                <a:spcPts val="1286"/>
               </a:spcAft>
             </a:pPr>
             <a:r>
-              <a:rPr lang="en-US" sz="7200" dirty="0">
+              <a:rPr lang="en-US" sz="4700" dirty="0" smtClean="0">
                 <a:solidFill>
                   <a:srgbClr val="7F7F7F"/>
                 </a:solidFill>
@@ -797,7 +672,7 @@
               </a:rPr>
               <a:t>Poster Print Size:</a:t>
             </a:r>
-            <a:endParaRPr sz="7200" dirty="0">
+            <a:endParaRPr sz="4700" dirty="0">
               <a:solidFill>
                 <a:srgbClr val="7F7F7F"/>
               </a:solidFill>
@@ -811,18 +686,18 @@
                 <a:spcPts val="0"/>
               </a:spcBef>
               <a:spcAft>
-                <a:spcPts val="1800"/>
+                <a:spcPts val="1286"/>
               </a:spcAft>
             </a:pPr>
             <a:r>
-              <a:rPr lang="en-US" sz="4900" dirty="0">
+              <a:rPr lang="en-US" sz="3300" dirty="0" smtClean="0">
                 <a:solidFill>
                   <a:srgbClr val="7F7F7F"/>
                 </a:solidFill>
                 <a:latin typeface="Calibri" pitchFamily="34" charset="0"/>
                 <a:cs typeface="Calibri" panose="020F0502020204030204" pitchFamily="34" charset="0"/>
               </a:rPr>
-              <a:t>This poster template is 36” high by 48” wide. It can be used to print any poster with a 3:4 aspect ratio.</a:t>
+              <a:t>This poster template is 24” high by 36” wide. It can be used to print any poster with a 2:3 aspect ratio including 36x54 and 48x72.</a:t>
             </a:r>
           </a:p>
           <a:p>
@@ -831,11 +706,11 @@
                 <a:spcPts val="0"/>
               </a:spcBef>
               <a:spcAft>
-                <a:spcPts val="1800"/>
+                <a:spcPts val="1286"/>
               </a:spcAft>
             </a:pPr>
             <a:r>
-              <a:rPr lang="en-US" sz="7200" dirty="0">
+              <a:rPr lang="en-US" sz="4700" dirty="0" smtClean="0">
                 <a:solidFill>
                   <a:srgbClr val="7F7F7F"/>
                 </a:solidFill>
@@ -845,7 +720,7 @@
               <a:t>Placeholders</a:t>
             </a:r>
             <a:r>
-              <a:rPr sz="7200" dirty="0">
+              <a:rPr sz="4700" dirty="0" smtClean="0">
                 <a:solidFill>
                   <a:srgbClr val="7F7F7F"/>
                 </a:solidFill>
@@ -854,6 +729,13 @@
               </a:rPr>
               <a:t>:</a:t>
             </a:r>
+            <a:endParaRPr sz="4700" dirty="0">
+              <a:solidFill>
+                <a:srgbClr val="7F7F7F"/>
+              </a:solidFill>
+              <a:latin typeface="Calibri" pitchFamily="34" charset="0"/>
+              <a:cs typeface="Calibri" panose="020F0502020204030204" pitchFamily="34" charset="0"/>
+            </a:endParaRPr>
           </a:p>
           <a:p>
             <a:pPr lvl="0">
@@ -861,11 +743,11 @@
                 <a:spcPts val="0"/>
               </a:spcBef>
               <a:spcAft>
-                <a:spcPts val="1800"/>
+                <a:spcPts val="1286"/>
               </a:spcAft>
             </a:pPr>
             <a:r>
-              <a:rPr sz="4900" dirty="0">
+              <a:rPr sz="3300" dirty="0">
                 <a:solidFill>
                   <a:srgbClr val="7F7F7F"/>
                 </a:solidFill>
@@ -875,7 +757,7 @@
               <a:t>The </a:t>
             </a:r>
             <a:r>
-              <a:rPr lang="en-US" sz="4900" dirty="0">
+              <a:rPr lang="en-US" sz="3300" dirty="0" smtClean="0">
                 <a:solidFill>
                   <a:srgbClr val="7F7F7F"/>
                 </a:solidFill>
@@ -885,57 +767,67 @@
               <a:t>various elements included</a:t>
             </a:r>
             <a:r>
-              <a:rPr sz="4900" dirty="0">
+              <a:rPr sz="3300" dirty="0" smtClean="0">
                 <a:solidFill>
                   <a:srgbClr val="7F7F7F"/>
                 </a:solidFill>
                 <a:latin typeface="Calibri" pitchFamily="34" charset="0"/>
                 <a:cs typeface="Calibri" panose="020F0502020204030204" pitchFamily="34" charset="0"/>
               </a:rPr>
-              <a:t> in this </a:t>
-            </a:r>
-            <a:r>
-              <a:rPr lang="en-US" sz="4900" dirty="0">
+              <a:t> </a:t>
+            </a:r>
+            <a:r>
+              <a:rPr sz="3300" dirty="0">
                 <a:solidFill>
                   <a:srgbClr val="7F7F7F"/>
                 </a:solidFill>
                 <a:latin typeface="Calibri" pitchFamily="34" charset="0"/>
                 <a:cs typeface="Calibri" panose="020F0502020204030204" pitchFamily="34" charset="0"/>
               </a:rPr>
-              <a:t>poster are ones</a:t>
-            </a:r>
-            <a:r>
-              <a:rPr lang="en-US" sz="4900" baseline="0" dirty="0">
+              <a:t>in this </a:t>
+            </a:r>
+            <a:r>
+              <a:rPr lang="en-US" sz="3300" dirty="0" smtClean="0">
                 <a:solidFill>
                   <a:srgbClr val="7F7F7F"/>
                 </a:solidFill>
                 <a:latin typeface="Calibri" pitchFamily="34" charset="0"/>
                 <a:cs typeface="Calibri" panose="020F0502020204030204" pitchFamily="34" charset="0"/>
               </a:rPr>
-              <a:t> we often see in medical, research, and scientific posters.</a:t>
-            </a:r>
-            <a:r>
-              <a:rPr sz="4900" dirty="0">
+              <a:t>poster are ones</a:t>
+            </a:r>
+            <a:r>
+              <a:rPr lang="en-US" sz="3300" baseline="0" dirty="0" smtClean="0">
                 <a:solidFill>
                   <a:srgbClr val="7F7F7F"/>
                 </a:solidFill>
                 <a:latin typeface="Calibri" pitchFamily="34" charset="0"/>
                 <a:cs typeface="Calibri" panose="020F0502020204030204" pitchFamily="34" charset="0"/>
               </a:rPr>
-              <a:t> </a:t>
-            </a:r>
-            <a:r>
-              <a:rPr lang="en-US" sz="4900" dirty="0">
+              <a:t> we often see in medical, research, and scientific posters.</a:t>
+            </a:r>
+            <a:r>
+              <a:rPr sz="3300" dirty="0" smtClean="0">
                 <a:solidFill>
                   <a:srgbClr val="7F7F7F"/>
                 </a:solidFill>
                 <a:latin typeface="Calibri" pitchFamily="34" charset="0"/>
                 <a:cs typeface="Calibri" panose="020F0502020204030204" pitchFamily="34" charset="0"/>
               </a:rPr>
+              <a:t> </a:t>
+            </a:r>
+            <a:r>
+              <a:rPr lang="en-US" sz="3300" dirty="0" smtClean="0">
+                <a:solidFill>
+                  <a:srgbClr val="7F7F7F"/>
+                </a:solidFill>
+                <a:latin typeface="Calibri" pitchFamily="34" charset="0"/>
+                <a:cs typeface="Calibri" panose="020F0502020204030204" pitchFamily="34" charset="0"/>
+              </a:rPr>
               <a:t>Feel</a:t>
             </a:r>
             <a:r>
-              <a:rPr lang="en-US" sz="4900" baseline="0" dirty="0">
+              <a:rPr lang="en-US" sz="3300" baseline="0" dirty="0" smtClean="0">
                 <a:solidFill>
                   <a:srgbClr val="7F7F7F"/>
                 </a:solidFill>
@@ -951,11 +843,11 @@
                 <a:spcPts val="0"/>
               </a:spcBef>
               <a:spcAft>
-                <a:spcPts val="1800"/>
+                <a:spcPts val="1286"/>
               </a:spcAft>
             </a:pPr>
             <a:r>
-              <a:rPr lang="en-US" sz="7200" dirty="0">
+              <a:rPr lang="en-US" sz="4700" dirty="0" smtClean="0">
                 <a:solidFill>
                   <a:srgbClr val="7F7F7F"/>
                 </a:solidFill>
@@ -965,7 +857,7 @@
               <a:t>Image</a:t>
             </a:r>
             <a:r>
-              <a:rPr lang="en-US" sz="7200" baseline="0" dirty="0">
+              <a:rPr lang="en-US" sz="4700" baseline="0" dirty="0" smtClean="0">
                 <a:solidFill>
                   <a:srgbClr val="7F7F7F"/>
                 </a:solidFill>
@@ -975,7 +867,7 @@
               <a:t> Quality</a:t>
             </a:r>
             <a:r>
-              <a:rPr lang="en-US" sz="7200" dirty="0">
+              <a:rPr lang="en-US" sz="4700" dirty="0" smtClean="0">
                 <a:solidFill>
                   <a:srgbClr val="7F7F7F"/>
                 </a:solidFill>
@@ -991,11 +883,11 @@
                 <a:spcPts val="0"/>
               </a:spcBef>
               <a:spcAft>
-                <a:spcPts val="1800"/>
+                <a:spcPts val="1286"/>
               </a:spcAft>
             </a:pPr>
             <a:r>
-              <a:rPr lang="en-US" sz="4900" dirty="0">
+              <a:rPr lang="en-US" sz="3300" dirty="0" smtClean="0">
                 <a:solidFill>
                   <a:srgbClr val="7F7F7F"/>
                 </a:solidFill>
@@ -1005,7 +897,7 @@
               <a:t>You can place digital photos or logo art in your poster file by selecting the </a:t>
             </a:r>
             <a:r>
-              <a:rPr lang="en-US" sz="4900" b="1" dirty="0">
+              <a:rPr lang="en-US" sz="3300" b="1" dirty="0" smtClean="0">
                 <a:solidFill>
                   <a:srgbClr val="7F7F7F"/>
                 </a:solidFill>
@@ -1015,7 +907,7 @@
               <a:t>Insert, Picture</a:t>
             </a:r>
             <a:r>
-              <a:rPr lang="en-US" sz="4900" dirty="0">
+              <a:rPr lang="en-US" sz="3300" dirty="0" smtClean="0">
                 <a:solidFill>
                   <a:srgbClr val="7F7F7F"/>
                 </a:solidFill>
@@ -1025,7 +917,7 @@
               <a:t> command, or by using standard copy &amp; paste. For best results, all graphic elements should be at least </a:t>
             </a:r>
             <a:r>
-              <a:rPr lang="en-US" sz="4900" b="1" dirty="0">
+              <a:rPr lang="en-US" sz="3300" b="1" dirty="0" smtClean="0">
                 <a:solidFill>
                   <a:srgbClr val="7F7F7F"/>
                 </a:solidFill>
@@ -1035,7 +927,7 @@
               <a:t>150-200 pixels per inch in their final printed size</a:t>
             </a:r>
             <a:r>
-              <a:rPr lang="en-US" sz="4900" dirty="0">
+              <a:rPr lang="en-US" sz="3300" dirty="0" smtClean="0">
                 <a:solidFill>
                   <a:srgbClr val="7F7F7F"/>
                 </a:solidFill>
@@ -1045,7 +937,7 @@
               <a:t>. For instance, a 1600 x 1200 pixel</a:t>
             </a:r>
             <a:r>
-              <a:rPr lang="en-US" sz="4900" baseline="0" dirty="0">
+              <a:rPr lang="en-US" sz="3300" baseline="0" dirty="0" smtClean="0">
                 <a:solidFill>
                   <a:srgbClr val="7F7F7F"/>
                 </a:solidFill>
@@ -1055,7 +947,7 @@
               <a:t> photo will usually look fine up to </a:t>
             </a:r>
             <a:r>
-              <a:rPr lang="en-US" sz="4900" dirty="0">
+              <a:rPr lang="en-US" sz="3300" dirty="0" smtClean="0">
                 <a:solidFill>
                   <a:srgbClr val="7F7F7F"/>
                 </a:solidFill>
@@ -1071,11 +963,11 @@
                 <a:spcPts val="0"/>
               </a:spcBef>
               <a:spcAft>
-                <a:spcPts val="1800"/>
+                <a:spcPts val="1286"/>
               </a:spcAft>
             </a:pPr>
             <a:r>
-              <a:rPr lang="en-US" sz="4900" dirty="0">
+              <a:rPr lang="en-US" sz="3300" dirty="0" smtClean="0">
                 <a:solidFill>
                   <a:srgbClr val="7F7F7F"/>
                 </a:solidFill>
@@ -1091,11 +983,11 @@
                 <a:spcPts val="0"/>
               </a:spcBef>
               <a:spcAft>
-                <a:spcPts val="1800"/>
+                <a:spcPts val="1286"/>
               </a:spcAft>
             </a:pPr>
             <a:r>
-              <a:rPr lang="en-US" sz="4900" dirty="0">
+              <a:rPr lang="en-US" sz="3300" dirty="0" smtClean="0">
                 <a:solidFill>
                   <a:srgbClr val="7F7F7F"/>
                 </a:solidFill>
@@ -1111,11 +1003,11 @@
                 <a:spcPts val="0"/>
               </a:spcBef>
               <a:spcAft>
-                <a:spcPts val="1800"/>
+                <a:spcPts val="1286"/>
               </a:spcAft>
             </a:pPr>
             <a:r>
-              <a:rPr lang="en-US" sz="3600" dirty="0">
+              <a:rPr lang="en-US" sz="2400" dirty="0" smtClean="0">
                 <a:solidFill>
                   <a:srgbClr val="7F7F7F"/>
                 </a:solidFill>
@@ -1125,7 +1017,7 @@
               <a:t/>
             </a:r>
             <a:br>
-              <a:rPr lang="en-US" sz="3600" dirty="0">
+              <a:rPr lang="en-US" sz="2400" dirty="0" smtClean="0">
                 <a:solidFill>
                   <a:srgbClr val="7F7F7F"/>
                 </a:solidFill>
@@ -1134,7 +1026,7 @@
               </a:rPr>
             </a:br>
             <a:r>
-              <a:rPr lang="en-US" sz="3600" dirty="0">
+              <a:rPr lang="en-US" sz="2400" dirty="0" smtClean="0">
                 <a:solidFill>
                   <a:srgbClr val="7F7F7F"/>
                 </a:solidFill>
@@ -1148,33 +1040,21 @@
       </p:sp>
       <p:grpSp>
         <p:nvGrpSpPr>
-          <p:cNvPr id="12" name="Group 11">
-            <a:extLst>
-              <a:ext uri="{FF2B5EF4-FFF2-40B4-BE49-F238E27FC236}">
-                <a16:creationId xmlns="" xmlns:a16="http://schemas.microsoft.com/office/drawing/2014/main" id="{8C03A960-1683-409E-A55D-F51A19859FC5}"/>
-              </a:ext>
-            </a:extLst>
-          </p:cNvPr>
+          <p:cNvPr id="12" name="Group 11"/>
           <p:cNvGrpSpPr/>
           <p:nvPr userDrawn="1"/>
         </p:nvGrpSpPr>
         <p:grpSpPr>
           <a:xfrm>
-            <a:off x="44805600" y="0"/>
-            <a:ext cx="9601200" cy="32918400"/>
+            <a:off x="33467040" y="0"/>
+            <a:ext cx="7132320" cy="21945600"/>
             <a:chOff x="33832800" y="0"/>
             <a:chExt cx="12801600" cy="43891200"/>
           </a:xfrm>
         </p:grpSpPr>
         <p:sp>
           <p:nvSpPr>
-            <p:cNvPr id="13" name="Instructions">
-              <a:extLst>
-                <a:ext uri="{FF2B5EF4-FFF2-40B4-BE49-F238E27FC236}">
-                  <a16:creationId xmlns="" xmlns:a16="http://schemas.microsoft.com/office/drawing/2014/main" id="{AB929665-0AA8-4244-A1ED-F55D3543CCB6}"/>
-                </a:ext>
-              </a:extLst>
-            </p:cNvPr>
+            <p:cNvPr id="13" name="Instructions"/>
             <p:cNvSpPr/>
             <p:nvPr userDrawn="1"/>
           </p:nvSpPr>
@@ -1314,11 +1194,11 @@
                   <a:spcPts val="0"/>
                 </a:spcBef>
                 <a:spcAft>
-                  <a:spcPts val="1800"/>
+                  <a:spcPts val="1286"/>
                 </a:spcAft>
               </a:pPr>
               <a:r>
-                <a:rPr lang="en-US" sz="7200" dirty="0">
+                <a:rPr lang="en-US" sz="4700" dirty="0" smtClean="0">
                   <a:solidFill>
                     <a:schemeClr val="bg1">
                       <a:lumMod val="50000"/>
@@ -1330,7 +1210,7 @@
                 <a:t>Change</a:t>
               </a:r>
               <a:r>
-                <a:rPr lang="en-US" sz="7200" baseline="0" dirty="0">
+                <a:rPr lang="en-US" sz="4700" baseline="0" dirty="0" smtClean="0">
                   <a:solidFill>
                     <a:schemeClr val="bg1">
                       <a:lumMod val="50000"/>
@@ -1342,7 +1222,7 @@
                 <a:t> Color Theme</a:t>
               </a:r>
               <a:r>
-                <a:rPr lang="en-US" sz="7200" dirty="0">
+                <a:rPr lang="en-US" sz="4700" dirty="0" smtClean="0">
                   <a:solidFill>
                     <a:schemeClr val="bg1">
                       <a:lumMod val="50000"/>
@@ -1353,7 +1233,7 @@
                 </a:rPr>
                 <a:t>:</a:t>
               </a:r>
-              <a:endParaRPr sz="7200" dirty="0">
+              <a:endParaRPr sz="4700" dirty="0">
                 <a:solidFill>
                   <a:schemeClr val="bg1">
                     <a:lumMod val="50000"/>
@@ -1369,11 +1249,11 @@
                   <a:spcPts val="0"/>
                 </a:spcBef>
                 <a:spcAft>
-                  <a:spcPts val="1800"/>
+                  <a:spcPts val="1286"/>
                 </a:spcAft>
               </a:pPr>
               <a:r>
-                <a:rPr lang="en-US" sz="4900" dirty="0">
+                <a:rPr lang="en-US" sz="3300" dirty="0" smtClean="0">
                   <a:solidFill>
                     <a:schemeClr val="bg1">
                       <a:lumMod val="50000"/>
@@ -1385,7 +1265,7 @@
                 <a:t>This template is designed to use the built-in color themes in</a:t>
               </a:r>
               <a:r>
-                <a:rPr lang="en-US" sz="4900" baseline="0" dirty="0">
+                <a:rPr lang="en-US" sz="3300" baseline="0" dirty="0" smtClean="0">
                   <a:solidFill>
                     <a:schemeClr val="bg1">
                       <a:lumMod val="50000"/>
@@ -1403,11 +1283,11 @@
                   <a:spcPts val="0"/>
                 </a:spcBef>
                 <a:spcAft>
-                  <a:spcPts val="1800"/>
+                  <a:spcPts val="1286"/>
                 </a:spcAft>
               </a:pPr>
               <a:r>
-                <a:rPr lang="en-US" sz="4900" baseline="0" dirty="0">
+                <a:rPr lang="en-US" sz="3300" baseline="0" dirty="0" smtClean="0">
                   <a:solidFill>
                     <a:schemeClr val="bg1">
                       <a:lumMod val="50000"/>
@@ -1419,7 +1299,7 @@
                 <a:t>To change the color theme, select the </a:t>
               </a:r>
               <a:r>
-                <a:rPr lang="en-US" sz="4900" b="1" baseline="0" dirty="0">
+                <a:rPr lang="en-US" sz="3300" b="1" baseline="0" dirty="0" smtClean="0">
                   <a:solidFill>
                     <a:schemeClr val="bg1">
                       <a:lumMod val="50000"/>
@@ -1431,7 +1311,7 @@
                 <a:t>Design</a:t>
               </a:r>
               <a:r>
-                <a:rPr lang="en-US" sz="4900" baseline="0" dirty="0">
+                <a:rPr lang="en-US" sz="3300" baseline="0" dirty="0" smtClean="0">
                   <a:solidFill>
                     <a:schemeClr val="bg1">
                       <a:lumMod val="50000"/>
@@ -1443,7 +1323,7 @@
                 <a:t> tab, then select the </a:t>
               </a:r>
               <a:r>
-                <a:rPr lang="en-US" sz="4900" b="1" baseline="0" dirty="0">
+                <a:rPr lang="en-US" sz="3300" b="1" baseline="0" dirty="0" smtClean="0">
                   <a:solidFill>
                     <a:schemeClr val="bg1">
                       <a:lumMod val="50000"/>
@@ -1455,7 +1335,7 @@
                 <a:t>Colors</a:t>
               </a:r>
               <a:r>
-                <a:rPr lang="en-US" sz="4900" baseline="0" dirty="0">
+                <a:rPr lang="en-US" sz="3300" baseline="0" dirty="0" smtClean="0">
                   <a:solidFill>
                     <a:schemeClr val="bg1">
                       <a:lumMod val="50000"/>
@@ -1473,10 +1353,10 @@
                   <a:spcPts val="0"/>
                 </a:spcBef>
                 <a:spcAft>
-                  <a:spcPts val="1800"/>
+                  <a:spcPts val="1286"/>
                 </a:spcAft>
               </a:pPr>
-              <a:endParaRPr lang="en-US" sz="4900" baseline="0" dirty="0">
+              <a:endParaRPr lang="en-US" sz="4800" baseline="0" dirty="0" smtClean="0">
                 <a:solidFill>
                   <a:schemeClr val="bg1">
                     <a:lumMod val="50000"/>
@@ -1492,10 +1372,10 @@
                   <a:spcPts val="0"/>
                 </a:spcBef>
                 <a:spcAft>
-                  <a:spcPts val="1800"/>
+                  <a:spcPts val="1286"/>
                 </a:spcAft>
               </a:pPr>
-              <a:endParaRPr lang="en-US" sz="4900" baseline="0" dirty="0">
+              <a:endParaRPr lang="en-US" sz="3300" baseline="0" dirty="0" smtClean="0">
                 <a:solidFill>
                   <a:schemeClr val="bg1">
                     <a:lumMod val="50000"/>
@@ -1511,10 +1391,10 @@
                   <a:spcPts val="0"/>
                 </a:spcBef>
                 <a:spcAft>
-                  <a:spcPts val="1800"/>
+                  <a:spcPts val="1286"/>
                 </a:spcAft>
               </a:pPr>
-              <a:endParaRPr lang="en-US" sz="4900" baseline="0" dirty="0">
+              <a:endParaRPr lang="en-US" sz="3300" baseline="0" dirty="0" smtClean="0">
                 <a:solidFill>
                   <a:schemeClr val="bg1">
                     <a:lumMod val="50000"/>
@@ -1530,10 +1410,10 @@
                   <a:spcPts val="0"/>
                 </a:spcBef>
                 <a:spcAft>
-                  <a:spcPts val="1800"/>
+                  <a:spcPts val="1286"/>
                 </a:spcAft>
               </a:pPr>
-              <a:endParaRPr lang="en-US" sz="4900" baseline="0" dirty="0">
+              <a:endParaRPr lang="en-US" sz="3300" baseline="0" dirty="0" smtClean="0">
                 <a:solidFill>
                   <a:schemeClr val="bg1">
                     <a:lumMod val="50000"/>
@@ -1549,10 +1429,10 @@
                   <a:spcPts val="0"/>
                 </a:spcBef>
                 <a:spcAft>
-                  <a:spcPts val="1800"/>
+                  <a:spcPts val="1286"/>
                 </a:spcAft>
               </a:pPr>
-              <a:endParaRPr lang="en-US" sz="4900" baseline="0" dirty="0">
+              <a:endParaRPr lang="en-US" sz="3300" baseline="0" dirty="0" smtClean="0">
                 <a:solidFill>
                   <a:schemeClr val="bg1">
                     <a:lumMod val="50000"/>
@@ -1568,10 +1448,10 @@
                   <a:spcPts val="0"/>
                 </a:spcBef>
                 <a:spcAft>
-                  <a:spcPts val="1800"/>
+                  <a:spcPts val="1286"/>
                 </a:spcAft>
               </a:pPr>
-              <a:endParaRPr lang="en-US" sz="4900" baseline="0" dirty="0">
+              <a:endParaRPr lang="en-US" sz="3300" baseline="0" dirty="0" smtClean="0">
                 <a:solidFill>
                   <a:schemeClr val="bg1">
                     <a:lumMod val="50000"/>
@@ -1587,10 +1467,10 @@
                   <a:spcPts val="0"/>
                 </a:spcBef>
                 <a:spcAft>
-                  <a:spcPts val="1800"/>
+                  <a:spcPts val="1286"/>
                 </a:spcAft>
               </a:pPr>
-              <a:endParaRPr lang="en-US" sz="4900" baseline="0" dirty="0">
+              <a:endParaRPr lang="en-US" sz="3300" baseline="0" dirty="0" smtClean="0">
                 <a:solidFill>
                   <a:schemeClr val="bg1">
                     <a:lumMod val="50000"/>
@@ -1606,10 +1486,10 @@
                   <a:spcPts val="0"/>
                 </a:spcBef>
                 <a:spcAft>
-                  <a:spcPts val="1800"/>
+                  <a:spcPts val="1286"/>
                 </a:spcAft>
               </a:pPr>
-              <a:endParaRPr lang="en-US" sz="4900" baseline="0" dirty="0">
+              <a:endParaRPr lang="en-US" sz="3300" baseline="0" dirty="0" smtClean="0">
                 <a:solidFill>
                   <a:schemeClr val="bg1">
                     <a:lumMod val="50000"/>
@@ -1625,30 +1505,11 @@
                   <a:spcPts val="0"/>
                 </a:spcBef>
                 <a:spcAft>
-                  <a:spcPts val="1800"/>
-                </a:spcAft>
-              </a:pPr>
-              <a:endParaRPr lang="en-US" sz="4900" baseline="0" dirty="0">
-                <a:solidFill>
-                  <a:schemeClr val="bg1">
-                    <a:lumMod val="50000"/>
-                  </a:schemeClr>
-                </a:solidFill>
-                <a:latin typeface="Calibri" pitchFamily="34" charset="0"/>
-                <a:cs typeface="Calibri" panose="020F0502020204030204" pitchFamily="34" charset="0"/>
-              </a:endParaRPr>
-            </a:p>
-            <a:p>
-              <a:pPr lvl="0">
-                <a:spcBef>
-                  <a:spcPts val="0"/>
-                </a:spcBef>
-                <a:spcAft>
-                  <a:spcPts val="1800"/>
+                  <a:spcPts val="1286"/>
                 </a:spcAft>
               </a:pPr>
               <a:r>
-                <a:rPr lang="en-US" sz="4900" baseline="0" dirty="0">
+                <a:rPr lang="en-US" sz="3300" baseline="0" dirty="0" smtClean="0">
                   <a:solidFill>
                     <a:schemeClr val="bg1">
                       <a:lumMod val="50000"/>
@@ -1666,11 +1527,11 @@
                   <a:spcPts val="0"/>
                 </a:spcBef>
                 <a:spcAft>
-                  <a:spcPts val="1800"/>
+                  <a:spcPts val="1286"/>
                 </a:spcAft>
               </a:pPr>
               <a:r>
-                <a:rPr lang="en-US" sz="7200" dirty="0">
+                <a:rPr lang="en-US" sz="4700" dirty="0" smtClean="0">
                   <a:solidFill>
                     <a:schemeClr val="bg1">
                       <a:lumMod val="50000"/>
@@ -1688,11 +1549,11 @@
                   <a:spcPts val="0"/>
                 </a:spcBef>
                 <a:spcAft>
-                  <a:spcPts val="1800"/>
+                  <a:spcPts val="1286"/>
                 </a:spcAft>
               </a:pPr>
               <a:r>
-                <a:rPr lang="en-US" sz="4900" dirty="0">
+                <a:rPr lang="en-US" sz="3300" dirty="0" smtClean="0">
                   <a:solidFill>
                     <a:schemeClr val="bg1">
                       <a:lumMod val="50000"/>
@@ -1704,7 +1565,7 @@
                 <a:t>Once your poster file is ready, visit</a:t>
               </a:r>
               <a:r>
-                <a:rPr lang="en-US" sz="4900" baseline="0" dirty="0">
+                <a:rPr lang="en-US" sz="3300" baseline="0" dirty="0" smtClean="0">
                   <a:solidFill>
                     <a:schemeClr val="bg1">
                       <a:lumMod val="50000"/>
@@ -1716,7 +1577,7 @@
                 <a:t> </a:t>
               </a:r>
               <a:r>
-                <a:rPr lang="en-US" sz="4900" b="1" baseline="0" dirty="0">
+                <a:rPr lang="en-US" sz="3300" b="1" baseline="0" dirty="0" smtClean="0">
                   <a:solidFill>
                     <a:schemeClr val="bg1">
                       <a:lumMod val="50000"/>
@@ -1728,7 +1589,7 @@
                 <a:t>www.genigraphics.com</a:t>
               </a:r>
               <a:r>
-                <a:rPr lang="en-US" sz="4900" baseline="0" dirty="0">
+                <a:rPr lang="en-US" sz="3300" baseline="0" dirty="0" smtClean="0">
                   <a:solidFill>
                     <a:schemeClr val="bg1">
                       <a:lumMod val="50000"/>
@@ -1746,11 +1607,11 @@
                   <a:spcPts val="0"/>
                 </a:spcBef>
                 <a:spcAft>
-                  <a:spcPts val="1800"/>
+                  <a:spcPts val="1286"/>
                 </a:spcAft>
               </a:pPr>
               <a:r>
-                <a:rPr lang="en-US" sz="4900" baseline="0" dirty="0">
+                <a:rPr lang="en-US" sz="3300" baseline="0" dirty="0" smtClean="0">
                   <a:solidFill>
                     <a:schemeClr val="bg1">
                       <a:lumMod val="50000"/>
@@ -1771,7 +1632,7 @@
                   <a:spcPts val="0"/>
                 </a:spcAft>
               </a:pPr>
-              <a:endParaRPr lang="en-US" sz="4900" baseline="0" dirty="0">
+              <a:endParaRPr lang="en-US" sz="3300" baseline="0" dirty="0" smtClean="0">
                 <a:solidFill>
                   <a:schemeClr val="bg1">
                     <a:lumMod val="50000"/>
@@ -1791,7 +1652,7 @@
                 </a:spcAft>
               </a:pPr>
               <a:r>
-                <a:rPr lang="en-US" sz="4900" baseline="0" dirty="0">
+                <a:rPr lang="en-US" sz="3300" baseline="0" dirty="0" smtClean="0">
                   <a:solidFill>
                     <a:schemeClr val="bg1">
                       <a:lumMod val="50000"/>
@@ -1803,7 +1664,7 @@
                 <a:t>US and Canada:  1-800-790-4001</a:t>
               </a:r>
               <a:br>
-                <a:rPr lang="en-US" sz="4900" baseline="0" dirty="0">
+                <a:rPr lang="en-US" sz="3300" baseline="0" dirty="0" smtClean="0">
                   <a:solidFill>
                     <a:schemeClr val="bg1">
                       <a:lumMod val="50000"/>
@@ -1814,7 +1675,7 @@
                 </a:rPr>
               </a:br>
               <a:r>
-                <a:rPr lang="en-US" sz="4900" baseline="0" dirty="0">
+                <a:rPr lang="en-US" sz="3300" baseline="0" dirty="0" smtClean="0">
                   <a:solidFill>
                     <a:schemeClr val="bg1">
                       <a:lumMod val="50000"/>
@@ -1836,7 +1697,7 @@
                 </a:spcAft>
               </a:pPr>
               <a:r>
-                <a:rPr lang="en-US" sz="3600" dirty="0">
+                <a:rPr lang="en-US" sz="2400" dirty="0" smtClean="0">
                   <a:solidFill>
                     <a:schemeClr val="bg1">
                       <a:lumMod val="50000"/>
@@ -1848,7 +1709,7 @@
                 <a:t/>
               </a:r>
               <a:br>
-                <a:rPr lang="en-US" sz="3600" dirty="0">
+                <a:rPr lang="en-US" sz="2400" dirty="0" smtClean="0">
                   <a:solidFill>
                     <a:schemeClr val="bg1">
                       <a:lumMod val="50000"/>
@@ -1859,7 +1720,7 @@
                 </a:rPr>
               </a:br>
               <a:r>
-                <a:rPr lang="en-US" sz="3600" dirty="0">
+                <a:rPr lang="en-US" sz="2400" dirty="0" smtClean="0">
                   <a:solidFill>
                     <a:schemeClr val="bg1">
                       <a:lumMod val="50000"/>
@@ -1875,20 +1736,14 @@
         </p:sp>
         <p:pic>
           <p:nvPicPr>
-            <p:cNvPr id="14" name="Picture 13">
-              <a:extLst>
-                <a:ext uri="{FF2B5EF4-FFF2-40B4-BE49-F238E27FC236}">
-                  <a16:creationId xmlns="" xmlns:a16="http://schemas.microsoft.com/office/drawing/2014/main" id="{7BC9F82D-95DA-49DA-BE65-A0623C7DA1E8}"/>
-                </a:ext>
-              </a:extLst>
-            </p:cNvPr>
+            <p:cNvPr id="14" name="Picture 13"/>
             <p:cNvPicPr>
               <a:picLocks noChangeAspect="1"/>
             </p:cNvPicPr>
             <p:nvPr userDrawn="1"/>
           </p:nvPicPr>
           <p:blipFill>
-            <a:blip r:embed="rId3">
+            <a:blip r:embed="rId2">
               <a:extLst>
                 <a:ext uri="{28A0092B-C50C-407E-A947-70E740481C1C}">
                   <a14:useLocalDpi xmlns:a14="http://schemas.microsoft.com/office/drawing/2010/main" val="0"/>
@@ -1912,20 +1767,14 @@
       </p:grpSp>
       <p:pic>
         <p:nvPicPr>
-          <p:cNvPr id="15" name="Picture 14">
-            <a:extLst>
-              <a:ext uri="{FF2B5EF4-FFF2-40B4-BE49-F238E27FC236}">
-                <a16:creationId xmlns="" xmlns:a16="http://schemas.microsoft.com/office/drawing/2014/main" id="{C3E37D2B-E2A9-420A-AA43-8831BDD4649F}"/>
-              </a:ext>
-            </a:extLst>
-          </p:cNvPr>
+          <p:cNvPr id="2" name="Picture 1"/>
           <p:cNvPicPr>
             <a:picLocks noChangeAspect="1"/>
           </p:cNvPicPr>
           <p:nvPr userDrawn="1"/>
         </p:nvPicPr>
         <p:blipFill>
-          <a:blip r:embed="rId4" cstate="print">
+          <a:blip r:embed="rId3" cstate="print">
             <a:extLst>
               <a:ext uri="{28A0092B-C50C-407E-A947-70E740481C1C}">
                 <a14:useLocalDpi xmlns:a14="http://schemas.microsoft.com/office/drawing/2010/main" val="0"/>
@@ -1938,7 +1787,7 @@
         </p:blipFill>
         <p:spPr>
           <a:xfrm>
-            <a:off x="38404800" y="32613600"/>
+            <a:off x="27508200" y="21677939"/>
             <a:ext cx="5297435" cy="185928"/>
           </a:xfrm>
           <a:prstGeom prst="rect">
@@ -1949,45 +1798,480 @@
     </p:spTree>
     <p:extLst>
       <p:ext uri="{BB962C8B-B14F-4D97-AF65-F5344CB8AC3E}">
-        <p14:creationId xmlns:p14="http://schemas.microsoft.com/office/powerpoint/2010/main" val="3690493784"/>
+        <p14:creationId xmlns:p14="http://schemas.microsoft.com/office/powerpoint/2010/main" val="3812944807"/>
+      </p:ext>
+    </p:extLst>
+  </p:cSld>
+  <p:clrMapOvr>
+    <a:masterClrMapping/>
+  </p:clrMapOvr>
+  <p:timing>
+    <p:tnLst>
+      <p:par>
+        <p:cTn id="1" dur="indefinite" restart="never" nodeType="tmRoot"/>
+      </p:par>
+    </p:tnLst>
+  </p:timing>
+</p:sldLayout>
+</file>
+
+<file path=ppt/slideLayouts/slideLayout2.xml><?xml version="1.0" encoding="utf-8"?>
+<p:sldLayout xmlns:a="http://schemas.openxmlformats.org/drawingml/2006/main" xmlns:r="http://schemas.openxmlformats.org/officeDocument/2006/relationships" xmlns:p="http://schemas.openxmlformats.org/presentationml/2006/main" type="obj" preserve="1">
+  <p:cSld name="Title and Content">
+    <p:spTree>
+      <p:nvGrpSpPr>
+        <p:cNvPr id="1" name=""/>
+        <p:cNvGrpSpPr/>
+        <p:nvPr/>
+      </p:nvGrpSpPr>
+      <p:grpSpPr>
+        <a:xfrm>
+          <a:off x="0" y="0"/>
+          <a:ext cx="0" cy="0"/>
+          <a:chOff x="0" y="0"/>
+          <a:chExt cx="0" cy="0"/>
+        </a:xfrm>
+      </p:grpSpPr>
+      <p:sp>
+        <p:nvSpPr>
+          <p:cNvPr id="2" name="Title 1"/>
+          <p:cNvSpPr>
+            <a:spLocks noGrp="1"/>
+          </p:cNvSpPr>
+          <p:nvPr>
+            <p:ph type="title"/>
+          </p:nvPr>
+        </p:nvSpPr>
+        <p:spPr/>
+        <p:txBody>
+          <a:bodyPr/>
+          <a:lstStyle/>
+          <a:p>
+            <a:r>
+              <a:rPr lang="en-US" smtClean="0"/>
+              <a:t>Click to edit Master title style</a:t>
+            </a:r>
+            <a:endParaRPr lang="en-US"/>
+          </a:p>
+        </p:txBody>
+      </p:sp>
+      <p:sp>
+        <p:nvSpPr>
+          <p:cNvPr id="3" name="Content Placeholder 2"/>
+          <p:cNvSpPr>
+            <a:spLocks noGrp="1"/>
+          </p:cNvSpPr>
+          <p:nvPr>
+            <p:ph idx="1"/>
+          </p:nvPr>
+        </p:nvSpPr>
+        <p:spPr/>
+        <p:txBody>
+          <a:bodyPr/>
+          <a:lstStyle/>
+          <a:p>
+            <a:pPr lvl="0"/>
+            <a:r>
+              <a:rPr lang="en-US" smtClean="0"/>
+              <a:t>Click to edit Master text styles</a:t>
+            </a:r>
+          </a:p>
+          <a:p>
+            <a:pPr lvl="1"/>
+            <a:r>
+              <a:rPr lang="en-US" smtClean="0"/>
+              <a:t>Second level</a:t>
+            </a:r>
+          </a:p>
+          <a:p>
+            <a:pPr lvl="2"/>
+            <a:r>
+              <a:rPr lang="en-US" smtClean="0"/>
+              <a:t>Third level</a:t>
+            </a:r>
+          </a:p>
+          <a:p>
+            <a:pPr lvl="3"/>
+            <a:r>
+              <a:rPr lang="en-US" smtClean="0"/>
+              <a:t>Fourth level</a:t>
+            </a:r>
+          </a:p>
+          <a:p>
+            <a:pPr lvl="4"/>
+            <a:r>
+              <a:rPr lang="en-US" smtClean="0"/>
+              <a:t>Fifth level</a:t>
+            </a:r>
+            <a:endParaRPr lang="en-US"/>
+          </a:p>
+        </p:txBody>
+      </p:sp>
+      <p:sp>
+        <p:nvSpPr>
+          <p:cNvPr id="4" name="Date Placeholder 3"/>
+          <p:cNvSpPr>
+            <a:spLocks noGrp="1"/>
+          </p:cNvSpPr>
+          <p:nvPr>
+            <p:ph type="dt" sz="half" idx="10"/>
+          </p:nvPr>
+        </p:nvSpPr>
+        <p:spPr/>
+        <p:txBody>
+          <a:bodyPr/>
+          <a:lstStyle/>
+          <a:p>
+            <a:fld id="{985D6BDF-9D0E-4E2B-85B8-D8F4790360C9}" type="datetimeFigureOut">
+              <a:rPr lang="en-US" smtClean="0"/>
+              <a:t>5/9/2018</a:t>
+            </a:fld>
+            <a:endParaRPr lang="en-US" dirty="0"/>
+          </a:p>
+        </p:txBody>
+      </p:sp>
+      <p:sp>
+        <p:nvSpPr>
+          <p:cNvPr id="5" name="Footer Placeholder 4"/>
+          <p:cNvSpPr>
+            <a:spLocks noGrp="1"/>
+          </p:cNvSpPr>
+          <p:nvPr>
+            <p:ph type="ftr" sz="quarter" idx="11"/>
+          </p:nvPr>
+        </p:nvSpPr>
+        <p:spPr/>
+        <p:txBody>
+          <a:bodyPr/>
+          <a:lstStyle/>
+          <a:p>
+            <a:endParaRPr lang="en-US" dirty="0"/>
+          </a:p>
+        </p:txBody>
+      </p:sp>
+      <p:sp>
+        <p:nvSpPr>
+          <p:cNvPr id="6" name="Slide Number Placeholder 5"/>
+          <p:cNvSpPr>
+            <a:spLocks noGrp="1"/>
+          </p:cNvSpPr>
+          <p:nvPr>
+            <p:ph type="sldNum" sz="quarter" idx="12"/>
+          </p:nvPr>
+        </p:nvSpPr>
+        <p:spPr/>
+        <p:txBody>
+          <a:bodyPr/>
+          <a:lstStyle/>
+          <a:p>
+            <a:fld id="{FBB075EA-769C-4ECD-B48E-D6FCDC24F876}" type="slidenum">
+              <a:rPr lang="en-US" smtClean="0"/>
+              <a:t>‹#›</a:t>
+            </a:fld>
+            <a:endParaRPr lang="en-US" dirty="0"/>
+          </a:p>
+        </p:txBody>
+      </p:sp>
+    </p:spTree>
+    <p:extLst>
+      <p:ext uri="{BB962C8B-B14F-4D97-AF65-F5344CB8AC3E}">
+        <p14:creationId xmlns:p14="http://schemas.microsoft.com/office/powerpoint/2010/main" val="2931665100"/>
+      </p:ext>
+    </p:extLst>
+  </p:cSld>
+  <p:clrMapOvr>
+    <a:masterClrMapping/>
+  </p:clrMapOvr>
+  <p:timing>
+    <p:tnLst>
+      <p:par>
+        <p:cTn id="1" dur="indefinite" restart="never" nodeType="tmRoot"/>
+      </p:par>
+    </p:tnLst>
+  </p:timing>
+</p:sldLayout>
+</file>
+
+<file path=ppt/slideMasters/slideMaster1.xml><?xml version="1.0" encoding="utf-8"?>
+<p:sldMaster xmlns:a="http://schemas.openxmlformats.org/drawingml/2006/main" xmlns:r="http://schemas.openxmlformats.org/officeDocument/2006/relationships" xmlns:p="http://schemas.openxmlformats.org/presentationml/2006/main">
+  <p:cSld>
+    <p:bg>
+      <p:bgRef idx="1001">
+        <a:schemeClr val="bg1"/>
+      </p:bgRef>
+    </p:bg>
+    <p:spTree>
+      <p:nvGrpSpPr>
+        <p:cNvPr id="1" name=""/>
+        <p:cNvGrpSpPr/>
+        <p:nvPr/>
+      </p:nvGrpSpPr>
+      <p:grpSpPr>
+        <a:xfrm>
+          <a:off x="0" y="0"/>
+          <a:ext cx="0" cy="0"/>
+          <a:chOff x="0" y="0"/>
+          <a:chExt cx="0" cy="0"/>
+        </a:xfrm>
+      </p:grpSpPr>
+      <p:sp>
+        <p:nvSpPr>
+          <p:cNvPr id="2" name="Title Placeholder 1"/>
+          <p:cNvSpPr>
+            <a:spLocks noGrp="1"/>
+          </p:cNvSpPr>
+          <p:nvPr>
+            <p:ph type="title"/>
+          </p:nvPr>
+        </p:nvSpPr>
+        <p:spPr>
+          <a:xfrm>
+            <a:off x="1645920" y="878841"/>
+            <a:ext cx="29626560" cy="3657600"/>
+          </a:xfrm>
+          <a:prstGeom prst="rect">
+            <a:avLst/>
+          </a:prstGeom>
+        </p:spPr>
+        <p:txBody>
+          <a:bodyPr vert="horz" lIns="235061" tIns="117531" rIns="235061" bIns="117531" rtlCol="0" anchor="ctr">
+            <a:normAutofit/>
+          </a:bodyPr>
+          <a:lstStyle/>
+          <a:p>
+            <a:r>
+              <a:rPr lang="en-US" dirty="0" smtClean="0"/>
+              <a:t>Click to edit Master title style</a:t>
+            </a:r>
+            <a:endParaRPr lang="en-US" dirty="0"/>
+          </a:p>
+        </p:txBody>
+      </p:sp>
+      <p:sp>
+        <p:nvSpPr>
+          <p:cNvPr id="3" name="Text Placeholder 2"/>
+          <p:cNvSpPr>
+            <a:spLocks noGrp="1"/>
+          </p:cNvSpPr>
+          <p:nvPr>
+            <p:ph type="body" idx="1"/>
+          </p:nvPr>
+        </p:nvSpPr>
+        <p:spPr>
+          <a:xfrm>
+            <a:off x="1645920" y="5120643"/>
+            <a:ext cx="29626560" cy="14483082"/>
+          </a:xfrm>
+          <a:prstGeom prst="rect">
+            <a:avLst/>
+          </a:prstGeom>
+        </p:spPr>
+        <p:txBody>
+          <a:bodyPr vert="horz" lIns="235061" tIns="117531" rIns="235061" bIns="117531" rtlCol="0">
+            <a:normAutofit/>
+          </a:bodyPr>
+          <a:lstStyle/>
+          <a:p>
+            <a:pPr lvl="0"/>
+            <a:r>
+              <a:rPr lang="en-US" dirty="0" smtClean="0"/>
+              <a:t>Click to edit Master text styles</a:t>
+            </a:r>
+          </a:p>
+          <a:p>
+            <a:pPr lvl="1"/>
+            <a:r>
+              <a:rPr lang="en-US" dirty="0" smtClean="0"/>
+              <a:t>Second level</a:t>
+            </a:r>
+          </a:p>
+          <a:p>
+            <a:pPr lvl="2"/>
+            <a:r>
+              <a:rPr lang="en-US" dirty="0" smtClean="0"/>
+              <a:t>Third level</a:t>
+            </a:r>
+          </a:p>
+          <a:p>
+            <a:pPr lvl="3"/>
+            <a:r>
+              <a:rPr lang="en-US" dirty="0" smtClean="0"/>
+              <a:t>Fourth level</a:t>
+            </a:r>
+          </a:p>
+          <a:p>
+            <a:pPr lvl="4"/>
+            <a:r>
+              <a:rPr lang="en-US" dirty="0" smtClean="0"/>
+              <a:t>Fifth level</a:t>
+            </a:r>
+            <a:endParaRPr lang="en-US" dirty="0"/>
+          </a:p>
+        </p:txBody>
+      </p:sp>
+      <p:sp>
+        <p:nvSpPr>
+          <p:cNvPr id="4" name="Date Placeholder 3"/>
+          <p:cNvSpPr>
+            <a:spLocks noGrp="1"/>
+          </p:cNvSpPr>
+          <p:nvPr>
+            <p:ph type="dt" sz="half" idx="2"/>
+          </p:nvPr>
+        </p:nvSpPr>
+        <p:spPr>
+          <a:xfrm>
+            <a:off x="1645920" y="20340322"/>
+            <a:ext cx="7680960" cy="1168400"/>
+          </a:xfrm>
+          <a:prstGeom prst="rect">
+            <a:avLst/>
+          </a:prstGeom>
+        </p:spPr>
+        <p:txBody>
+          <a:bodyPr vert="horz" lIns="235061" tIns="117531" rIns="235061" bIns="117531" rtlCol="0" anchor="ctr"/>
+          <a:lstStyle>
+            <a:lvl1pPr algn="l">
+              <a:defRPr sz="3200">
+                <a:solidFill>
+                  <a:schemeClr val="tx1">
+                    <a:tint val="75000"/>
+                  </a:schemeClr>
+                </a:solidFill>
+              </a:defRPr>
+            </a:lvl1pPr>
+          </a:lstStyle>
+          <a:p>
+            <a:fld id="{985D6BDF-9D0E-4E2B-85B8-D8F4790360C9}" type="datetimeFigureOut">
+              <a:rPr lang="en-US" smtClean="0"/>
+              <a:t>5/9/2018</a:t>
+            </a:fld>
+            <a:endParaRPr lang="en-US" dirty="0"/>
+          </a:p>
+        </p:txBody>
+      </p:sp>
+      <p:sp>
+        <p:nvSpPr>
+          <p:cNvPr id="5" name="Footer Placeholder 4"/>
+          <p:cNvSpPr>
+            <a:spLocks noGrp="1"/>
+          </p:cNvSpPr>
+          <p:nvPr>
+            <p:ph type="ftr" sz="quarter" idx="3"/>
+          </p:nvPr>
+        </p:nvSpPr>
+        <p:spPr>
+          <a:xfrm>
+            <a:off x="11247120" y="20340322"/>
+            <a:ext cx="10424160" cy="1168400"/>
+          </a:xfrm>
+          <a:prstGeom prst="rect">
+            <a:avLst/>
+          </a:prstGeom>
+        </p:spPr>
+        <p:txBody>
+          <a:bodyPr vert="horz" lIns="235061" tIns="117531" rIns="235061" bIns="117531" rtlCol="0" anchor="ctr"/>
+          <a:lstStyle>
+            <a:lvl1pPr algn="ctr">
+              <a:defRPr sz="3200">
+                <a:solidFill>
+                  <a:schemeClr val="tx1">
+                    <a:tint val="75000"/>
+                  </a:schemeClr>
+                </a:solidFill>
+              </a:defRPr>
+            </a:lvl1pPr>
+          </a:lstStyle>
+          <a:p>
+            <a:endParaRPr lang="en-US" dirty="0"/>
+          </a:p>
+        </p:txBody>
+      </p:sp>
+      <p:sp>
+        <p:nvSpPr>
+          <p:cNvPr id="6" name="Slide Number Placeholder 5"/>
+          <p:cNvSpPr>
+            <a:spLocks noGrp="1"/>
+          </p:cNvSpPr>
+          <p:nvPr>
+            <p:ph type="sldNum" sz="quarter" idx="4"/>
+          </p:nvPr>
+        </p:nvSpPr>
+        <p:spPr>
+          <a:xfrm>
+            <a:off x="23591520" y="20340322"/>
+            <a:ext cx="7680960" cy="1168400"/>
+          </a:xfrm>
+          <a:prstGeom prst="rect">
+            <a:avLst/>
+          </a:prstGeom>
+        </p:spPr>
+        <p:txBody>
+          <a:bodyPr vert="horz" lIns="235061" tIns="117531" rIns="235061" bIns="117531" rtlCol="0" anchor="ctr"/>
+          <a:lstStyle>
+            <a:lvl1pPr algn="r">
+              <a:defRPr sz="3200">
+                <a:solidFill>
+                  <a:schemeClr val="tx1">
+                    <a:tint val="75000"/>
+                  </a:schemeClr>
+                </a:solidFill>
+              </a:defRPr>
+            </a:lvl1pPr>
+          </a:lstStyle>
+          <a:p>
+            <a:fld id="{FBB075EA-769C-4ECD-B48E-D6FCDC24F876}" type="slidenum">
+              <a:rPr lang="en-US" smtClean="0"/>
+              <a:t>‹#›</a:t>
+            </a:fld>
+            <a:endParaRPr lang="en-US" dirty="0"/>
+          </a:p>
+        </p:txBody>
+      </p:sp>
+    </p:spTree>
+    <p:extLst>
+      <p:ext uri="{BB962C8B-B14F-4D97-AF65-F5344CB8AC3E}">
+        <p14:creationId xmlns:p14="http://schemas.microsoft.com/office/powerpoint/2010/main" val="72322184"/>
       </p:ext>
     </p:extLst>
   </p:cSld>
   <p:clrMap bg1="lt1" tx1="dk1" bg2="lt2" tx2="dk2" accent1="accent1" accent2="accent2" accent3="accent3" accent4="accent4" accent5="accent5" accent6="accent6" hlink="hlink" folHlink="folHlink"/>
   <p:sldLayoutIdLst>
-    <p:sldLayoutId id="2147483715" r:id="rId1"/>
+    <p:sldLayoutId id="2147483649" r:id="rId1"/>
+    <p:sldLayoutId id="2147483650" r:id="rId2"/>
   </p:sldLayoutIdLst>
+  <p:timing>
+    <p:tnLst>
+      <p:par>
+        <p:cTn id="1" dur="indefinite" restart="never" nodeType="tmRoot"/>
+      </p:par>
+    </p:tnLst>
+  </p:timing>
   <p:txStyles>
     <p:titleStyle>
-      <a:lvl1pPr algn="l" defTabSz="3291840" rtl="0" eaLnBrk="1" latinLnBrk="0" hangingPunct="1">
-        <a:lnSpc>
-          <a:spcPct val="90000"/>
-        </a:lnSpc>
+      <a:lvl1pPr algn="ctr" defTabSz="2350606" rtl="0" eaLnBrk="1" latinLnBrk="0" hangingPunct="1">
         <a:spcBef>
           <a:spcPct val="0"/>
         </a:spcBef>
         <a:buNone/>
-        <a:defRPr sz="8000" b="0" kern="1200">
+        <a:defRPr sz="4200" kern="1200">
           <a:solidFill>
             <a:schemeClr val="tx1"/>
           </a:solidFill>
-          <a:latin typeface="Calibri" panose="020F0502020204030204" pitchFamily="34" charset="0"/>
+          <a:latin typeface="+mj-lt"/>
           <a:ea typeface="+mj-ea"/>
-          <a:cs typeface="Calibri" panose="020F0502020204030204" pitchFamily="34" charset="0"/>
+          <a:cs typeface="+mj-cs"/>
         </a:defRPr>
       </a:lvl1pPr>
     </p:titleStyle>
     <p:bodyStyle>
-      <a:lvl1pPr marL="822960" indent="-822960" algn="l" defTabSz="3291840" rtl="0" eaLnBrk="1" latinLnBrk="0" hangingPunct="1">
-        <a:lnSpc>
-          <a:spcPct val="90000"/>
-        </a:lnSpc>
+      <a:lvl1pPr marL="244855" indent="-244855" algn="l" defTabSz="2350606" rtl="0" eaLnBrk="1" latinLnBrk="0" hangingPunct="1">
         <a:spcBef>
-          <a:spcPts val="3600"/>
+          <a:spcPct val="20000"/>
         </a:spcBef>
-        <a:buFont typeface="Arial" panose="020B0604020202020204" pitchFamily="34" charset="0"/>
+        <a:buFont typeface="Arial" pitchFamily="34" charset="0"/>
         <a:buChar char="•"/>
-        <a:defRPr sz="8000" kern="1200">
+        <a:defRPr sz="1900" kern="1200">
           <a:solidFill>
             <a:schemeClr val="tx1"/>
           </a:solidFill>
@@ -1996,16 +2280,13 @@
           <a:cs typeface="+mn-cs"/>
         </a:defRPr>
       </a:lvl1pPr>
-      <a:lvl2pPr marL="2468880" indent="-822960" algn="l" defTabSz="3291840" rtl="0" eaLnBrk="1" latinLnBrk="0" hangingPunct="1">
-        <a:lnSpc>
-          <a:spcPct val="90000"/>
-        </a:lnSpc>
+      <a:lvl2pPr marL="489709" indent="-244855" algn="l" defTabSz="2350606" rtl="0" eaLnBrk="1" latinLnBrk="0" hangingPunct="1">
         <a:spcBef>
-          <a:spcPts val="1800"/>
+          <a:spcPct val="20000"/>
         </a:spcBef>
-        <a:buFont typeface="Arial" panose="020B0604020202020204" pitchFamily="34" charset="0"/>
-        <a:buChar char="•"/>
-        <a:defRPr sz="6600" kern="1200">
+        <a:buFont typeface="Arial" pitchFamily="34" charset="0"/>
+        <a:buChar char="–"/>
+        <a:defRPr sz="1900" kern="1200">
           <a:solidFill>
             <a:schemeClr val="tx1"/>
           </a:solidFill>
@@ -2014,16 +2295,13 @@
           <a:cs typeface="+mn-cs"/>
         </a:defRPr>
       </a:lvl2pPr>
-      <a:lvl3pPr marL="4114800" indent="-822960" algn="l" defTabSz="3291840" rtl="0" eaLnBrk="1" latinLnBrk="0" hangingPunct="1">
-        <a:lnSpc>
-          <a:spcPct val="90000"/>
-        </a:lnSpc>
+      <a:lvl3pPr marL="734565" indent="-244855" algn="l" defTabSz="2350606" rtl="0" eaLnBrk="1" latinLnBrk="0" hangingPunct="1">
         <a:spcBef>
-          <a:spcPts val="1800"/>
+          <a:spcPct val="20000"/>
         </a:spcBef>
-        <a:buFont typeface="Arial" panose="020B0604020202020204" pitchFamily="34" charset="0"/>
+        <a:buFont typeface="Arial" pitchFamily="34" charset="0"/>
         <a:buChar char="•"/>
-        <a:defRPr sz="5400" kern="1200">
+        <a:defRPr sz="1900" kern="1200">
           <a:solidFill>
             <a:schemeClr val="tx1"/>
           </a:solidFill>
@@ -2032,16 +2310,13 @@
           <a:cs typeface="+mn-cs"/>
         </a:defRPr>
       </a:lvl3pPr>
-      <a:lvl4pPr marL="5760720" indent="-822960" algn="l" defTabSz="3291840" rtl="0" eaLnBrk="1" latinLnBrk="0" hangingPunct="1">
-        <a:lnSpc>
-          <a:spcPct val="90000"/>
-        </a:lnSpc>
+      <a:lvl4pPr marL="979419" indent="-244855" algn="l" defTabSz="2350606" rtl="0" eaLnBrk="1" latinLnBrk="0" hangingPunct="1">
         <a:spcBef>
-          <a:spcPts val="1800"/>
+          <a:spcPct val="20000"/>
         </a:spcBef>
-        <a:buFont typeface="Arial" panose="020B0604020202020204" pitchFamily="34" charset="0"/>
-        <a:buChar char="•"/>
-        <a:defRPr sz="4800" kern="1200">
+        <a:buFont typeface="Arial" pitchFamily="34" charset="0"/>
+        <a:buChar char="–"/>
+        <a:defRPr sz="1900" kern="1200">
           <a:solidFill>
             <a:schemeClr val="tx1"/>
           </a:solidFill>
@@ -2050,16 +2325,13 @@
           <a:cs typeface="+mn-cs"/>
         </a:defRPr>
       </a:lvl4pPr>
-      <a:lvl5pPr marL="7406640" indent="-822960" algn="l" defTabSz="3291840" rtl="0" eaLnBrk="1" latinLnBrk="0" hangingPunct="1">
-        <a:lnSpc>
-          <a:spcPct val="90000"/>
-        </a:lnSpc>
+      <a:lvl5pPr marL="1224275" indent="-244855" algn="l" defTabSz="2350606" rtl="0" eaLnBrk="1" latinLnBrk="0" hangingPunct="1">
         <a:spcBef>
-          <a:spcPts val="1800"/>
+          <a:spcPct val="20000"/>
         </a:spcBef>
-        <a:buFont typeface="Arial" panose="020B0604020202020204" pitchFamily="34" charset="0"/>
-        <a:buChar char="•"/>
-        <a:defRPr sz="4800" kern="1200">
+        <a:buFont typeface="Arial" pitchFamily="34" charset="0"/>
+        <a:buChar char="»"/>
+        <a:defRPr sz="1900" kern="1200">
           <a:solidFill>
             <a:schemeClr val="tx1"/>
           </a:solidFill>
@@ -2068,16 +2340,13 @@
           <a:cs typeface="+mn-cs"/>
         </a:defRPr>
       </a:lvl5pPr>
-      <a:lvl6pPr marL="9052560" indent="-822960" algn="l" defTabSz="3291840" rtl="0" eaLnBrk="1" latinLnBrk="0" hangingPunct="1">
-        <a:lnSpc>
-          <a:spcPct val="90000"/>
-        </a:lnSpc>
+      <a:lvl6pPr marL="6464169" indent="-587652" algn="l" defTabSz="2350606" rtl="0" eaLnBrk="1" latinLnBrk="0" hangingPunct="1">
         <a:spcBef>
-          <a:spcPts val="1800"/>
+          <a:spcPct val="20000"/>
         </a:spcBef>
-        <a:buFont typeface="Arial" panose="020B0604020202020204" pitchFamily="34" charset="0"/>
+        <a:buFont typeface="Arial" pitchFamily="34" charset="0"/>
         <a:buChar char="•"/>
-        <a:defRPr sz="6480" kern="1200">
+        <a:defRPr sz="5200" kern="1200">
           <a:solidFill>
             <a:schemeClr val="tx1"/>
           </a:solidFill>
@@ -2086,16 +2355,13 @@
           <a:cs typeface="+mn-cs"/>
         </a:defRPr>
       </a:lvl6pPr>
-      <a:lvl7pPr marL="10698480" indent="-822960" algn="l" defTabSz="3291840" rtl="0" eaLnBrk="1" latinLnBrk="0" hangingPunct="1">
-        <a:lnSpc>
-          <a:spcPct val="90000"/>
-        </a:lnSpc>
+      <a:lvl7pPr marL="7639472" indent="-587652" algn="l" defTabSz="2350606" rtl="0" eaLnBrk="1" latinLnBrk="0" hangingPunct="1">
         <a:spcBef>
-          <a:spcPts val="1800"/>
+          <a:spcPct val="20000"/>
         </a:spcBef>
-        <a:buFont typeface="Arial" panose="020B0604020202020204" pitchFamily="34" charset="0"/>
+        <a:buFont typeface="Arial" pitchFamily="34" charset="0"/>
         <a:buChar char="•"/>
-        <a:defRPr sz="6480" kern="1200">
+        <a:defRPr sz="5200" kern="1200">
           <a:solidFill>
             <a:schemeClr val="tx1"/>
           </a:solidFill>
@@ -2104,16 +2370,13 @@
           <a:cs typeface="+mn-cs"/>
         </a:defRPr>
       </a:lvl7pPr>
-      <a:lvl8pPr marL="12344400" indent="-822960" algn="l" defTabSz="3291840" rtl="0" eaLnBrk="1" latinLnBrk="0" hangingPunct="1">
-        <a:lnSpc>
-          <a:spcPct val="90000"/>
-        </a:lnSpc>
+      <a:lvl8pPr marL="8814776" indent="-587652" algn="l" defTabSz="2350606" rtl="0" eaLnBrk="1" latinLnBrk="0" hangingPunct="1">
         <a:spcBef>
-          <a:spcPts val="1800"/>
+          <a:spcPct val="20000"/>
         </a:spcBef>
-        <a:buFont typeface="Arial" panose="020B0604020202020204" pitchFamily="34" charset="0"/>
+        <a:buFont typeface="Arial" pitchFamily="34" charset="0"/>
         <a:buChar char="•"/>
-        <a:defRPr sz="6480" kern="1200">
+        <a:defRPr sz="5200" kern="1200">
           <a:solidFill>
             <a:schemeClr val="tx1"/>
           </a:solidFill>
@@ -2122,16 +2385,13 @@
           <a:cs typeface="+mn-cs"/>
         </a:defRPr>
       </a:lvl8pPr>
-      <a:lvl9pPr marL="13990320" indent="-822960" algn="l" defTabSz="3291840" rtl="0" eaLnBrk="1" latinLnBrk="0" hangingPunct="1">
-        <a:lnSpc>
-          <a:spcPct val="90000"/>
-        </a:lnSpc>
+      <a:lvl9pPr marL="9990078" indent="-587652" algn="l" defTabSz="2350606" rtl="0" eaLnBrk="1" latinLnBrk="0" hangingPunct="1">
         <a:spcBef>
-          <a:spcPts val="1800"/>
+          <a:spcPct val="20000"/>
         </a:spcBef>
-        <a:buFont typeface="Arial" panose="020B0604020202020204" pitchFamily="34" charset="0"/>
+        <a:buFont typeface="Arial" pitchFamily="34" charset="0"/>
         <a:buChar char="•"/>
-        <a:defRPr sz="6480" kern="1200">
+        <a:defRPr sz="5200" kern="1200">
           <a:solidFill>
             <a:schemeClr val="tx1"/>
           </a:solidFill>
@@ -2145,8 +2405,8 @@
       <a:defPPr>
         <a:defRPr lang="en-US"/>
       </a:defPPr>
-      <a:lvl1pPr marL="0" algn="l" defTabSz="3291840" rtl="0" eaLnBrk="1" latinLnBrk="0" hangingPunct="1">
-        <a:defRPr sz="6480" kern="1200">
+      <a:lvl1pPr marL="0" algn="l" defTabSz="2350606" rtl="0" eaLnBrk="1" latinLnBrk="0" hangingPunct="1">
+        <a:defRPr sz="4600" kern="1200">
           <a:solidFill>
             <a:schemeClr val="tx1"/>
           </a:solidFill>
@@ -2155,8 +2415,8 @@
           <a:cs typeface="+mn-cs"/>
         </a:defRPr>
       </a:lvl1pPr>
-      <a:lvl2pPr marL="1645920" algn="l" defTabSz="3291840" rtl="0" eaLnBrk="1" latinLnBrk="0" hangingPunct="1">
-        <a:defRPr sz="6480" kern="1200">
+      <a:lvl2pPr marL="1175304" algn="l" defTabSz="2350606" rtl="0" eaLnBrk="1" latinLnBrk="0" hangingPunct="1">
+        <a:defRPr sz="4600" kern="1200">
           <a:solidFill>
             <a:schemeClr val="tx1"/>
           </a:solidFill>
@@ -2165,8 +2425,8 @@
           <a:cs typeface="+mn-cs"/>
         </a:defRPr>
       </a:lvl2pPr>
-      <a:lvl3pPr marL="3291840" algn="l" defTabSz="3291840" rtl="0" eaLnBrk="1" latinLnBrk="0" hangingPunct="1">
-        <a:defRPr sz="6480" kern="1200">
+      <a:lvl3pPr marL="2350606" algn="l" defTabSz="2350606" rtl="0" eaLnBrk="1" latinLnBrk="0" hangingPunct="1">
+        <a:defRPr sz="4600" kern="1200">
           <a:solidFill>
             <a:schemeClr val="tx1"/>
           </a:solidFill>
@@ -2175,8 +2435,8 @@
           <a:cs typeface="+mn-cs"/>
         </a:defRPr>
       </a:lvl3pPr>
-      <a:lvl4pPr marL="4937760" algn="l" defTabSz="3291840" rtl="0" eaLnBrk="1" latinLnBrk="0" hangingPunct="1">
-        <a:defRPr sz="6480" kern="1200">
+      <a:lvl4pPr marL="3525911" algn="l" defTabSz="2350606" rtl="0" eaLnBrk="1" latinLnBrk="0" hangingPunct="1">
+        <a:defRPr sz="4600" kern="1200">
           <a:solidFill>
             <a:schemeClr val="tx1"/>
           </a:solidFill>
@@ -2185,8 +2445,8 @@
           <a:cs typeface="+mn-cs"/>
         </a:defRPr>
       </a:lvl4pPr>
-      <a:lvl5pPr marL="6583680" algn="l" defTabSz="3291840" rtl="0" eaLnBrk="1" latinLnBrk="0" hangingPunct="1">
-        <a:defRPr sz="6480" kern="1200">
+      <a:lvl5pPr marL="4701214" algn="l" defTabSz="2350606" rtl="0" eaLnBrk="1" latinLnBrk="0" hangingPunct="1">
+        <a:defRPr sz="4600" kern="1200">
           <a:solidFill>
             <a:schemeClr val="tx1"/>
           </a:solidFill>
@@ -2195,8 +2455,8 @@
           <a:cs typeface="+mn-cs"/>
         </a:defRPr>
       </a:lvl5pPr>
-      <a:lvl6pPr marL="8229600" algn="l" defTabSz="3291840" rtl="0" eaLnBrk="1" latinLnBrk="0" hangingPunct="1">
-        <a:defRPr sz="6480" kern="1200">
+      <a:lvl6pPr marL="5876517" algn="l" defTabSz="2350606" rtl="0" eaLnBrk="1" latinLnBrk="0" hangingPunct="1">
+        <a:defRPr sz="4600" kern="1200">
           <a:solidFill>
             <a:schemeClr val="tx1"/>
           </a:solidFill>
@@ -2205,8 +2465,8 @@
           <a:cs typeface="+mn-cs"/>
         </a:defRPr>
       </a:lvl6pPr>
-      <a:lvl7pPr marL="9875520" algn="l" defTabSz="3291840" rtl="0" eaLnBrk="1" latinLnBrk="0" hangingPunct="1">
-        <a:defRPr sz="6480" kern="1200">
+      <a:lvl7pPr marL="7051819" algn="l" defTabSz="2350606" rtl="0" eaLnBrk="1" latinLnBrk="0" hangingPunct="1">
+        <a:defRPr sz="4600" kern="1200">
           <a:solidFill>
             <a:schemeClr val="tx1"/>
           </a:solidFill>
@@ -2215,8 +2475,8 @@
           <a:cs typeface="+mn-cs"/>
         </a:defRPr>
       </a:lvl7pPr>
-      <a:lvl8pPr marL="11521440" algn="l" defTabSz="3291840" rtl="0" eaLnBrk="1" latinLnBrk="0" hangingPunct="1">
-        <a:defRPr sz="6480" kern="1200">
+      <a:lvl8pPr marL="8227124" algn="l" defTabSz="2350606" rtl="0" eaLnBrk="1" latinLnBrk="0" hangingPunct="1">
+        <a:defRPr sz="4600" kern="1200">
           <a:solidFill>
             <a:schemeClr val="tx1"/>
           </a:solidFill>
@@ -2225,8 +2485,8 @@
           <a:cs typeface="+mn-cs"/>
         </a:defRPr>
       </a:lvl8pPr>
-      <a:lvl9pPr marL="13167360" algn="l" defTabSz="3291840" rtl="0" eaLnBrk="1" latinLnBrk="0" hangingPunct="1">
-        <a:defRPr sz="6480" kern="1200">
+      <a:lvl9pPr marL="9402428" algn="l" defTabSz="2350606" rtl="0" eaLnBrk="1" latinLnBrk="0" hangingPunct="1">
+        <a:defRPr sz="4600" kern="1200">
           <a:solidFill>
             <a:schemeClr val="tx1"/>
           </a:solidFill>
@@ -2267,8 +2527,8 @@
         </p:nvSpPr>
         <p:spPr bwMode="auto">
           <a:xfrm>
-            <a:off x="8229600" y="0"/>
-            <a:ext cx="27432000" cy="2908371"/>
+            <a:off x="5562600" y="51485"/>
+            <a:ext cx="21793200" cy="1971820"/>
           </a:xfrm>
           <a:prstGeom prst="rect">
             <a:avLst/>
@@ -2308,7 +2568,7 @@
           </a:extLst>
         </p:spPr>
         <p:txBody>
-          <a:bodyPr lIns="137137" tIns="342842" rIns="137137" bIns="342842" anchor="ctr" anchorCtr="0">
+          <a:bodyPr wrap="square" lIns="97942" tIns="244855" rIns="97942" bIns="244855" anchor="ctr" anchorCtr="0">
             <a:spAutoFit/>
           </a:bodyPr>
           <a:lstStyle>
@@ -2412,20 +2672,13 @@
           <a:p>
             <a:pPr algn="ctr" eaLnBrk="1" hangingPunct="1"/>
             <a:r>
-              <a:rPr lang="en-US" sz="7200" b="1" dirty="0" smtClean="0">
+              <a:rPr lang="en-US" sz="4800" b="1" dirty="0">
                 <a:solidFill>
                   <a:schemeClr val="bg1"/>
                 </a:solidFill>
-                <a:latin typeface="+mn-lt"/>
               </a:rPr>
               <a:t>LTS-2 System: Exploratory Analysis of Service Usage Over Time and Space</a:t>
             </a:r>
-            <a:endParaRPr lang="en-US" sz="7200" b="1" dirty="0">
-              <a:solidFill>
-                <a:schemeClr val="bg1"/>
-              </a:solidFill>
-              <a:latin typeface="+mn-lt"/>
-            </a:endParaRPr>
           </a:p>
         </p:txBody>
       </p:sp>
@@ -2439,8 +2692,8 @@
         </p:nvSpPr>
         <p:spPr bwMode="auto">
           <a:xfrm>
-            <a:off x="8229600" y="2552700"/>
-            <a:ext cx="27432000" cy="1714500"/>
+            <a:off x="4114800" y="1600201"/>
+            <a:ext cx="24688800" cy="1143000"/>
           </a:xfrm>
           <a:prstGeom prst="rect">
             <a:avLst/>
@@ -2480,7 +2733,7 @@
           </a:extLst>
         </p:spPr>
         <p:txBody>
-          <a:bodyPr lIns="137137" tIns="137137" rIns="137137" bIns="137137" anchor="ctr" anchorCtr="0"/>
+          <a:bodyPr lIns="97942" tIns="97942" rIns="97942" bIns="97942" anchor="ctr" anchorCtr="0"/>
           <a:lstStyle>
             <a:lvl1pPr defTabSz="4389438" eaLnBrk="0" hangingPunct="0">
               <a:defRPr sz="2200">
@@ -2582,56 +2835,190 @@
           <a:p>
             <a:pPr algn="ctr" eaLnBrk="1" hangingPunct="1"/>
             <a:r>
-              <a:rPr lang="en-US" sz="4000" dirty="0" smtClean="0">
-                <a:solidFill>
-                  <a:schemeClr val="bg1"/>
+              <a:rPr lang="en-US" sz="2800" dirty="0" smtClean="0">
+                <a:solidFill>
+                  <a:schemeClr val="accent3">
+                    <a:lumMod val="20000"/>
+                    <a:lumOff val="80000"/>
+                  </a:schemeClr>
                 </a:solidFill>
                 <a:latin typeface="+mn-lt"/>
               </a:rPr>
               <a:t>Giovanni </a:t>
             </a:r>
             <a:r>
-              <a:rPr lang="en-US" sz="4000" dirty="0" err="1" smtClean="0">
-                <a:solidFill>
-                  <a:schemeClr val="bg1"/>
+              <a:rPr lang="en-US" sz="2800" dirty="0" err="1" smtClean="0">
+                <a:solidFill>
+                  <a:schemeClr val="accent3">
+                    <a:lumMod val="20000"/>
+                    <a:lumOff val="80000"/>
+                  </a:schemeClr>
                 </a:solidFill>
                 <a:latin typeface="+mn-lt"/>
               </a:rPr>
               <a:t>Corti</a:t>
             </a:r>
             <a:r>
-              <a:rPr lang="en-US" sz="4000" dirty="0" smtClean="0">
-                <a:solidFill>
-                  <a:schemeClr val="bg1"/>
+              <a:rPr lang="en-US" sz="2800" dirty="0" smtClean="0">
+                <a:solidFill>
+                  <a:schemeClr val="accent3">
+                    <a:lumMod val="20000"/>
+                    <a:lumOff val="80000"/>
+                  </a:schemeClr>
                 </a:solidFill>
                 <a:latin typeface="+mn-lt"/>
               </a:rPr>
               <a:t>, </a:t>
             </a:r>
             <a:r>
-              <a:rPr lang="en-US" sz="4000" dirty="0" err="1" smtClean="0">
-                <a:solidFill>
-                  <a:schemeClr val="bg1"/>
+              <a:rPr lang="en-US" sz="2800" dirty="0" err="1" smtClean="0">
+                <a:solidFill>
+                  <a:schemeClr val="accent3">
+                    <a:lumMod val="20000"/>
+                    <a:lumOff val="80000"/>
+                  </a:schemeClr>
                 </a:solidFill>
                 <a:latin typeface="+mn-lt"/>
               </a:rPr>
               <a:t>Wenxin</a:t>
             </a:r>
             <a:r>
-              <a:rPr lang="en-US" sz="4000" dirty="0" smtClean="0">
-                <a:solidFill>
-                  <a:schemeClr val="bg1"/>
+              <a:rPr lang="en-US" sz="2800" dirty="0" smtClean="0">
+                <a:solidFill>
+                  <a:schemeClr val="accent3">
+                    <a:lumMod val="20000"/>
+                    <a:lumOff val="80000"/>
+                  </a:schemeClr>
                 </a:solidFill>
                 <a:latin typeface="+mn-lt"/>
               </a:rPr>
               <a:t> Du, Ilana Heaton</a:t>
             </a:r>
-            <a:endParaRPr lang="en-US" sz="4000" baseline="30000" dirty="0">
+            <a:endParaRPr lang="en-US" sz="2800" dirty="0">
               <a:solidFill>
-                <a:schemeClr val="bg1"/>
+                <a:schemeClr val="accent3">
+                  <a:lumMod val="20000"/>
+                  <a:lumOff val="80000"/>
+                </a:schemeClr>
               </a:solidFill>
               <a:latin typeface="+mn-lt"/>
             </a:endParaRPr>
+          </a:p>
+        </p:txBody>
+      </p:sp>
+      <p:sp>
+        <p:nvSpPr>
+          <p:cNvPr id="27" name="TextBox 26"/>
+          <p:cNvSpPr txBox="1"/>
+          <p:nvPr/>
+        </p:nvSpPr>
+        <p:spPr>
+          <a:xfrm>
+            <a:off x="7848600" y="19389708"/>
+            <a:ext cx="24709637" cy="2696329"/>
+          </a:xfrm>
+          <a:prstGeom prst="rect">
+            <a:avLst/>
+          </a:prstGeom>
+          <a:noFill/>
+        </p:spPr>
+        <p:txBody>
+          <a:bodyPr wrap="square" lIns="48971" tIns="24486" rIns="48971" bIns="24486" rtlCol="0">
+            <a:spAutoFit/>
+          </a:bodyPr>
+          <a:lstStyle/>
+          <a:p>
+            <a:r>
+              <a:rPr lang="en-US" sz="3200" b="1" dirty="0"/>
+              <a:t>Conclusion</a:t>
+            </a:r>
+          </a:p>
+          <a:p>
+            <a:r>
+              <a:rPr lang="en-US" sz="2000" dirty="0"/>
+              <a:t>We examine user behavior and analyze the spatial and temporal usage of the LTS-2 system. We find:</a:t>
+            </a:r>
+          </a:p>
+          <a:p>
+            <a:pPr marL="457200" indent="-457200">
+              <a:buFont typeface="Arial" panose="020B0604020202020204" pitchFamily="34" charset="0"/>
+              <a:buChar char="•"/>
+            </a:pPr>
+            <a:r>
+              <a:rPr lang="en-US" sz="2000" dirty="0"/>
+              <a:t>A strong spike in usage during the winter of 2016 that is not repeated in winter 2017. </a:t>
+            </a:r>
+          </a:p>
+          <a:p>
+            <a:pPr marL="457200" indent="-457200">
+              <a:buFont typeface="Arial" panose="020B0604020202020204" pitchFamily="34" charset="0"/>
+              <a:buChar char="•"/>
+            </a:pPr>
+            <a:r>
+              <a:rPr lang="en-US" sz="2000" dirty="0"/>
+              <a:t>Many users have trouble sending correctly formatted messages and there is a very high churn rate among </a:t>
+            </a:r>
+            <a:r>
+              <a:rPr lang="en-US" sz="2000" dirty="0" smtClean="0"/>
+              <a:t>users.</a:t>
+            </a:r>
+            <a:endParaRPr lang="en-US" sz="2000" dirty="0"/>
+          </a:p>
+          <a:p>
+            <a:pPr marL="457200" indent="-457200">
+              <a:buFont typeface="Arial" panose="020B0604020202020204" pitchFamily="34" charset="0"/>
+              <a:buChar char="•"/>
+            </a:pPr>
+            <a:r>
+              <a:rPr lang="en-US" sz="2000" dirty="0"/>
+              <a:t>Most users are only interested in forecasts for one or two area </a:t>
+            </a:r>
+            <a:r>
+              <a:rPr lang="en-US" sz="2000" dirty="0" smtClean="0"/>
+              <a:t>codes.</a:t>
+            </a:r>
+            <a:endParaRPr lang="en-US" sz="2000" dirty="0"/>
+          </a:p>
+          <a:p>
+            <a:r>
+              <a:rPr lang="en-US" sz="2000" dirty="0"/>
+              <a:t>We suggest responding to incorrectly formatted requests with an error message that contains details on how to correctly format a request. Finally,  </a:t>
+            </a:r>
+            <a:r>
+              <a:rPr lang="en-US" sz="2000" dirty="0" smtClean="0"/>
+              <a:t>a </a:t>
+            </a:r>
+            <a:r>
+              <a:rPr lang="en-US" sz="2000" dirty="0"/>
+              <a:t>shiny app is accessible at </a:t>
+            </a:r>
+            <a:r>
+              <a:rPr lang="en-US" sz="2000" u="sng" dirty="0"/>
+              <a:t>shiny.reed.edu/s/users/</a:t>
+            </a:r>
+            <a:r>
+              <a:rPr lang="en-US" sz="2000" u="sng" dirty="0" err="1"/>
+              <a:t>giocorti</a:t>
+            </a:r>
+            <a:r>
+              <a:rPr lang="en-US" sz="2000" u="sng" dirty="0"/>
+              <a:t>/</a:t>
+            </a:r>
+            <a:r>
+              <a:rPr lang="en-US" sz="2000" u="sng" dirty="0" err="1"/>
+              <a:t>NHMap</a:t>
+            </a:r>
+            <a:r>
+              <a:rPr lang="en-US" sz="2000" u="sng" dirty="0"/>
+              <a:t>/</a:t>
+            </a:r>
+            <a:r>
+              <a:rPr lang="en-US" sz="2000" dirty="0"/>
+              <a:t> to allow for interactive visualization of the spatial distribution of requests.  </a:t>
+            </a:r>
+          </a:p>
+          <a:p>
+            <a:endParaRPr lang="en-US" sz="2000" b="1" dirty="0"/>
           </a:p>
         </p:txBody>
       </p:sp>
@@ -2645,8 +3032,8 @@
         </p:nvSpPr>
         <p:spPr bwMode="auto">
           <a:xfrm>
-            <a:off x="1494017" y="12024689"/>
-            <a:ext cx="13167360" cy="7098042"/>
+            <a:off x="1097280" y="3657600"/>
+            <a:ext cx="9875520" cy="3275563"/>
           </a:xfrm>
           <a:prstGeom prst="rect">
             <a:avLst/>
@@ -2664,8 +3051,8 @@
           <a:effectLst/>
         </p:spPr>
         <p:txBody>
-          <a:bodyPr lIns="137137" tIns="137137" rIns="137137" bIns="137137">
-            <a:noAutofit/>
+          <a:bodyPr lIns="97942" tIns="97942" rIns="97942" bIns="97942">
+            <a:spAutoFit/>
           </a:bodyPr>
           <a:lstStyle>
             <a:lvl1pPr eaLnBrk="0" hangingPunct="0">
@@ -2768,60 +3155,21 @@
           <a:p>
             <a:pPr eaLnBrk="1" hangingPunct="1"/>
             <a:r>
-              <a:rPr lang="en-US" sz="3200" dirty="0"/>
-              <a:t>The LTS-2 </a:t>
-            </a:r>
-            <a:r>
-              <a:rPr lang="en-US" sz="3200" dirty="0" smtClean="0"/>
-              <a:t>system is </a:t>
-            </a:r>
-            <a:r>
-              <a:rPr lang="en-US" sz="3200" dirty="0"/>
-              <a:t>an SMS information system designed to help Mongolian </a:t>
-            </a:r>
-            <a:r>
-              <a:rPr lang="en-US" sz="3200" dirty="0" smtClean="0"/>
-              <a:t>nomadic </a:t>
-            </a:r>
-            <a:r>
-              <a:rPr lang="en-US" sz="3200" dirty="0"/>
-              <a:t>herders </a:t>
-            </a:r>
-            <a:r>
-              <a:rPr lang="en-US" sz="3200" dirty="0" smtClean="0"/>
-              <a:t>improve livestock </a:t>
-            </a:r>
-            <a:r>
-              <a:rPr lang="en-US" sz="3200" dirty="0"/>
-              <a:t>outcomes</a:t>
-            </a:r>
-            <a:r>
-              <a:rPr lang="en-US" sz="3200" dirty="0" smtClean="0"/>
-              <a:t>.</a:t>
-            </a:r>
-            <a:r>
-              <a:rPr lang="en-US" sz="3200" dirty="0"/>
-              <a:t> The system works by providing weather forecast and pasture information to herders </a:t>
-            </a:r>
-            <a:r>
-              <a:rPr lang="en-US" sz="3200" dirty="0" smtClean="0"/>
-              <a:t>through </a:t>
-            </a:r>
-            <a:r>
-              <a:rPr lang="en-US" sz="3200" dirty="0"/>
-              <a:t>text message</a:t>
-            </a:r>
-            <a:r>
-              <a:rPr lang="en-US" sz="3200" dirty="0" smtClean="0"/>
-              <a:t>. One to three and four to six day weather forecasts are available in addition to pasture forage information from the Livestock Early Warning System (LEWS).</a:t>
-            </a:r>
-            <a:endParaRPr lang="en-US" sz="3200" dirty="0">
-              <a:latin typeface="Calibri" pitchFamily="34" charset="0"/>
-            </a:endParaRPr>
-          </a:p>
-          <a:p>
-            <a:pPr eaLnBrk="1" hangingPunct="1"/>
-            <a:endParaRPr lang="en-US" sz="3200" dirty="0">
+              <a:rPr lang="en-US" sz="2000" dirty="0"/>
+              <a:t>Approximately one third of Mongolians are pastoral herders. Extreme cold during winter presents a major risk livestock herds and thus poses a serious threat to the economic security of pastoral herders. In an attempt to create some sort of buffer, many herders obtain the largest number of animals possible. In some cases this leads to overgrazing which threatens the ecological sustainability of Mongolia’s extensive herding system. In an attempt to improve the survival rates of livestock, </a:t>
+            </a:r>
+            <a:r>
+              <a:rPr lang="en-US" sz="2000" dirty="0" err="1"/>
+              <a:t>Mercycorp</a:t>
+            </a:r>
+            <a:r>
+              <a:rPr lang="en-US" sz="2000" dirty="0"/>
+              <a:t> has developed a system to deliver weather forecasts and pasture information to herders. We analyze use of this system with a focus on spatial usage, temporal patterns and characterizing the average user.</a:t>
+            </a:r>
+          </a:p>
+          <a:p>
+            <a:pPr eaLnBrk="1" hangingPunct="1"/>
+            <a:endParaRPr lang="en-US" sz="2000" dirty="0">
               <a:latin typeface="Calibri" pitchFamily="34" charset="0"/>
             </a:endParaRPr>
           </a:p>
@@ -2835,8 +3183,8 @@
         </p:nvSpPr>
         <p:spPr>
           <a:xfrm>
-            <a:off x="1494017" y="11271157"/>
-            <a:ext cx="13167360" cy="731520"/>
+            <a:off x="1097280" y="3200400"/>
+            <a:ext cx="9875520" cy="457200"/>
           </a:xfrm>
           <a:prstGeom prst="rect">
             <a:avLst/>
@@ -2846,13 +3194,7 @@
               <a:lumMod val="75000"/>
             </a:schemeClr>
           </a:solidFill>
-          <a:ln w="12700">
-            <a:solidFill>
-              <a:schemeClr val="accent1">
-                <a:lumMod val="75000"/>
-              </a:schemeClr>
-            </a:solidFill>
-          </a:ln>
+          <a:ln w="12700"/>
         </p:spPr>
         <p:style>
           <a:lnRef idx="2">
@@ -2871,19 +3213,19 @@
           </a:fontRef>
         </p:style>
         <p:txBody>
-          <a:bodyPr lIns="68568" tIns="34284" rIns="68568" bIns="34284" rtlCol="0" anchor="ctr"/>
+          <a:bodyPr lIns="48971" tIns="24486" rIns="48971" bIns="24486" rtlCol="0" anchor="ctr"/>
           <a:lstStyle/>
           <a:p>
             <a:pPr algn="ctr"/>
             <a:r>
-              <a:rPr lang="en-US" sz="4400" b="1" dirty="0" smtClean="0">
+              <a:rPr lang="en-US" sz="3200" b="1" dirty="0">
                 <a:solidFill>
                   <a:schemeClr val="bg1"/>
                 </a:solidFill>
               </a:rPr>
-              <a:t>The LTS-2 System</a:t>
-            </a:r>
-            <a:endParaRPr lang="en-US" sz="4400" b="1" dirty="0">
+              <a:t>Motivation and Research Questions</a:t>
+            </a:r>
+            <a:endParaRPr lang="en-US" sz="3200" b="1" dirty="0">
               <a:solidFill>
                 <a:schemeClr val="bg1"/>
               </a:solidFill>
@@ -2901,8 +3243,8 @@
         </p:nvSpPr>
         <p:spPr bwMode="auto">
           <a:xfrm>
-            <a:off x="15361920" y="17415243"/>
-            <a:ext cx="13167360" cy="10931157"/>
+            <a:off x="11521440" y="12339841"/>
+            <a:ext cx="9875520" cy="6661105"/>
           </a:xfrm>
           <a:prstGeom prst="rect">
             <a:avLst/>
@@ -2920,8 +3262,8 @@
           <a:effectLst/>
         </p:spPr>
         <p:txBody>
-          <a:bodyPr lIns="137137" tIns="137137" rIns="137137" bIns="137137">
-            <a:noAutofit/>
+          <a:bodyPr lIns="97942" tIns="97942" rIns="97942" bIns="97942">
+            <a:spAutoFit/>
           </a:bodyPr>
           <a:lstStyle>
             <a:lvl1pPr eaLnBrk="0" hangingPunct="0">
@@ -3024,87 +3366,130 @@
           <a:p>
             <a:pPr eaLnBrk="1" hangingPunct="1"/>
             <a:r>
-              <a:rPr lang="en-US" sz="3200" dirty="0" smtClean="0">
+              <a:rPr lang="en-US" sz="2000" dirty="0">
                 <a:latin typeface="Arial" panose="020B0604020202020204" pitchFamily="34" charset="0"/>
                 <a:cs typeface="Arial" panose="020B0604020202020204" pitchFamily="34" charset="0"/>
               </a:rPr>
-              <a:t>The LTS-2 system exhibits </a:t>
-            </a:r>
-            <a:r>
-              <a:rPr lang="en-US" sz="3200" dirty="0" smtClean="0">
+              <a:t>The LTS-2 system exhibits a seasonal cycle although its overall usage seems to be decreasing. Use of the system spiked during November and December, however the magnitude of these spikes was much larger in 2016 as compared to 2017. The system saw a fairly consistent number of requests during the summers of 2016 and 2017</a:t>
+            </a:r>
+            <a:r>
+              <a:rPr lang="en-US" sz="2000" dirty="0" smtClean="0">
                 <a:latin typeface="Arial" panose="020B0604020202020204" pitchFamily="34" charset="0"/>
                 <a:cs typeface="Arial" panose="020B0604020202020204" pitchFamily="34" charset="0"/>
               </a:rPr>
-              <a:t>a </a:t>
-            </a:r>
-            <a:r>
-              <a:rPr lang="en-US" sz="3200" dirty="0" smtClean="0">
-                <a:latin typeface="Arial" panose="020B0604020202020204" pitchFamily="34" charset="0"/>
-                <a:cs typeface="Arial" panose="020B0604020202020204" pitchFamily="34" charset="0"/>
-              </a:rPr>
-              <a:t>seasonal cycle </a:t>
-            </a:r>
-            <a:r>
-              <a:rPr lang="en-US" sz="3200" dirty="0" smtClean="0">
-                <a:latin typeface="Arial" panose="020B0604020202020204" pitchFamily="34" charset="0"/>
-                <a:cs typeface="Arial" panose="020B0604020202020204" pitchFamily="34" charset="0"/>
-              </a:rPr>
-              <a:t>although </a:t>
-            </a:r>
-            <a:r>
-              <a:rPr lang="en-US" sz="3200" dirty="0" smtClean="0">
-                <a:latin typeface="Arial" panose="020B0604020202020204" pitchFamily="34" charset="0"/>
-                <a:cs typeface="Arial" panose="020B0604020202020204" pitchFamily="34" charset="0"/>
-              </a:rPr>
-              <a:t>its </a:t>
-            </a:r>
-            <a:r>
-              <a:rPr lang="en-US" sz="3200" dirty="0" smtClean="0">
-                <a:latin typeface="Arial" panose="020B0604020202020204" pitchFamily="34" charset="0"/>
-                <a:cs typeface="Arial" panose="020B0604020202020204" pitchFamily="34" charset="0"/>
-              </a:rPr>
-              <a:t>overall usage </a:t>
-            </a:r>
-            <a:r>
-              <a:rPr lang="en-US" sz="3200" dirty="0" smtClean="0">
-                <a:latin typeface="Arial" panose="020B0604020202020204" pitchFamily="34" charset="0"/>
-                <a:cs typeface="Arial" panose="020B0604020202020204" pitchFamily="34" charset="0"/>
-              </a:rPr>
-              <a:t>seems to be decreasing. Use of the system spiked during November and </a:t>
-            </a:r>
-            <a:r>
-              <a:rPr lang="en-US" sz="3200" dirty="0" smtClean="0">
-                <a:latin typeface="Arial" panose="020B0604020202020204" pitchFamily="34" charset="0"/>
-                <a:cs typeface="Arial" panose="020B0604020202020204" pitchFamily="34" charset="0"/>
-              </a:rPr>
-              <a:t>December, however the </a:t>
-            </a:r>
-            <a:r>
-              <a:rPr lang="en-US" sz="3200" dirty="0" smtClean="0">
-                <a:latin typeface="Arial" panose="020B0604020202020204" pitchFamily="34" charset="0"/>
-                <a:cs typeface="Arial" panose="020B0604020202020204" pitchFamily="34" charset="0"/>
-              </a:rPr>
-              <a:t>magnitude of these spikes was much larger in 2016 as compared to 2017. </a:t>
-            </a:r>
-            <a:r>
-              <a:rPr lang="en-US" sz="3200" dirty="0" smtClean="0">
-                <a:latin typeface="Arial" panose="020B0604020202020204" pitchFamily="34" charset="0"/>
-                <a:cs typeface="Arial" panose="020B0604020202020204" pitchFamily="34" charset="0"/>
-              </a:rPr>
-              <a:t>The </a:t>
-            </a:r>
-            <a:r>
-              <a:rPr lang="en-US" sz="3200" dirty="0" smtClean="0">
-                <a:latin typeface="Arial" panose="020B0604020202020204" pitchFamily="34" charset="0"/>
-                <a:cs typeface="Arial" panose="020B0604020202020204" pitchFamily="34" charset="0"/>
-              </a:rPr>
-              <a:t>system saw a fairly consistent number of requests during the summers of 2016 and 2017.</a:t>
-            </a:r>
-          </a:p>
-          <a:p>
-            <a:pPr eaLnBrk="1" hangingPunct="1"/>
-            <a:endParaRPr lang="en-US" sz="3200" dirty="0">
-              <a:latin typeface="Calibri" pitchFamily="34" charset="0"/>
+              <a:t>.</a:t>
+            </a:r>
+          </a:p>
+          <a:p>
+            <a:pPr eaLnBrk="1" hangingPunct="1"/>
+            <a:endParaRPr lang="en-US" sz="2000" dirty="0">
+              <a:latin typeface="Arial" panose="020B0604020202020204" pitchFamily="34" charset="0"/>
+              <a:cs typeface="Arial" panose="020B0604020202020204" pitchFamily="34" charset="0"/>
+            </a:endParaRPr>
+          </a:p>
+          <a:p>
+            <a:pPr eaLnBrk="1" hangingPunct="1"/>
+            <a:endParaRPr lang="en-US" sz="2000" dirty="0" smtClean="0">
+              <a:latin typeface="Arial" panose="020B0604020202020204" pitchFamily="34" charset="0"/>
+              <a:cs typeface="Arial" panose="020B0604020202020204" pitchFamily="34" charset="0"/>
+            </a:endParaRPr>
+          </a:p>
+          <a:p>
+            <a:pPr eaLnBrk="1" hangingPunct="1"/>
+            <a:endParaRPr lang="en-US" sz="2000" dirty="0">
+              <a:latin typeface="Arial" panose="020B0604020202020204" pitchFamily="34" charset="0"/>
+              <a:cs typeface="Arial" panose="020B0604020202020204" pitchFamily="34" charset="0"/>
+            </a:endParaRPr>
+          </a:p>
+          <a:p>
+            <a:pPr eaLnBrk="1" hangingPunct="1"/>
+            <a:endParaRPr lang="en-US" sz="2000" dirty="0" smtClean="0">
+              <a:latin typeface="Arial" panose="020B0604020202020204" pitchFamily="34" charset="0"/>
+              <a:cs typeface="Arial" panose="020B0604020202020204" pitchFamily="34" charset="0"/>
+            </a:endParaRPr>
+          </a:p>
+          <a:p>
+            <a:pPr eaLnBrk="1" hangingPunct="1"/>
+            <a:endParaRPr lang="en-US" sz="2000" dirty="0">
+              <a:latin typeface="Arial" panose="020B0604020202020204" pitchFamily="34" charset="0"/>
+              <a:cs typeface="Arial" panose="020B0604020202020204" pitchFamily="34" charset="0"/>
+            </a:endParaRPr>
+          </a:p>
+          <a:p>
+            <a:pPr eaLnBrk="1" hangingPunct="1"/>
+            <a:endParaRPr lang="en-US" sz="2000" dirty="0" smtClean="0">
+              <a:latin typeface="Arial" panose="020B0604020202020204" pitchFamily="34" charset="0"/>
+              <a:cs typeface="Arial" panose="020B0604020202020204" pitchFamily="34" charset="0"/>
+            </a:endParaRPr>
+          </a:p>
+          <a:p>
+            <a:pPr eaLnBrk="1" hangingPunct="1"/>
+            <a:endParaRPr lang="en-US" sz="2000" dirty="0" smtClean="0">
+              <a:latin typeface="Arial" panose="020B0604020202020204" pitchFamily="34" charset="0"/>
+              <a:cs typeface="Arial" panose="020B0604020202020204" pitchFamily="34" charset="0"/>
+            </a:endParaRPr>
+          </a:p>
+          <a:p>
+            <a:pPr eaLnBrk="1" hangingPunct="1"/>
+            <a:endParaRPr lang="en-US" sz="2000" dirty="0">
+              <a:latin typeface="Arial" panose="020B0604020202020204" pitchFamily="34" charset="0"/>
+              <a:cs typeface="Arial" panose="020B0604020202020204" pitchFamily="34" charset="0"/>
+            </a:endParaRPr>
+          </a:p>
+          <a:p>
+            <a:pPr eaLnBrk="1" hangingPunct="1"/>
+            <a:endParaRPr lang="en-US" sz="2000" dirty="0" smtClean="0">
+              <a:latin typeface="Arial" panose="020B0604020202020204" pitchFamily="34" charset="0"/>
+              <a:cs typeface="Arial" panose="020B0604020202020204" pitchFamily="34" charset="0"/>
+            </a:endParaRPr>
+          </a:p>
+          <a:p>
+            <a:pPr eaLnBrk="1" hangingPunct="1"/>
+            <a:endParaRPr lang="en-US" sz="2000" dirty="0">
+              <a:latin typeface="Arial" panose="020B0604020202020204" pitchFamily="34" charset="0"/>
+              <a:cs typeface="Arial" panose="020B0604020202020204" pitchFamily="34" charset="0"/>
+            </a:endParaRPr>
+          </a:p>
+          <a:p>
+            <a:pPr eaLnBrk="1" hangingPunct="1"/>
+            <a:endParaRPr lang="en-US" sz="2000" dirty="0" smtClean="0">
+              <a:latin typeface="Arial" panose="020B0604020202020204" pitchFamily="34" charset="0"/>
+              <a:cs typeface="Arial" panose="020B0604020202020204" pitchFamily="34" charset="0"/>
+            </a:endParaRPr>
+          </a:p>
+          <a:p>
+            <a:pPr eaLnBrk="1" hangingPunct="1"/>
+            <a:endParaRPr lang="en-US" sz="2000" dirty="0">
+              <a:latin typeface="Arial" panose="020B0604020202020204" pitchFamily="34" charset="0"/>
+              <a:cs typeface="Arial" panose="020B0604020202020204" pitchFamily="34" charset="0"/>
+            </a:endParaRPr>
+          </a:p>
+          <a:p>
+            <a:pPr eaLnBrk="1" hangingPunct="1"/>
+            <a:endParaRPr lang="en-US" sz="2000" dirty="0" smtClean="0">
+              <a:latin typeface="Arial" panose="020B0604020202020204" pitchFamily="34" charset="0"/>
+              <a:cs typeface="Arial" panose="020B0604020202020204" pitchFamily="34" charset="0"/>
+            </a:endParaRPr>
+          </a:p>
+          <a:p>
+            <a:pPr eaLnBrk="1" hangingPunct="1"/>
+            <a:endParaRPr lang="en-US" sz="2000" dirty="0">
+              <a:latin typeface="Arial" panose="020B0604020202020204" pitchFamily="34" charset="0"/>
+              <a:cs typeface="Arial" panose="020B0604020202020204" pitchFamily="34" charset="0"/>
+            </a:endParaRPr>
+          </a:p>
+          <a:p>
+            <a:pPr eaLnBrk="1" hangingPunct="1"/>
+            <a:endParaRPr lang="en-US" sz="2000" dirty="0" smtClean="0">
+              <a:latin typeface="Arial" panose="020B0604020202020204" pitchFamily="34" charset="0"/>
+              <a:cs typeface="Arial" panose="020B0604020202020204" pitchFamily="34" charset="0"/>
+            </a:endParaRPr>
+          </a:p>
+          <a:p>
+            <a:pPr eaLnBrk="1" hangingPunct="1"/>
+            <a:endParaRPr lang="en-US" sz="2000" dirty="0">
+              <a:latin typeface="Arial" panose="020B0604020202020204" pitchFamily="34" charset="0"/>
+              <a:cs typeface="Arial" panose="020B0604020202020204" pitchFamily="34" charset="0"/>
             </a:endParaRPr>
           </a:p>
         </p:txBody>
@@ -3117,8 +3502,8 @@
         </p:nvSpPr>
         <p:spPr>
           <a:xfrm>
-            <a:off x="1460999" y="19376130"/>
-            <a:ext cx="13167360" cy="731520"/>
+            <a:off x="1097280" y="7086600"/>
+            <a:ext cx="9875520" cy="457200"/>
           </a:xfrm>
           <a:prstGeom prst="rect">
             <a:avLst/>
@@ -3128,13 +3513,7 @@
               <a:lumMod val="75000"/>
             </a:schemeClr>
           </a:solidFill>
-          <a:ln w="12700">
-            <a:solidFill>
-              <a:schemeClr val="accent1">
-                <a:lumMod val="75000"/>
-              </a:schemeClr>
-            </a:solidFill>
-          </a:ln>
+          <a:ln w="12700"/>
         </p:spPr>
         <p:style>
           <a:lnRef idx="2">
@@ -3153,19 +3532,19 @@
           </a:fontRef>
         </p:style>
         <p:txBody>
-          <a:bodyPr lIns="68568" tIns="34284" rIns="68568" bIns="34284" rtlCol="0" anchor="ctr"/>
+          <a:bodyPr lIns="48971" tIns="24486" rIns="48971" bIns="24486" rtlCol="0" anchor="ctr"/>
           <a:lstStyle/>
           <a:p>
             <a:pPr algn="ctr"/>
             <a:r>
-              <a:rPr lang="en-US" sz="4400" b="1" dirty="0" smtClean="0">
+              <a:rPr lang="en-US" sz="3200" b="1" dirty="0">
                 <a:solidFill>
                   <a:schemeClr val="bg1"/>
                 </a:solidFill>
               </a:rPr>
-              <a:t>The Data</a:t>
-            </a:r>
-            <a:endParaRPr lang="en-US" sz="4400" b="1" dirty="0">
+              <a:t>The LTS-2 System</a:t>
+            </a:r>
+            <a:endParaRPr lang="en-US" sz="3200" b="1" dirty="0">
               <a:solidFill>
                 <a:schemeClr val="bg1"/>
               </a:solidFill>
@@ -3183,8 +3562,8 @@
         </p:nvSpPr>
         <p:spPr bwMode="auto">
           <a:xfrm>
-            <a:off x="15361920" y="5486400"/>
-            <a:ext cx="13167360" cy="10744200"/>
+            <a:off x="1097280" y="13639800"/>
+            <a:ext cx="9875520" cy="5429998"/>
           </a:xfrm>
           <a:prstGeom prst="rect">
             <a:avLst/>
@@ -3202,8 +3581,8 @@
           <a:effectLst/>
         </p:spPr>
         <p:txBody>
-          <a:bodyPr lIns="137137" tIns="137137" rIns="137137" bIns="137137">
-            <a:noAutofit/>
+          <a:bodyPr lIns="97942" tIns="97942" rIns="97942" bIns="97942">
+            <a:spAutoFit/>
           </a:bodyPr>
           <a:lstStyle>
             <a:lvl1pPr eaLnBrk="0" hangingPunct="0">
@@ -3306,16 +3685,97 @@
           <a:p>
             <a:pPr eaLnBrk="1" hangingPunct="1"/>
             <a:r>
-              <a:rPr lang="en-US" sz="3200" dirty="0" smtClean="0">
+              <a:rPr lang="en-US" sz="2000" dirty="0">
                 <a:latin typeface="Arial" panose="020B0604020202020204" pitchFamily="34" charset="0"/>
                 <a:cs typeface="Arial" panose="020B0604020202020204" pitchFamily="34" charset="0"/>
               </a:rPr>
-              <a:t>Users commonly send in requests that are either incorrectly formatted or request information for area codes that do not exist. As Figure 2 shows, between 15%-25% of messages are invalid. Invalid messages receive no responses. </a:t>
-            </a:r>
-            <a:endParaRPr lang="en-US" sz="3200" dirty="0">
-              <a:latin typeface="Arial" panose="020B0604020202020204" pitchFamily="34" charset="0"/>
-              <a:cs typeface="Arial" panose="020B0604020202020204" pitchFamily="34" charset="0"/>
-            </a:endParaRPr>
+              <a:t>The data is comprised of incoming and outgoing messages and contains approximately 125,000 observations. Telephone numbers have been replaced with random unique identifiers in order to protect the privacy of individual users. Correctly formatted messages contain a valid five digit area code and an integer from 1-3 that specifies request type. </a:t>
+            </a:r>
+            <a:endParaRPr lang="en-US" sz="2000" dirty="0" smtClean="0">
+              <a:latin typeface="Arial" panose="020B0604020202020204" pitchFamily="34" charset="0"/>
+              <a:cs typeface="Arial" panose="020B0604020202020204" pitchFamily="34" charset="0"/>
+            </a:endParaRPr>
+          </a:p>
+          <a:p>
+            <a:pPr eaLnBrk="1" hangingPunct="1"/>
+            <a:endParaRPr lang="en-US" sz="2000" dirty="0">
+              <a:latin typeface="Arial" panose="020B0604020202020204" pitchFamily="34" charset="0"/>
+              <a:cs typeface="Arial" panose="020B0604020202020204" pitchFamily="34" charset="0"/>
+            </a:endParaRPr>
+          </a:p>
+          <a:p>
+            <a:pPr eaLnBrk="1" hangingPunct="1"/>
+            <a:endParaRPr lang="en-US" sz="2000" dirty="0" smtClean="0">
+              <a:latin typeface="Arial" panose="020B0604020202020204" pitchFamily="34" charset="0"/>
+              <a:cs typeface="Arial" panose="020B0604020202020204" pitchFamily="34" charset="0"/>
+            </a:endParaRPr>
+          </a:p>
+          <a:p>
+            <a:pPr eaLnBrk="1" hangingPunct="1"/>
+            <a:endParaRPr lang="en-US" sz="2000" dirty="0">
+              <a:latin typeface="Arial" panose="020B0604020202020204" pitchFamily="34" charset="0"/>
+              <a:cs typeface="Arial" panose="020B0604020202020204" pitchFamily="34" charset="0"/>
+            </a:endParaRPr>
+          </a:p>
+          <a:p>
+            <a:pPr eaLnBrk="1" hangingPunct="1"/>
+            <a:endParaRPr lang="en-US" sz="2000" dirty="0" smtClean="0">
+              <a:latin typeface="Arial" panose="020B0604020202020204" pitchFamily="34" charset="0"/>
+              <a:cs typeface="Arial" panose="020B0604020202020204" pitchFamily="34" charset="0"/>
+            </a:endParaRPr>
+          </a:p>
+          <a:p>
+            <a:pPr eaLnBrk="1" hangingPunct="1"/>
+            <a:endParaRPr lang="en-US" sz="2000" dirty="0" smtClean="0">
+              <a:latin typeface="Arial" panose="020B0604020202020204" pitchFamily="34" charset="0"/>
+              <a:cs typeface="Arial" panose="020B0604020202020204" pitchFamily="34" charset="0"/>
+            </a:endParaRPr>
+          </a:p>
+          <a:p>
+            <a:pPr eaLnBrk="1" hangingPunct="1"/>
+            <a:endParaRPr lang="en-US" sz="2000" dirty="0">
+              <a:latin typeface="Arial" panose="020B0604020202020204" pitchFamily="34" charset="0"/>
+              <a:cs typeface="Arial" panose="020B0604020202020204" pitchFamily="34" charset="0"/>
+            </a:endParaRPr>
+          </a:p>
+          <a:p>
+            <a:pPr eaLnBrk="1" hangingPunct="1"/>
+            <a:endParaRPr lang="en-US" sz="2000" dirty="0" smtClean="0">
+              <a:latin typeface="Arial" panose="020B0604020202020204" pitchFamily="34" charset="0"/>
+              <a:cs typeface="Arial" panose="020B0604020202020204" pitchFamily="34" charset="0"/>
+            </a:endParaRPr>
+          </a:p>
+          <a:p>
+            <a:pPr eaLnBrk="1" hangingPunct="1"/>
+            <a:endParaRPr lang="en-US" sz="2000" dirty="0">
+              <a:latin typeface="Arial" panose="020B0604020202020204" pitchFamily="34" charset="0"/>
+              <a:cs typeface="Arial" panose="020B0604020202020204" pitchFamily="34" charset="0"/>
+            </a:endParaRPr>
+          </a:p>
+          <a:p>
+            <a:pPr eaLnBrk="1" hangingPunct="1"/>
+            <a:endParaRPr lang="en-US" sz="2000" dirty="0" smtClean="0">
+              <a:latin typeface="Arial" panose="020B0604020202020204" pitchFamily="34" charset="0"/>
+              <a:cs typeface="Arial" panose="020B0604020202020204" pitchFamily="34" charset="0"/>
+            </a:endParaRPr>
+          </a:p>
+          <a:p>
+            <a:pPr eaLnBrk="1" hangingPunct="1"/>
+            <a:endParaRPr lang="en-US" sz="2000" dirty="0">
+              <a:latin typeface="Arial" panose="020B0604020202020204" pitchFamily="34" charset="0"/>
+              <a:cs typeface="Arial" panose="020B0604020202020204" pitchFamily="34" charset="0"/>
+            </a:endParaRPr>
+          </a:p>
+          <a:p>
+            <a:pPr eaLnBrk="1" hangingPunct="1"/>
+            <a:endParaRPr lang="en-US" sz="2000" dirty="0" smtClean="0">
+              <a:latin typeface="Arial" panose="020B0604020202020204" pitchFamily="34" charset="0"/>
+              <a:cs typeface="Arial" panose="020B0604020202020204" pitchFamily="34" charset="0"/>
+            </a:endParaRPr>
+          </a:p>
+          <a:p>
+            <a:pPr eaLnBrk="1" hangingPunct="1"/>
+            <a:endParaRPr lang="en-US" sz="2000" dirty="0"/>
           </a:p>
         </p:txBody>
       </p:sp>
@@ -3327,8 +3787,8 @@
         </p:nvSpPr>
         <p:spPr>
           <a:xfrm>
-            <a:off x="15361920" y="4754880"/>
-            <a:ext cx="13167360" cy="731520"/>
+            <a:off x="1097280" y="13182600"/>
+            <a:ext cx="9875520" cy="457200"/>
           </a:xfrm>
           <a:prstGeom prst="rect">
             <a:avLst/>
@@ -3338,13 +3798,7 @@
               <a:lumMod val="75000"/>
             </a:schemeClr>
           </a:solidFill>
-          <a:ln w="12700">
-            <a:solidFill>
-              <a:schemeClr val="accent1">
-                <a:lumMod val="75000"/>
-              </a:schemeClr>
-            </a:solidFill>
-          </a:ln>
+          <a:ln w="12700"/>
         </p:spPr>
         <p:style>
           <a:lnRef idx="2">
@@ -3363,21 +3817,27 @@
           </a:fontRef>
         </p:style>
         <p:txBody>
-          <a:bodyPr lIns="68568" tIns="34284" rIns="68568" bIns="34284" rtlCol="0" anchor="ctr"/>
+          <a:bodyPr lIns="48971" tIns="24486" rIns="48971" bIns="24486" rtlCol="0" anchor="ctr"/>
           <a:lstStyle/>
           <a:p>
             <a:pPr algn="ctr"/>
             <a:r>
-              <a:rPr lang="en-US" sz="4400" b="1" dirty="0" smtClean="0">
-                <a:solidFill>
-                  <a:schemeClr val="bg1"/>
-                </a:solidFill>
-              </a:rPr>
-              <a:t>User Errors</a:t>
-            </a:r>
-            <a:endParaRPr lang="en-US" sz="4400" b="1" dirty="0">
+              <a:rPr lang="en-US" sz="3200" b="1" dirty="0" smtClean="0">
+                <a:solidFill>
+                  <a:schemeClr val="accent3">
+                    <a:lumMod val="20000"/>
+                    <a:lumOff val="80000"/>
+                  </a:schemeClr>
+                </a:solidFill>
+              </a:rPr>
+              <a:t>The Data</a:t>
+            </a:r>
+            <a:endParaRPr lang="en-US" sz="3200" b="1" dirty="0">
               <a:solidFill>
-                <a:schemeClr val="bg1"/>
+                <a:schemeClr val="accent3">
+                  <a:lumMod val="20000"/>
+                  <a:lumOff val="80000"/>
+                </a:schemeClr>
               </a:solidFill>
             </a:endParaRPr>
           </a:p>
@@ -3393,8 +3853,8 @@
         </p:nvSpPr>
         <p:spPr bwMode="auto">
           <a:xfrm>
-            <a:off x="29279103" y="5470785"/>
-            <a:ext cx="13167360" cy="11056757"/>
+            <a:off x="21954097" y="3653687"/>
+            <a:ext cx="9875520" cy="7276658"/>
           </a:xfrm>
           <a:prstGeom prst="rect">
             <a:avLst/>
@@ -3412,8 +3872,8 @@
           <a:effectLst/>
         </p:spPr>
         <p:txBody>
-          <a:bodyPr lIns="137137" tIns="137137" rIns="137137" bIns="137137">
-            <a:noAutofit/>
+          <a:bodyPr lIns="97942" tIns="97942" rIns="97942" bIns="97942">
+            <a:spAutoFit/>
           </a:bodyPr>
           <a:lstStyle>
             <a:lvl1pPr eaLnBrk="0" hangingPunct="0">
@@ -3516,109 +3976,122 @@
           <a:p>
             <a:pPr eaLnBrk="1" hangingPunct="1"/>
             <a:r>
-              <a:rPr lang="en-US" sz="3200" dirty="0" smtClean="0">
+              <a:rPr lang="en-US" sz="2000" dirty="0">
                 <a:latin typeface="Arial" panose="020B0604020202020204" pitchFamily="34" charset="0"/>
                 <a:cs typeface="Arial" panose="020B0604020202020204" pitchFamily="34" charset="0"/>
               </a:rPr>
-              <a:t>The LTS-2 system is not comprised of a constant user base. Instead new users are frequently joining and existing users </a:t>
-            </a:r>
-            <a:r>
-              <a:rPr lang="en-US" sz="3200" dirty="0" smtClean="0">
-                <a:latin typeface="Arial" panose="020B0604020202020204" pitchFamily="34" charset="0"/>
-                <a:cs typeface="Arial" panose="020B0604020202020204" pitchFamily="34" charset="0"/>
-              </a:rPr>
-              <a:t>are frequently exiting the </a:t>
-            </a:r>
-            <a:r>
-              <a:rPr lang="en-US" sz="3200" dirty="0" smtClean="0">
-                <a:latin typeface="Arial" panose="020B0604020202020204" pitchFamily="34" charset="0"/>
-                <a:cs typeface="Arial" panose="020B0604020202020204" pitchFamily="34" charset="0"/>
-              </a:rPr>
-              <a:t>system. </a:t>
-            </a:r>
-          </a:p>
-          <a:p>
-            <a:pPr eaLnBrk="1" hangingPunct="1"/>
-            <a:endParaRPr lang="en-US" sz="3200" dirty="0">
+              <a:t>The LTS-2 system is not comprised of a constant user base. Instead new users are frequently joining and existing users are frequently exiting the system. </a:t>
+            </a:r>
+            <a:endParaRPr lang="en-US" sz="2000" dirty="0" smtClean="0">
+              <a:latin typeface="Arial" panose="020B0604020202020204" pitchFamily="34" charset="0"/>
+              <a:cs typeface="Arial" panose="020B0604020202020204" pitchFamily="34" charset="0"/>
+            </a:endParaRPr>
+          </a:p>
+          <a:p>
+            <a:pPr eaLnBrk="1" hangingPunct="1"/>
+            <a:endParaRPr lang="en-US" sz="2000" dirty="0" smtClean="0">
+              <a:latin typeface="Arial" panose="020B0604020202020204" pitchFamily="34" charset="0"/>
+              <a:cs typeface="Arial" panose="020B0604020202020204" pitchFamily="34" charset="0"/>
+            </a:endParaRPr>
+          </a:p>
+          <a:p>
+            <a:pPr eaLnBrk="1" hangingPunct="1"/>
+            <a:endParaRPr lang="en-US" sz="2000" dirty="0">
+              <a:latin typeface="Arial" panose="020B0604020202020204" pitchFamily="34" charset="0"/>
+              <a:cs typeface="Arial" panose="020B0604020202020204" pitchFamily="34" charset="0"/>
+            </a:endParaRPr>
+          </a:p>
+          <a:p>
+            <a:pPr eaLnBrk="1" hangingPunct="1"/>
+            <a:endParaRPr lang="en-US" sz="2000" dirty="0" smtClean="0">
+              <a:latin typeface="Arial" panose="020B0604020202020204" pitchFamily="34" charset="0"/>
+              <a:cs typeface="Arial" panose="020B0604020202020204" pitchFamily="34" charset="0"/>
+            </a:endParaRPr>
+          </a:p>
+          <a:p>
+            <a:pPr eaLnBrk="1" hangingPunct="1"/>
+            <a:endParaRPr lang="en-US" sz="2000" dirty="0">
+              <a:latin typeface="Arial" panose="020B0604020202020204" pitchFamily="34" charset="0"/>
+              <a:cs typeface="Arial" panose="020B0604020202020204" pitchFamily="34" charset="0"/>
+            </a:endParaRPr>
+          </a:p>
+          <a:p>
+            <a:pPr eaLnBrk="1" hangingPunct="1"/>
+            <a:endParaRPr lang="en-US" sz="2000" dirty="0">
+              <a:latin typeface="Arial" panose="020B0604020202020204" pitchFamily="34" charset="0"/>
+              <a:cs typeface="Arial" panose="020B0604020202020204" pitchFamily="34" charset="0"/>
+            </a:endParaRPr>
+          </a:p>
+          <a:p>
+            <a:pPr eaLnBrk="1" hangingPunct="1"/>
+            <a:endParaRPr lang="en-US" sz="2000" dirty="0">
               <a:latin typeface="Calibri" pitchFamily="34" charset="0"/>
             </a:endParaRPr>
           </a:p>
           <a:p>
             <a:pPr eaLnBrk="1" hangingPunct="1"/>
-            <a:endParaRPr lang="en-US" sz="3200" dirty="0" smtClean="0">
+            <a:endParaRPr lang="en-US" sz="2000" dirty="0">
               <a:latin typeface="Calibri" pitchFamily="34" charset="0"/>
             </a:endParaRPr>
           </a:p>
           <a:p>
             <a:pPr eaLnBrk="1" hangingPunct="1"/>
-            <a:endParaRPr lang="en-US" sz="3200" dirty="0">
+            <a:endParaRPr lang="en-US" sz="2000" dirty="0">
               <a:latin typeface="Calibri" pitchFamily="34" charset="0"/>
             </a:endParaRPr>
           </a:p>
           <a:p>
             <a:pPr eaLnBrk="1" hangingPunct="1"/>
-            <a:endParaRPr lang="en-US" sz="3200" dirty="0" smtClean="0">
+            <a:endParaRPr lang="en-US" sz="2000" dirty="0">
               <a:latin typeface="Calibri" pitchFamily="34" charset="0"/>
             </a:endParaRPr>
           </a:p>
           <a:p>
             <a:pPr eaLnBrk="1" hangingPunct="1"/>
-            <a:endParaRPr lang="en-US" sz="3200" dirty="0">
+            <a:endParaRPr lang="en-US" sz="2000" dirty="0">
               <a:latin typeface="Calibri" pitchFamily="34" charset="0"/>
             </a:endParaRPr>
           </a:p>
           <a:p>
             <a:pPr eaLnBrk="1" hangingPunct="1"/>
-            <a:endParaRPr lang="en-US" sz="3200" dirty="0" smtClean="0">
+            <a:endParaRPr lang="en-US" sz="2000" dirty="0">
               <a:latin typeface="Calibri" pitchFamily="34" charset="0"/>
             </a:endParaRPr>
           </a:p>
           <a:p>
             <a:pPr eaLnBrk="1" hangingPunct="1"/>
-            <a:endParaRPr lang="en-US" sz="3200" dirty="0">
+            <a:endParaRPr lang="en-US" sz="2000" dirty="0">
               <a:latin typeface="Calibri" pitchFamily="34" charset="0"/>
             </a:endParaRPr>
           </a:p>
           <a:p>
             <a:pPr eaLnBrk="1" hangingPunct="1"/>
-            <a:endParaRPr lang="en-US" sz="3200" dirty="0" smtClean="0">
+            <a:endParaRPr lang="en-US" sz="2000" dirty="0">
               <a:latin typeface="Calibri" pitchFamily="34" charset="0"/>
             </a:endParaRPr>
           </a:p>
           <a:p>
             <a:pPr eaLnBrk="1" hangingPunct="1"/>
-            <a:endParaRPr lang="en-US" sz="3200" dirty="0">
+            <a:endParaRPr lang="en-US" sz="2000" dirty="0">
               <a:latin typeface="Calibri" pitchFamily="34" charset="0"/>
             </a:endParaRPr>
           </a:p>
           <a:p>
             <a:pPr eaLnBrk="1" hangingPunct="1"/>
-            <a:endParaRPr lang="en-US" sz="3200" dirty="0" smtClean="0">
+            <a:endParaRPr lang="en-US" sz="2000" dirty="0">
               <a:latin typeface="Calibri" pitchFamily="34" charset="0"/>
             </a:endParaRPr>
           </a:p>
           <a:p>
             <a:pPr eaLnBrk="1" hangingPunct="1"/>
-            <a:endParaRPr lang="en-US" sz="3200" dirty="0">
+            <a:endParaRPr lang="en-US" sz="2000" dirty="0">
               <a:latin typeface="Calibri" pitchFamily="34" charset="0"/>
             </a:endParaRPr>
           </a:p>
           <a:p>
             <a:pPr eaLnBrk="1" hangingPunct="1"/>
-            <a:endParaRPr lang="en-US" sz="3200" dirty="0" smtClean="0">
-              <a:latin typeface="Calibri" pitchFamily="34" charset="0"/>
-            </a:endParaRPr>
-          </a:p>
-          <a:p>
-            <a:pPr eaLnBrk="1" hangingPunct="1"/>
-            <a:endParaRPr lang="en-US" sz="3200" dirty="0">
-              <a:latin typeface="Calibri" pitchFamily="34" charset="0"/>
-            </a:endParaRPr>
-          </a:p>
-          <a:p>
-            <a:pPr eaLnBrk="1" hangingPunct="1"/>
-            <a:r>
-              <a:rPr lang="en-US" sz="3200" dirty="0" smtClean="0">
+            <a:r>
+              <a:rPr lang="en-US" sz="2000" dirty="0">
                 <a:latin typeface="Arial" panose="020B0604020202020204" pitchFamily="34" charset="0"/>
                 <a:cs typeface="Arial" panose="020B0604020202020204" pitchFamily="34" charset="0"/>
               </a:rPr>
@@ -3635,8 +4108,8 @@
         </p:nvSpPr>
         <p:spPr>
           <a:xfrm>
-            <a:off x="29276070" y="4751843"/>
-            <a:ext cx="13167360" cy="731520"/>
+            <a:off x="21954097" y="3196487"/>
+            <a:ext cx="9875520" cy="457200"/>
           </a:xfrm>
           <a:prstGeom prst="rect">
             <a:avLst/>
@@ -3646,13 +4119,7 @@
               <a:lumMod val="75000"/>
             </a:schemeClr>
           </a:solidFill>
-          <a:ln w="12700">
-            <a:solidFill>
-              <a:schemeClr val="accent1">
-                <a:lumMod val="75000"/>
-              </a:schemeClr>
-            </a:solidFill>
-          </a:ln>
+          <a:ln w="12700"/>
         </p:spPr>
         <p:style>
           <a:lnRef idx="2">
@@ -3671,21 +4138,27 @@
           </a:fontRef>
         </p:style>
         <p:txBody>
-          <a:bodyPr lIns="68568" tIns="34284" rIns="68568" bIns="34284" rtlCol="0" anchor="ctr"/>
+          <a:bodyPr lIns="48971" tIns="24486" rIns="48971" bIns="24486" rtlCol="0" anchor="ctr"/>
           <a:lstStyle/>
           <a:p>
             <a:pPr algn="ctr"/>
             <a:r>
-              <a:rPr lang="en-US" sz="4400" b="1" dirty="0" smtClean="0">
-                <a:solidFill>
-                  <a:schemeClr val="bg1"/>
+              <a:rPr lang="en-US" sz="3200" b="1" dirty="0" smtClean="0">
+                <a:solidFill>
+                  <a:schemeClr val="accent3">
+                    <a:lumMod val="20000"/>
+                    <a:lumOff val="80000"/>
+                  </a:schemeClr>
                 </a:solidFill>
               </a:rPr>
               <a:t>Churn Rate</a:t>
             </a:r>
-            <a:endParaRPr lang="en-US" sz="4400" b="1" dirty="0">
+            <a:endParaRPr lang="en-US" sz="3200" b="1" dirty="0">
               <a:solidFill>
-                <a:schemeClr val="bg1"/>
+                <a:schemeClr val="accent3">
+                  <a:lumMod val="20000"/>
+                  <a:lumOff val="80000"/>
+                </a:schemeClr>
               </a:solidFill>
             </a:endParaRPr>
           </a:p>
@@ -3701,8 +4174,8 @@
         </p:nvSpPr>
         <p:spPr bwMode="auto">
           <a:xfrm>
-            <a:off x="1494017" y="5530301"/>
-            <a:ext cx="13167360" cy="5575562"/>
+            <a:off x="21944158" y="11712627"/>
+            <a:ext cx="9875520" cy="7276658"/>
           </a:xfrm>
           <a:prstGeom prst="rect">
             <a:avLst/>
@@ -3720,8 +4193,8 @@
           <a:effectLst/>
         </p:spPr>
         <p:txBody>
-          <a:bodyPr lIns="137137" tIns="137137" rIns="137137" bIns="137137">
-            <a:noAutofit/>
+          <a:bodyPr lIns="97942" tIns="97942" rIns="97942" bIns="97942">
+            <a:spAutoFit/>
           </a:bodyPr>
           <a:lstStyle>
             <a:lvl1pPr eaLnBrk="0" hangingPunct="0">
@@ -3824,58 +4297,162 @@
           <a:p>
             <a:pPr eaLnBrk="1" hangingPunct="1"/>
             <a:r>
-              <a:rPr lang="en-US" sz="3200" dirty="0"/>
-              <a:t>Approximately </a:t>
-            </a:r>
-            <a:r>
-              <a:rPr lang="en-US" sz="3200" dirty="0" smtClean="0"/>
-              <a:t>one third </a:t>
-            </a:r>
-            <a:r>
-              <a:rPr lang="en-US" sz="3200" dirty="0"/>
-              <a:t>of Mongolians are pastoral herders. Extreme cold during </a:t>
-            </a:r>
-            <a:r>
-              <a:rPr lang="en-US" sz="3200" dirty="0" smtClean="0"/>
-              <a:t>winter presents a </a:t>
-            </a:r>
-            <a:r>
-              <a:rPr lang="en-US" sz="3200" dirty="0"/>
-              <a:t>major risk </a:t>
-            </a:r>
-            <a:r>
-              <a:rPr lang="en-US" sz="3200" dirty="0" smtClean="0"/>
-              <a:t>livestock herds and thus poses </a:t>
-            </a:r>
-            <a:r>
-              <a:rPr lang="en-US" sz="3200" dirty="0"/>
-              <a:t>a serious threat to the economic security of </a:t>
-            </a:r>
-            <a:r>
-              <a:rPr lang="en-US" sz="3200" dirty="0" smtClean="0"/>
-              <a:t>pastoral herders. In an attempt to create some sort of buffer, many herders obtain the largest number of animals possible. In some cases this leads to overgrazing which threatens the ecological sustainability of Mongolia’s extensive herding system. In an attempt to improve the survival rates of livestock, </a:t>
-            </a:r>
-            <a:r>
-              <a:rPr lang="en-US" sz="3200" dirty="0" err="1" smtClean="0"/>
-              <a:t>Mercycorp</a:t>
-            </a:r>
-            <a:r>
-              <a:rPr lang="en-US" sz="3200" dirty="0" smtClean="0"/>
-              <a:t> has developed a system to deliver weather forecasts and pasture information to herders. We analyze use of this system with a focus on spatial </a:t>
-            </a:r>
-            <a:r>
-              <a:rPr lang="en-US" sz="3200" dirty="0"/>
-              <a:t>u</a:t>
-            </a:r>
-            <a:r>
-              <a:rPr lang="en-US" sz="3200" dirty="0" smtClean="0"/>
-              <a:t>sage, temporal patterns and characterizing the average user.</a:t>
-            </a:r>
-          </a:p>
-          <a:p>
-            <a:pPr eaLnBrk="1" hangingPunct="1"/>
-            <a:endParaRPr lang="en-US" sz="3200" dirty="0">
-              <a:latin typeface="Calibri" pitchFamily="34" charset="0"/>
+              <a:rPr lang="en-US" sz="2000" dirty="0">
+                <a:latin typeface="Arial" panose="020B0604020202020204" pitchFamily="34" charset="0"/>
+                <a:cs typeface="Arial" panose="020B0604020202020204" pitchFamily="34" charset="0"/>
+              </a:rPr>
+              <a:t>We find that the vast majority of users are only interested in forecasts for one or two areas. We also construct a web based interactive map that allows users to visualize the spatial distribution of forecast requests. The app allows for the users to specify a time interval during which the requests occurred along with the type of forecast requested. The app can be found at </a:t>
+            </a:r>
+            <a:r>
+              <a:rPr lang="en-US" sz="2000" u="sng" dirty="0">
+                <a:latin typeface="Arial" panose="020B0604020202020204" pitchFamily="34" charset="0"/>
+                <a:cs typeface="Arial" panose="020B0604020202020204" pitchFamily="34" charset="0"/>
+              </a:rPr>
+              <a:t>shiny.reed.edu/s/users/</a:t>
+            </a:r>
+            <a:r>
+              <a:rPr lang="en-US" sz="2000" u="sng" dirty="0" err="1">
+                <a:latin typeface="Arial" panose="020B0604020202020204" pitchFamily="34" charset="0"/>
+                <a:cs typeface="Arial" panose="020B0604020202020204" pitchFamily="34" charset="0"/>
+              </a:rPr>
+              <a:t>giocorti</a:t>
+            </a:r>
+            <a:r>
+              <a:rPr lang="en-US" sz="2000" u="sng" dirty="0">
+                <a:latin typeface="Arial" panose="020B0604020202020204" pitchFamily="34" charset="0"/>
+                <a:cs typeface="Arial" panose="020B0604020202020204" pitchFamily="34" charset="0"/>
+              </a:rPr>
+              <a:t>/</a:t>
+            </a:r>
+            <a:r>
+              <a:rPr lang="en-US" sz="2000" u="sng" dirty="0" err="1">
+                <a:latin typeface="Arial" panose="020B0604020202020204" pitchFamily="34" charset="0"/>
+                <a:cs typeface="Arial" panose="020B0604020202020204" pitchFamily="34" charset="0"/>
+              </a:rPr>
+              <a:t>NHMap</a:t>
+            </a:r>
+            <a:r>
+              <a:rPr lang="en-US" sz="2000" dirty="0">
+                <a:latin typeface="Arial" panose="020B0604020202020204" pitchFamily="34" charset="0"/>
+                <a:cs typeface="Arial" panose="020B0604020202020204" pitchFamily="34" charset="0"/>
+              </a:rPr>
+              <a:t>. A general examination of this map shows that requests are concentrated in the northern part of the country. </a:t>
+            </a:r>
+            <a:endParaRPr lang="en-US" sz="2000" dirty="0" smtClean="0">
+              <a:latin typeface="Arial" panose="020B0604020202020204" pitchFamily="34" charset="0"/>
+              <a:cs typeface="Arial" panose="020B0604020202020204" pitchFamily="34" charset="0"/>
+            </a:endParaRPr>
+          </a:p>
+          <a:p>
+            <a:pPr eaLnBrk="1" hangingPunct="1"/>
+            <a:endParaRPr lang="en-US" sz="2000" dirty="0" smtClean="0">
+              <a:latin typeface="Arial" panose="020B0604020202020204" pitchFamily="34" charset="0"/>
+              <a:cs typeface="Arial" panose="020B0604020202020204" pitchFamily="34" charset="0"/>
+            </a:endParaRPr>
+          </a:p>
+          <a:p>
+            <a:pPr eaLnBrk="1" hangingPunct="1"/>
+            <a:endParaRPr lang="en-US" sz="2000" dirty="0">
+              <a:latin typeface="Arial" panose="020B0604020202020204" pitchFamily="34" charset="0"/>
+              <a:cs typeface="Arial" panose="020B0604020202020204" pitchFamily="34" charset="0"/>
+            </a:endParaRPr>
+          </a:p>
+          <a:p>
+            <a:pPr eaLnBrk="1" hangingPunct="1"/>
+            <a:endParaRPr lang="en-US" sz="2000" dirty="0" smtClean="0">
+              <a:latin typeface="Arial" panose="020B0604020202020204" pitchFamily="34" charset="0"/>
+              <a:cs typeface="Arial" panose="020B0604020202020204" pitchFamily="34" charset="0"/>
+            </a:endParaRPr>
+          </a:p>
+          <a:p>
+            <a:pPr eaLnBrk="1" hangingPunct="1"/>
+            <a:endParaRPr lang="en-US" sz="2000" dirty="0" smtClean="0">
+              <a:latin typeface="Arial" panose="020B0604020202020204" pitchFamily="34" charset="0"/>
+              <a:cs typeface="Arial" panose="020B0604020202020204" pitchFamily="34" charset="0"/>
+            </a:endParaRPr>
+          </a:p>
+          <a:p>
+            <a:pPr eaLnBrk="1" hangingPunct="1"/>
+            <a:endParaRPr lang="en-US" sz="2000" dirty="0">
+              <a:latin typeface="Arial" panose="020B0604020202020204" pitchFamily="34" charset="0"/>
+              <a:cs typeface="Arial" panose="020B0604020202020204" pitchFamily="34" charset="0"/>
+            </a:endParaRPr>
+          </a:p>
+          <a:p>
+            <a:pPr eaLnBrk="1" hangingPunct="1"/>
+            <a:endParaRPr lang="en-US" sz="2000" dirty="0" smtClean="0">
+              <a:latin typeface="Arial" panose="020B0604020202020204" pitchFamily="34" charset="0"/>
+              <a:cs typeface="Arial" panose="020B0604020202020204" pitchFamily="34" charset="0"/>
+            </a:endParaRPr>
+          </a:p>
+          <a:p>
+            <a:pPr eaLnBrk="1" hangingPunct="1"/>
+            <a:endParaRPr lang="en-US" sz="2000" dirty="0">
+              <a:latin typeface="Arial" panose="020B0604020202020204" pitchFamily="34" charset="0"/>
+              <a:cs typeface="Arial" panose="020B0604020202020204" pitchFamily="34" charset="0"/>
+            </a:endParaRPr>
+          </a:p>
+          <a:p>
+            <a:pPr eaLnBrk="1" hangingPunct="1"/>
+            <a:endParaRPr lang="en-US" sz="2000" dirty="0" smtClean="0">
+              <a:latin typeface="Arial" panose="020B0604020202020204" pitchFamily="34" charset="0"/>
+              <a:cs typeface="Arial" panose="020B0604020202020204" pitchFamily="34" charset="0"/>
+            </a:endParaRPr>
+          </a:p>
+          <a:p>
+            <a:pPr eaLnBrk="1" hangingPunct="1"/>
+            <a:endParaRPr lang="en-US" sz="2000" dirty="0">
+              <a:latin typeface="Arial" panose="020B0604020202020204" pitchFamily="34" charset="0"/>
+              <a:cs typeface="Arial" panose="020B0604020202020204" pitchFamily="34" charset="0"/>
+            </a:endParaRPr>
+          </a:p>
+          <a:p>
+            <a:pPr eaLnBrk="1" hangingPunct="1"/>
+            <a:endParaRPr lang="en-US" sz="2000" dirty="0" smtClean="0">
+              <a:latin typeface="Arial" panose="020B0604020202020204" pitchFamily="34" charset="0"/>
+              <a:cs typeface="Arial" panose="020B0604020202020204" pitchFamily="34" charset="0"/>
+            </a:endParaRPr>
+          </a:p>
+          <a:p>
+            <a:pPr eaLnBrk="1" hangingPunct="1"/>
+            <a:endParaRPr lang="en-US" sz="2000" dirty="0">
+              <a:latin typeface="Arial" panose="020B0604020202020204" pitchFamily="34" charset="0"/>
+              <a:cs typeface="Arial" panose="020B0604020202020204" pitchFamily="34" charset="0"/>
+            </a:endParaRPr>
+          </a:p>
+          <a:p>
+            <a:pPr eaLnBrk="1" hangingPunct="1"/>
+            <a:endParaRPr lang="en-US" sz="2000" dirty="0" smtClean="0">
+              <a:latin typeface="Arial" panose="020B0604020202020204" pitchFamily="34" charset="0"/>
+              <a:cs typeface="Arial" panose="020B0604020202020204" pitchFamily="34" charset="0"/>
+            </a:endParaRPr>
+          </a:p>
+          <a:p>
+            <a:pPr eaLnBrk="1" hangingPunct="1"/>
+            <a:endParaRPr lang="en-US" sz="2000" dirty="0">
+              <a:latin typeface="Arial" panose="020B0604020202020204" pitchFamily="34" charset="0"/>
+              <a:cs typeface="Arial" panose="020B0604020202020204" pitchFamily="34" charset="0"/>
+            </a:endParaRPr>
+          </a:p>
+          <a:p>
+            <a:pPr eaLnBrk="1" hangingPunct="1"/>
+            <a:endParaRPr lang="en-US" sz="2000" dirty="0" smtClean="0">
+              <a:latin typeface="Arial" panose="020B0604020202020204" pitchFamily="34" charset="0"/>
+              <a:cs typeface="Arial" panose="020B0604020202020204" pitchFamily="34" charset="0"/>
+            </a:endParaRPr>
+          </a:p>
+          <a:p>
+            <a:pPr eaLnBrk="1" hangingPunct="1"/>
+            <a:endParaRPr lang="en-US" sz="2000" dirty="0">
+              <a:latin typeface="Arial" panose="020B0604020202020204" pitchFamily="34" charset="0"/>
+              <a:cs typeface="Arial" panose="020B0604020202020204" pitchFamily="34" charset="0"/>
+            </a:endParaRPr>
+          </a:p>
+          <a:p>
+            <a:pPr eaLnBrk="1" hangingPunct="1"/>
+            <a:endParaRPr lang="en-US" sz="2000" dirty="0">
+              <a:latin typeface="Arial" panose="020B0604020202020204" pitchFamily="34" charset="0"/>
+              <a:cs typeface="Arial" panose="020B0604020202020204" pitchFamily="34" charset="0"/>
             </a:endParaRPr>
           </a:p>
         </p:txBody>
@@ -3888,8 +4465,8 @@
         </p:nvSpPr>
         <p:spPr>
           <a:xfrm>
-            <a:off x="1494017" y="4800790"/>
-            <a:ext cx="13167360" cy="731520"/>
+            <a:off x="21944158" y="11255427"/>
+            <a:ext cx="9875520" cy="457200"/>
           </a:xfrm>
           <a:prstGeom prst="rect">
             <a:avLst/>
@@ -3899,13 +4476,7 @@
               <a:lumMod val="75000"/>
             </a:schemeClr>
           </a:solidFill>
-          <a:ln w="12700">
-            <a:solidFill>
-              <a:schemeClr val="accent1">
-                <a:lumMod val="75000"/>
-              </a:schemeClr>
-            </a:solidFill>
-          </a:ln>
+          <a:ln w="12700"/>
         </p:spPr>
         <p:style>
           <a:lnRef idx="2">
@@ -3924,19 +4495,19 @@
           </a:fontRef>
         </p:style>
         <p:txBody>
-          <a:bodyPr lIns="68568" tIns="34284" rIns="68568" bIns="34284" rtlCol="0" anchor="ctr"/>
+          <a:bodyPr lIns="48971" tIns="24486" rIns="48971" bIns="24486" rtlCol="0" anchor="ctr"/>
           <a:lstStyle/>
           <a:p>
             <a:pPr algn="ctr"/>
             <a:r>
-              <a:rPr lang="en-US" sz="4400" b="1" dirty="0" smtClean="0">
+              <a:rPr lang="en-US" sz="3200" b="1" dirty="0">
                 <a:solidFill>
                   <a:schemeClr val="bg1"/>
                 </a:solidFill>
               </a:rPr>
-              <a:t>Motivation and Research Questions</a:t>
-            </a:r>
-            <a:endParaRPr lang="en-US" sz="4400" b="1" dirty="0">
+              <a:t>Spatial Analysis and Shiny App</a:t>
+            </a:r>
+            <a:endParaRPr lang="en-US" sz="3200" b="1" dirty="0">
               <a:solidFill>
                 <a:schemeClr val="bg1"/>
               </a:solidFill>
@@ -3954,8 +4525,8 @@
         </p:nvSpPr>
         <p:spPr bwMode="auto">
           <a:xfrm>
-            <a:off x="1460999" y="20121276"/>
-            <a:ext cx="13167360" cy="8488680"/>
+            <a:off x="1097280" y="7543800"/>
+            <a:ext cx="9875520" cy="5429998"/>
           </a:xfrm>
           <a:prstGeom prst="rect">
             <a:avLst/>
@@ -3973,8 +4544,8 @@
           <a:effectLst/>
         </p:spPr>
         <p:txBody>
-          <a:bodyPr lIns="137137" tIns="137137" rIns="137137" bIns="137137">
-            <a:noAutofit/>
+          <a:bodyPr lIns="97942" tIns="97942" rIns="97942" bIns="97942">
+            <a:spAutoFit/>
           </a:bodyPr>
           <a:lstStyle>
             <a:lvl1pPr eaLnBrk="0" hangingPunct="0">
@@ -4077,61 +4648,84 @@
           <a:p>
             <a:pPr eaLnBrk="1" hangingPunct="1"/>
             <a:r>
-              <a:rPr lang="en-US" sz="3200" dirty="0" smtClean="0">
-                <a:latin typeface="Arial" panose="020B0604020202020204" pitchFamily="34" charset="0"/>
-                <a:cs typeface="Arial" panose="020B0604020202020204" pitchFamily="34" charset="0"/>
-              </a:rPr>
-              <a:t>The data is comprised of incoming and outgoing messages and contains approximately 125,000 observations. </a:t>
-            </a:r>
-            <a:r>
-              <a:rPr lang="en-US" sz="3200" dirty="0">
-                <a:latin typeface="Arial" panose="020B0604020202020204" pitchFamily="34" charset="0"/>
-                <a:cs typeface="Arial" panose="020B0604020202020204" pitchFamily="34" charset="0"/>
-              </a:rPr>
-              <a:t>T</a:t>
-            </a:r>
-            <a:r>
-              <a:rPr lang="en-US" sz="3200" dirty="0" smtClean="0">
-                <a:latin typeface="Arial" panose="020B0604020202020204" pitchFamily="34" charset="0"/>
-                <a:cs typeface="Arial" panose="020B0604020202020204" pitchFamily="34" charset="0"/>
-              </a:rPr>
-              <a:t>elephone </a:t>
-            </a:r>
-            <a:r>
-              <a:rPr lang="en-US" sz="3200" dirty="0">
-                <a:latin typeface="Arial" panose="020B0604020202020204" pitchFamily="34" charset="0"/>
-                <a:cs typeface="Arial" panose="020B0604020202020204" pitchFamily="34" charset="0"/>
-              </a:rPr>
-              <a:t>numbers </a:t>
-            </a:r>
-            <a:r>
-              <a:rPr lang="en-US" sz="3200" dirty="0" smtClean="0">
-                <a:latin typeface="Arial" panose="020B0604020202020204" pitchFamily="34" charset="0"/>
-                <a:cs typeface="Arial" panose="020B0604020202020204" pitchFamily="34" charset="0"/>
-              </a:rPr>
-              <a:t>have been replaced with random unique identifiers in order to protect the privacy of individual </a:t>
-            </a:r>
-            <a:r>
-              <a:rPr lang="en-US" sz="3200" dirty="0" smtClean="0">
-                <a:latin typeface="Arial" panose="020B0604020202020204" pitchFamily="34" charset="0"/>
-                <a:cs typeface="Arial" panose="020B0604020202020204" pitchFamily="34" charset="0"/>
-              </a:rPr>
-              <a:t>users. Correctly formatted messages contain a valid five digit area code and an integer from 1-3 that specifies request type. </a:t>
-            </a:r>
-            <a:endParaRPr lang="en-US" sz="3200" dirty="0" smtClean="0">
-              <a:latin typeface="+mn-lt"/>
-            </a:endParaRPr>
-          </a:p>
-          <a:p>
-            <a:pPr eaLnBrk="1" hangingPunct="1"/>
-            <a:endParaRPr lang="en-US" sz="3200" dirty="0">
-              <a:latin typeface="+mn-lt"/>
-            </a:endParaRPr>
-          </a:p>
-          <a:p>
-            <a:pPr eaLnBrk="1" hangingPunct="1"/>
-            <a:endParaRPr lang="en-US" sz="3200" dirty="0">
-              <a:latin typeface="+mn-lt"/>
+              <a:rPr lang="en-US" sz="2000" dirty="0"/>
+              <a:t>The LTS-2 system is an SMS information system designed to help Mongolian nomadic herders improve livestock outcomes. The system works by providing weather forecast and pasture information to herders through text message. One to three and four to six day weather forecasts are available in addition to pasture forage information from the Livestock Early Warning System (LEWS</a:t>
+            </a:r>
+            <a:r>
+              <a:rPr lang="en-US" sz="2000" dirty="0" smtClean="0"/>
+              <a:t>).</a:t>
+            </a:r>
+          </a:p>
+          <a:p>
+            <a:pPr eaLnBrk="1" hangingPunct="1"/>
+            <a:endParaRPr lang="en-US" sz="2000" dirty="0">
+              <a:latin typeface="Calibri" pitchFamily="34" charset="0"/>
+            </a:endParaRPr>
+          </a:p>
+          <a:p>
+            <a:pPr eaLnBrk="1" hangingPunct="1"/>
+            <a:endParaRPr lang="en-US" sz="2000" dirty="0" smtClean="0">
+              <a:latin typeface="Calibri" pitchFamily="34" charset="0"/>
+            </a:endParaRPr>
+          </a:p>
+          <a:p>
+            <a:pPr eaLnBrk="1" hangingPunct="1"/>
+            <a:endParaRPr lang="en-US" sz="2000" dirty="0">
+              <a:latin typeface="Calibri" pitchFamily="34" charset="0"/>
+            </a:endParaRPr>
+          </a:p>
+          <a:p>
+            <a:pPr eaLnBrk="1" hangingPunct="1"/>
+            <a:endParaRPr lang="en-US" sz="2000" dirty="0" smtClean="0">
+              <a:latin typeface="Calibri" pitchFamily="34" charset="0"/>
+            </a:endParaRPr>
+          </a:p>
+          <a:p>
+            <a:pPr eaLnBrk="1" hangingPunct="1"/>
+            <a:endParaRPr lang="en-US" sz="2000" dirty="0">
+              <a:latin typeface="Calibri" pitchFamily="34" charset="0"/>
+            </a:endParaRPr>
+          </a:p>
+          <a:p>
+            <a:pPr eaLnBrk="1" hangingPunct="1"/>
+            <a:endParaRPr lang="en-US" sz="2000" dirty="0" smtClean="0">
+              <a:latin typeface="Calibri" pitchFamily="34" charset="0"/>
+            </a:endParaRPr>
+          </a:p>
+          <a:p>
+            <a:pPr eaLnBrk="1" hangingPunct="1"/>
+            <a:endParaRPr lang="en-US" sz="2000" dirty="0">
+              <a:latin typeface="Calibri" pitchFamily="34" charset="0"/>
+            </a:endParaRPr>
+          </a:p>
+          <a:p>
+            <a:pPr eaLnBrk="1" hangingPunct="1"/>
+            <a:endParaRPr lang="en-US" sz="2000" dirty="0" smtClean="0">
+              <a:latin typeface="Calibri" pitchFamily="34" charset="0"/>
+            </a:endParaRPr>
+          </a:p>
+          <a:p>
+            <a:pPr eaLnBrk="1" hangingPunct="1"/>
+            <a:endParaRPr lang="en-US" sz="2000" dirty="0">
+              <a:latin typeface="Calibri" pitchFamily="34" charset="0"/>
+            </a:endParaRPr>
+          </a:p>
+          <a:p>
+            <a:pPr eaLnBrk="1" hangingPunct="1"/>
+            <a:endParaRPr lang="en-US" sz="2000" dirty="0" smtClean="0">
+              <a:latin typeface="Calibri" pitchFamily="34" charset="0"/>
+            </a:endParaRPr>
+          </a:p>
+          <a:p>
+            <a:pPr eaLnBrk="1" hangingPunct="1"/>
+            <a:endParaRPr lang="en-US" sz="2000" dirty="0">
+              <a:latin typeface="Calibri" pitchFamily="34" charset="0"/>
+            </a:endParaRPr>
+          </a:p>
+          <a:p>
+            <a:pPr eaLnBrk="1" hangingPunct="1"/>
+            <a:endParaRPr lang="en-US" sz="2000" dirty="0">
+              <a:latin typeface="Calibri" pitchFamily="34" charset="0"/>
             </a:endParaRPr>
           </a:p>
         </p:txBody>
@@ -4144,8 +4738,8 @@
         </p:nvSpPr>
         <p:spPr>
           <a:xfrm>
-            <a:off x="15361920" y="16683723"/>
-            <a:ext cx="13167360" cy="731520"/>
+            <a:off x="11521440" y="11871889"/>
+            <a:ext cx="9875520" cy="457200"/>
           </a:xfrm>
           <a:prstGeom prst="rect">
             <a:avLst/>
@@ -4155,13 +4749,7 @@
               <a:lumMod val="75000"/>
             </a:schemeClr>
           </a:solidFill>
-          <a:ln w="12700">
-            <a:solidFill>
-              <a:schemeClr val="accent1">
-                <a:lumMod val="75000"/>
-              </a:schemeClr>
-            </a:solidFill>
-          </a:ln>
+          <a:ln w="12700"/>
         </p:spPr>
         <p:style>
           <a:lnRef idx="2">
@@ -4180,19 +4768,19 @@
           </a:fontRef>
         </p:style>
         <p:txBody>
-          <a:bodyPr lIns="68568" tIns="34284" rIns="68568" bIns="34284" rtlCol="0" anchor="ctr"/>
+          <a:bodyPr lIns="48971" tIns="24486" rIns="48971" bIns="24486" rtlCol="0" anchor="ctr"/>
           <a:lstStyle/>
           <a:p>
             <a:pPr algn="ctr"/>
             <a:r>
-              <a:rPr lang="en-US" sz="4400" b="1" dirty="0" smtClean="0">
+              <a:rPr lang="en-US" sz="3200" b="1" dirty="0">
                 <a:solidFill>
                   <a:schemeClr val="bg1"/>
                 </a:solidFill>
               </a:rPr>
               <a:t>Use over time</a:t>
             </a:r>
-            <a:endParaRPr lang="en-US" sz="4400" b="1" dirty="0">
+            <a:endParaRPr lang="en-US" sz="3200" b="1" dirty="0">
               <a:solidFill>
                 <a:schemeClr val="bg1"/>
               </a:solidFill>
@@ -4210,8 +4798,8 @@
         </p:nvSpPr>
         <p:spPr bwMode="auto">
           <a:xfrm>
-            <a:off x="1911004" y="27722559"/>
-            <a:ext cx="12069836" cy="866375"/>
+            <a:off x="1280161" y="18546444"/>
+            <a:ext cx="9008068" cy="541893"/>
           </a:xfrm>
           <a:prstGeom prst="rect">
             <a:avLst/>
@@ -4251,8 +4839,8 @@
           </a:extLst>
         </p:spPr>
         <p:txBody>
-          <a:bodyPr wrap="square" lIns="68568" tIns="34284" rIns="68568" bIns="34284">
-            <a:noAutofit/>
+          <a:bodyPr wrap="none" lIns="48971" tIns="24486" rIns="48971" bIns="24486">
+            <a:spAutoFit/>
           </a:bodyPr>
           <a:lstStyle>
             <a:lvl1pPr defTabSz="4389438" eaLnBrk="0" hangingPunct="0">
@@ -4353,26 +4941,207 @@
             </a:lvl9pPr>
           </a:lstStyle>
           <a:p>
-            <a:pPr eaLnBrk="1" hangingPunct="1"/>
-            <a:r>
-              <a:rPr lang="en-US" sz="2400" b="1" dirty="0">
+            <a:pPr algn="ctr" eaLnBrk="1" hangingPunct="1"/>
+            <a:r>
+              <a:rPr lang="en-US" sz="1600" b="1" dirty="0">
                 <a:latin typeface="Calibri" pitchFamily="34" charset="0"/>
               </a:rPr>
-              <a:t>Table 1</a:t>
-            </a:r>
-            <a:r>
-              <a:rPr lang="en-US" sz="2400" b="1" dirty="0" smtClean="0">
+              <a:t>Table 1.</a:t>
+            </a:r>
+            <a:r>
+              <a:rPr lang="en-US" sz="1600" dirty="0">
                 <a:latin typeface="Calibri" pitchFamily="34" charset="0"/>
               </a:rPr>
+              <a:t> </a:t>
+            </a:r>
+            <a:r>
+              <a:rPr lang="en-US" sz="1600" b="1" dirty="0">
+                <a:latin typeface="Calibri" pitchFamily="34" charset="0"/>
+              </a:rPr>
               <a:t>. </a:t>
             </a:r>
             <a:r>
-              <a:rPr lang="en-US" sz="2400" dirty="0" smtClean="0">
+              <a:rPr lang="en-US" sz="1600" dirty="0">
                 <a:latin typeface="Calibri" pitchFamily="34" charset="0"/>
               </a:rPr>
               <a:t>A small subset of the raw data. Phone numbers have been changed to random unique identifiers. </a:t>
             </a:r>
-            <a:endParaRPr lang="en-US" sz="2400" dirty="0">
+          </a:p>
+          <a:p>
+            <a:pPr algn="ctr" eaLnBrk="1" hangingPunct="1"/>
+            <a:endParaRPr lang="en-US" sz="1600" dirty="0">
+              <a:latin typeface="Calibri" pitchFamily="34" charset="0"/>
+            </a:endParaRPr>
+          </a:p>
+        </p:txBody>
+      </p:sp>
+      <p:sp>
+        <p:nvSpPr>
+          <p:cNvPr id="37" name="Text Box 180"/>
+          <p:cNvSpPr txBox="1">
+            <a:spLocks noChangeArrowheads="1"/>
+          </p:cNvSpPr>
+          <p:nvPr/>
+        </p:nvSpPr>
+        <p:spPr bwMode="auto">
+          <a:xfrm>
+            <a:off x="22250399" y="8830526"/>
+            <a:ext cx="5520575" cy="295671"/>
+          </a:xfrm>
+          <a:prstGeom prst="rect">
+            <a:avLst/>
+          </a:prstGeom>
+          <a:noFill/>
+          <a:ln>
+            <a:noFill/>
+          </a:ln>
+          <a:effectLst/>
+          <a:extLst>
+            <a:ext uri="{909E8E84-426E-40DD-AFC4-6F175D3DCCD1}">
+              <a14:hiddenFill xmlns:a14="http://schemas.microsoft.com/office/drawing/2010/main">
+                <a:solidFill>
+                  <a:schemeClr val="accent1"/>
+                </a:solidFill>
+              </a14:hiddenFill>
+            </a:ext>
+            <a:ext uri="{91240B29-F687-4F45-9708-019B960494DF}">
+              <a14:hiddenLine xmlns:a14="http://schemas.microsoft.com/office/drawing/2010/main" w="9525">
+                <a:solidFill>
+                  <a:schemeClr val="tx1"/>
+                </a:solidFill>
+                <a:miter lim="800000"/>
+                <a:headEnd/>
+                <a:tailEnd/>
+              </a14:hiddenLine>
+            </a:ext>
+            <a:ext uri="{AF507438-7753-43E0-B8FC-AC1667EBCBE1}">
+              <a14:hiddenEffects xmlns:a14="http://schemas.microsoft.com/office/drawing/2010/main">
+                <a:effectLst>
+                  <a:outerShdw dist="35921" dir="2700000" algn="ctr" rotWithShape="0">
+                    <a:schemeClr val="bg2"/>
+                  </a:outerShdw>
+                </a:effectLst>
+              </a14:hiddenEffects>
+            </a:ext>
+          </a:extLst>
+        </p:spPr>
+        <p:txBody>
+          <a:bodyPr wrap="none" lIns="48971" tIns="24486" rIns="48971" bIns="24486">
+            <a:spAutoFit/>
+          </a:bodyPr>
+          <a:lstStyle>
+            <a:lvl1pPr defTabSz="4389438" eaLnBrk="0" hangingPunct="0">
+              <a:defRPr sz="2200">
+                <a:solidFill>
+                  <a:schemeClr val="tx1"/>
+                </a:solidFill>
+                <a:latin typeface="Arial" charset="0"/>
+              </a:defRPr>
+            </a:lvl1pPr>
+            <a:lvl2pPr marL="742950" indent="-285750" defTabSz="4389438" eaLnBrk="0" hangingPunct="0">
+              <a:defRPr sz="2200">
+                <a:solidFill>
+                  <a:schemeClr val="tx1"/>
+                </a:solidFill>
+                <a:latin typeface="Arial" charset="0"/>
+              </a:defRPr>
+            </a:lvl2pPr>
+            <a:lvl3pPr marL="1143000" indent="-228600" defTabSz="4389438" eaLnBrk="0" hangingPunct="0">
+              <a:defRPr sz="2200">
+                <a:solidFill>
+                  <a:schemeClr val="tx1"/>
+                </a:solidFill>
+                <a:latin typeface="Arial" charset="0"/>
+              </a:defRPr>
+            </a:lvl3pPr>
+            <a:lvl4pPr marL="1600200" indent="-228600" defTabSz="4389438" eaLnBrk="0" hangingPunct="0">
+              <a:defRPr sz="2200">
+                <a:solidFill>
+                  <a:schemeClr val="tx1"/>
+                </a:solidFill>
+                <a:latin typeface="Arial" charset="0"/>
+              </a:defRPr>
+            </a:lvl4pPr>
+            <a:lvl5pPr marL="2057400" indent="-228600" defTabSz="4389438" eaLnBrk="0" hangingPunct="0">
+              <a:defRPr sz="2200">
+                <a:solidFill>
+                  <a:schemeClr val="tx1"/>
+                </a:solidFill>
+                <a:latin typeface="Arial" charset="0"/>
+              </a:defRPr>
+            </a:lvl5pPr>
+            <a:lvl6pPr marL="2514600" indent="-228600" defTabSz="4389438" eaLnBrk="0" fontAlgn="base" hangingPunct="0">
+              <a:spcBef>
+                <a:spcPct val="0"/>
+              </a:spcBef>
+              <a:spcAft>
+                <a:spcPct val="0"/>
+              </a:spcAft>
+              <a:defRPr sz="2200">
+                <a:solidFill>
+                  <a:schemeClr val="tx1"/>
+                </a:solidFill>
+                <a:latin typeface="Arial" charset="0"/>
+              </a:defRPr>
+            </a:lvl6pPr>
+            <a:lvl7pPr marL="2971800" indent="-228600" defTabSz="4389438" eaLnBrk="0" fontAlgn="base" hangingPunct="0">
+              <a:spcBef>
+                <a:spcPct val="0"/>
+              </a:spcBef>
+              <a:spcAft>
+                <a:spcPct val="0"/>
+              </a:spcAft>
+              <a:defRPr sz="2200">
+                <a:solidFill>
+                  <a:schemeClr val="tx1"/>
+                </a:solidFill>
+                <a:latin typeface="Arial" charset="0"/>
+              </a:defRPr>
+            </a:lvl7pPr>
+            <a:lvl8pPr marL="3429000" indent="-228600" defTabSz="4389438" eaLnBrk="0" fontAlgn="base" hangingPunct="0">
+              <a:spcBef>
+                <a:spcPct val="0"/>
+              </a:spcBef>
+              <a:spcAft>
+                <a:spcPct val="0"/>
+              </a:spcAft>
+              <a:defRPr sz="2200">
+                <a:solidFill>
+                  <a:schemeClr val="tx1"/>
+                </a:solidFill>
+                <a:latin typeface="Arial" charset="0"/>
+              </a:defRPr>
+            </a:lvl8pPr>
+            <a:lvl9pPr marL="3886200" indent="-228600" defTabSz="4389438" eaLnBrk="0" fontAlgn="base" hangingPunct="0">
+              <a:spcBef>
+                <a:spcPct val="0"/>
+              </a:spcBef>
+              <a:spcAft>
+                <a:spcPct val="0"/>
+              </a:spcAft>
+              <a:defRPr sz="2200">
+                <a:solidFill>
+                  <a:schemeClr val="tx1"/>
+                </a:solidFill>
+                <a:latin typeface="Arial" charset="0"/>
+              </a:defRPr>
+            </a:lvl9pPr>
+          </a:lstStyle>
+          <a:p>
+            <a:pPr algn="ctr" eaLnBrk="1" hangingPunct="1"/>
+            <a:r>
+              <a:rPr lang="en-US" sz="1600" b="1" dirty="0" smtClean="0">
+                <a:latin typeface="Calibri" pitchFamily="34" charset="0"/>
+              </a:rPr>
+              <a:t>Figure 4.</a:t>
+            </a:r>
+            <a:r>
+              <a:rPr lang="en-US" sz="1600" dirty="0">
+                <a:latin typeface="Calibri" pitchFamily="34" charset="0"/>
+              </a:rPr>
+              <a:t> Churn rate of the system calculated on a monthly basis. </a:t>
+            </a:r>
+            <a:endParaRPr lang="en-US" sz="1600" dirty="0">
               <a:latin typeface="Calibri" pitchFamily="34" charset="0"/>
             </a:endParaRPr>
           </a:p>
@@ -4380,7 +5149,7 @@
       </p:sp>
       <p:pic>
         <p:nvPicPr>
-          <p:cNvPr id="37" name="Picture 36"/>
+          <p:cNvPr id="38" name="Picture 37"/>
           <p:cNvPicPr>
             <a:picLocks noChangeAspect="1"/>
           </p:cNvPicPr>
@@ -4399,8 +5168,37 @@
         </p:blipFill>
         <p:spPr>
           <a:xfrm>
-            <a:off x="3146727" y="15245722"/>
-            <a:ext cx="9870376" cy="3424417"/>
+            <a:off x="1783274" y="9705238"/>
+            <a:ext cx="7557254" cy="2621905"/>
+          </a:xfrm>
+          <a:prstGeom prst="rect">
+            <a:avLst/>
+          </a:prstGeom>
+        </p:spPr>
+      </p:pic>
+      <p:pic>
+        <p:nvPicPr>
+          <p:cNvPr id="39" name="Picture 38"/>
+          <p:cNvPicPr>
+            <a:picLocks noChangeAspect="1"/>
+          </p:cNvPicPr>
+          <p:nvPr/>
+        </p:nvPicPr>
+        <p:blipFill rotWithShape="1">
+          <a:blip r:embed="rId3">
+            <a:extLst>
+              <a:ext uri="{28A0092B-C50C-407E-A947-70E740481C1C}">
+                <a14:useLocalDpi xmlns:a14="http://schemas.microsoft.com/office/drawing/2010/main" val="0"/>
+              </a:ext>
+            </a:extLst>
+          </a:blip>
+          <a:srcRect b="27962"/>
+          <a:stretch/>
+        </p:blipFill>
+        <p:spPr>
+          <a:xfrm>
+            <a:off x="2234334" y="15366948"/>
+            <a:ext cx="7601411" cy="2981592"/>
           </a:xfrm>
           <a:prstGeom prst="rect">
             <a:avLst/>
@@ -4409,46 +5207,65 @@
       </p:pic>
       <p:sp>
         <p:nvSpPr>
-          <p:cNvPr id="6" name="AutoShape 2" descr="https://lh6.googleusercontent.com/XrZ3kCcNJAroFTRDwDBpD6fDstY0-hfp1_ZLYS0LyaRwhJyH8xLCwGDN5x-Ho2lyFuq7VbAi1p83BACoEeREt81uc-wVuK0JIT8Mj6Q_pHDnM87jzAvr9JSqRFWqcOnoz1Q8RgVG"/>
-          <p:cNvSpPr>
-            <a:spLocks noChangeAspect="1" noChangeArrowheads="1"/>
-          </p:cNvSpPr>
+          <p:cNvPr id="40" name="Rectangle 39"/>
+          <p:cNvSpPr/>
           <p:nvPr/>
         </p:nvSpPr>
-        <p:spPr bwMode="auto">
+        <p:spPr>
           <a:xfrm>
-            <a:off x="130175" y="-593725"/>
-            <a:ext cx="5191125" cy="1724025"/>
+            <a:off x="11521440" y="3179327"/>
+            <a:ext cx="9875520" cy="457200"/>
           </a:xfrm>
           <a:prstGeom prst="rect">
             <a:avLst/>
           </a:prstGeom>
-          <a:noFill/>
-          <a:extLst>
-            <a:ext uri="{909E8E84-426E-40DD-AFC4-6F175D3DCCD1}">
-              <a14:hiddenFill xmlns:a14="http://schemas.microsoft.com/office/drawing/2010/main">
-                <a:solidFill>
-                  <a:srgbClr val="FFFFFF"/>
-                </a:solidFill>
-              </a14:hiddenFill>
-            </a:ext>
-          </a:extLst>
+          <a:solidFill>
+            <a:schemeClr val="accent1">
+              <a:lumMod val="75000"/>
+            </a:schemeClr>
+          </a:solidFill>
+          <a:ln w="12700"/>
         </p:spPr>
+        <p:style>
+          <a:lnRef idx="2">
+            <a:schemeClr val="accent1">
+              <a:shade val="50000"/>
+            </a:schemeClr>
+          </a:lnRef>
+          <a:fillRef idx="1">
+            <a:schemeClr val="accent1"/>
+          </a:fillRef>
+          <a:effectRef idx="0">
+            <a:schemeClr val="accent1"/>
+          </a:effectRef>
+          <a:fontRef idx="minor">
+            <a:schemeClr val="lt1"/>
+          </a:fontRef>
+        </p:style>
         <p:txBody>
-          <a:bodyPr vert="horz" wrap="square" lIns="91440" tIns="45720" rIns="91440" bIns="45720" numCol="1" anchor="t" anchorCtr="0" compatLnSpc="1">
-            <a:prstTxWarp prst="textNoShape">
-              <a:avLst/>
-            </a:prstTxWarp>
-          </a:bodyPr>
+          <a:bodyPr lIns="48971" tIns="24486" rIns="48971" bIns="24486" rtlCol="0" anchor="ctr"/>
           <a:lstStyle/>
           <a:p>
-            <a:endParaRPr lang="en-US"/>
+            <a:pPr algn="ctr"/>
+            <a:r>
+              <a:rPr lang="en-US" sz="3200" b="1" dirty="0">
+                <a:solidFill>
+                  <a:schemeClr val="bg1"/>
+                </a:solidFill>
+              </a:rPr>
+              <a:t>User Errors</a:t>
+            </a:r>
+            <a:endParaRPr lang="en-US" sz="3200" b="1" dirty="0">
+              <a:solidFill>
+                <a:schemeClr val="bg1"/>
+              </a:solidFill>
+            </a:endParaRPr>
           </a:p>
         </p:txBody>
       </p:sp>
       <p:sp>
         <p:nvSpPr>
-          <p:cNvPr id="38" name="Text Box 180"/>
+          <p:cNvPr id="41" name="Text Box 194"/>
           <p:cNvSpPr txBox="1">
             <a:spLocks noChangeArrowheads="1"/>
           </p:cNvSpPr>
@@ -4456,52 +5273,30 @@
         </p:nvSpPr>
         <p:spPr bwMode="auto">
           <a:xfrm>
-            <a:off x="15852984" y="15281075"/>
-            <a:ext cx="12069836" cy="866375"/>
+            <a:off x="11521440" y="3647020"/>
+            <a:ext cx="9875520" cy="7892211"/>
           </a:xfrm>
           <a:prstGeom prst="rect">
             <a:avLst/>
           </a:prstGeom>
-          <a:noFill/>
-          <a:ln>
-            <a:noFill/>
+          <a:solidFill>
+            <a:schemeClr val="bg1"/>
+          </a:solidFill>
+          <a:ln w="12700">
+            <a:solidFill>
+              <a:schemeClr val="accent1">
+                <a:lumMod val="75000"/>
+              </a:schemeClr>
+            </a:solidFill>
           </a:ln>
           <a:effectLst/>
-          <a:extLst>
-            <a:ext uri="{909E8E84-426E-40DD-AFC4-6F175D3DCCD1}">
-              <a14:hiddenFill xmlns:a14="http://schemas.microsoft.com/office/drawing/2010/main">
-                <a:solidFill>
-                  <a:schemeClr val="accent1"/>
-                </a:solidFill>
-              </a14:hiddenFill>
-            </a:ext>
-            <a:ext uri="{91240B29-F687-4F45-9708-019B960494DF}">
-              <a14:hiddenLine xmlns:a14="http://schemas.microsoft.com/office/drawing/2010/main" w="9525">
-                <a:solidFill>
-                  <a:schemeClr val="tx1"/>
-                </a:solidFill>
-                <a:miter lim="800000"/>
-                <a:headEnd/>
-                <a:tailEnd/>
-              </a14:hiddenLine>
-            </a:ext>
-            <a:ext uri="{AF507438-7753-43E0-B8FC-AC1667EBCBE1}">
-              <a14:hiddenEffects xmlns:a14="http://schemas.microsoft.com/office/drawing/2010/main">
-                <a:effectLst>
-                  <a:outerShdw dist="35921" dir="2700000" algn="ctr" rotWithShape="0">
-                    <a:schemeClr val="bg2"/>
-                  </a:outerShdw>
-                </a:effectLst>
-              </a14:hiddenEffects>
-            </a:ext>
-          </a:extLst>
         </p:spPr>
         <p:txBody>
-          <a:bodyPr wrap="square" lIns="68568" tIns="34284" rIns="68568" bIns="34284">
-            <a:noAutofit/>
+          <a:bodyPr lIns="97942" tIns="97942" rIns="97942" bIns="97942">
+            <a:spAutoFit/>
           </a:bodyPr>
           <a:lstStyle>
-            <a:lvl1pPr defTabSz="4389438" eaLnBrk="0" hangingPunct="0">
+            <a:lvl1pPr eaLnBrk="0" hangingPunct="0">
               <a:defRPr sz="2200">
                 <a:solidFill>
                   <a:schemeClr val="tx1"/>
@@ -4509,7 +5304,7 @@
                 <a:latin typeface="Arial" charset="0"/>
               </a:defRPr>
             </a:lvl1pPr>
-            <a:lvl2pPr marL="742950" indent="-285750" defTabSz="4389438" eaLnBrk="0" hangingPunct="0">
+            <a:lvl2pPr marL="742950" indent="-285750" eaLnBrk="0" hangingPunct="0">
               <a:defRPr sz="2200">
                 <a:solidFill>
                   <a:schemeClr val="tx1"/>
@@ -4517,7 +5312,7 @@
                 <a:latin typeface="Arial" charset="0"/>
               </a:defRPr>
             </a:lvl2pPr>
-            <a:lvl3pPr marL="1143000" indent="-228600" defTabSz="4389438" eaLnBrk="0" hangingPunct="0">
+            <a:lvl3pPr marL="1143000" indent="-228600" eaLnBrk="0" hangingPunct="0">
               <a:defRPr sz="2200">
                 <a:solidFill>
                   <a:schemeClr val="tx1"/>
@@ -4525,7 +5320,7 @@
                 <a:latin typeface="Arial" charset="0"/>
               </a:defRPr>
             </a:lvl3pPr>
-            <a:lvl4pPr marL="1600200" indent="-228600" defTabSz="4389438" eaLnBrk="0" hangingPunct="0">
+            <a:lvl4pPr marL="1600200" indent="-228600" eaLnBrk="0" hangingPunct="0">
               <a:defRPr sz="2200">
                 <a:solidFill>
                   <a:schemeClr val="tx1"/>
@@ -4533,7 +5328,7 @@
                 <a:latin typeface="Arial" charset="0"/>
               </a:defRPr>
             </a:lvl4pPr>
-            <a:lvl5pPr marL="2057400" indent="-228600" defTabSz="4389438" eaLnBrk="0" hangingPunct="0">
+            <a:lvl5pPr marL="2057400" indent="-228600" eaLnBrk="0" hangingPunct="0">
               <a:defRPr sz="2200">
                 <a:solidFill>
                   <a:schemeClr val="tx1"/>
@@ -4541,7 +5336,7 @@
                 <a:latin typeface="Arial" charset="0"/>
               </a:defRPr>
             </a:lvl5pPr>
-            <a:lvl6pPr marL="2514600" indent="-228600" defTabSz="4389438" eaLnBrk="0" fontAlgn="base" hangingPunct="0">
+            <a:lvl6pPr marL="2514600" indent="-228600" eaLnBrk="0" fontAlgn="base" hangingPunct="0">
               <a:spcBef>
                 <a:spcPct val="0"/>
               </a:spcBef>
@@ -4555,7 +5350,7 @@
                 <a:latin typeface="Arial" charset="0"/>
               </a:defRPr>
             </a:lvl6pPr>
-            <a:lvl7pPr marL="2971800" indent="-228600" defTabSz="4389438" eaLnBrk="0" fontAlgn="base" hangingPunct="0">
+            <a:lvl7pPr marL="2971800" indent="-228600" eaLnBrk="0" fontAlgn="base" hangingPunct="0">
               <a:spcBef>
                 <a:spcPct val="0"/>
               </a:spcBef>
@@ -4569,7 +5364,7 @@
                 <a:latin typeface="Arial" charset="0"/>
               </a:defRPr>
             </a:lvl7pPr>
-            <a:lvl8pPr marL="3429000" indent="-228600" defTabSz="4389438" eaLnBrk="0" fontAlgn="base" hangingPunct="0">
+            <a:lvl8pPr marL="3429000" indent="-228600" eaLnBrk="0" fontAlgn="base" hangingPunct="0">
               <a:spcBef>
                 <a:spcPct val="0"/>
               </a:spcBef>
@@ -4583,7 +5378,7 @@
                 <a:latin typeface="Arial" charset="0"/>
               </a:defRPr>
             </a:lvl8pPr>
-            <a:lvl9pPr marL="3886200" indent="-228600" defTabSz="4389438" eaLnBrk="0" fontAlgn="base" hangingPunct="0">
+            <a:lvl9pPr marL="3886200" indent="-228600" eaLnBrk="0" fontAlgn="base" hangingPunct="0">
               <a:spcBef>
                 <a:spcPct val="0"/>
               </a:spcBef>
@@ -4601,62 +5396,176 @@
           <a:p>
             <a:pPr eaLnBrk="1" hangingPunct="1"/>
             <a:r>
-              <a:rPr lang="en-US" sz="2400" b="1" dirty="0" smtClean="0">
-                <a:latin typeface="Calibri" pitchFamily="34" charset="0"/>
-              </a:rPr>
-              <a:t>Figure </a:t>
-            </a:r>
-            <a:r>
-              <a:rPr lang="en-US" sz="2400" b="1" dirty="0">
-                <a:latin typeface="Calibri" pitchFamily="34" charset="0"/>
-              </a:rPr>
-              <a:t>2</a:t>
-            </a:r>
-            <a:r>
-              <a:rPr lang="en-US" sz="2400" b="1" dirty="0" smtClean="0">
-                <a:latin typeface="Calibri" pitchFamily="34" charset="0"/>
-              </a:rPr>
-              <a:t>. </a:t>
-            </a:r>
-            <a:r>
-              <a:rPr lang="en-US" sz="2400" dirty="0" smtClean="0">
-                <a:latin typeface="Calibri" pitchFamily="34" charset="0"/>
-              </a:rPr>
-              <a:t>The proportion of invalid messages each moth along with the cause of the error. </a:t>
-            </a:r>
-            <a:endParaRPr lang="en-US" sz="2400" dirty="0">
-              <a:latin typeface="Calibri" pitchFamily="34" charset="0"/>
+              <a:rPr lang="en-US" sz="2000" dirty="0">
+                <a:latin typeface="Arial" panose="020B0604020202020204" pitchFamily="34" charset="0"/>
+                <a:cs typeface="Arial" panose="020B0604020202020204" pitchFamily="34" charset="0"/>
+              </a:rPr>
+              <a:t>Users commonly send in requests that are either incorrectly formatted or request information for area codes that do not exist. As Figure 2 shows, between 15%-25% of messages are invalid. Invalid messages receive no responses. </a:t>
+            </a:r>
+            <a:endParaRPr lang="en-US" sz="2000" dirty="0" smtClean="0">
+              <a:latin typeface="Arial" panose="020B0604020202020204" pitchFamily="34" charset="0"/>
+              <a:cs typeface="Arial" panose="020B0604020202020204" pitchFamily="34" charset="0"/>
+            </a:endParaRPr>
+          </a:p>
+          <a:p>
+            <a:pPr eaLnBrk="1" hangingPunct="1"/>
+            <a:endParaRPr lang="en-US" sz="2000" dirty="0" smtClean="0">
+              <a:latin typeface="Arial" panose="020B0604020202020204" pitchFamily="34" charset="0"/>
+              <a:cs typeface="Arial" panose="020B0604020202020204" pitchFamily="34" charset="0"/>
+            </a:endParaRPr>
+          </a:p>
+          <a:p>
+            <a:pPr eaLnBrk="1" hangingPunct="1"/>
+            <a:endParaRPr lang="en-US" sz="2000" dirty="0">
+              <a:latin typeface="Arial" panose="020B0604020202020204" pitchFamily="34" charset="0"/>
+              <a:cs typeface="Arial" panose="020B0604020202020204" pitchFamily="34" charset="0"/>
+            </a:endParaRPr>
+          </a:p>
+          <a:p>
+            <a:pPr eaLnBrk="1" hangingPunct="1"/>
+            <a:endParaRPr lang="en-US" sz="2000" dirty="0" smtClean="0">
+              <a:latin typeface="Arial" panose="020B0604020202020204" pitchFamily="34" charset="0"/>
+              <a:cs typeface="Arial" panose="020B0604020202020204" pitchFamily="34" charset="0"/>
+            </a:endParaRPr>
+          </a:p>
+          <a:p>
+            <a:pPr eaLnBrk="1" hangingPunct="1"/>
+            <a:endParaRPr lang="en-US" sz="2000" dirty="0">
+              <a:latin typeface="Arial" panose="020B0604020202020204" pitchFamily="34" charset="0"/>
+              <a:cs typeface="Arial" panose="020B0604020202020204" pitchFamily="34" charset="0"/>
+            </a:endParaRPr>
+          </a:p>
+          <a:p>
+            <a:pPr eaLnBrk="1" hangingPunct="1"/>
+            <a:endParaRPr lang="en-US" sz="2000" dirty="0" smtClean="0">
+              <a:latin typeface="Arial" panose="020B0604020202020204" pitchFamily="34" charset="0"/>
+              <a:cs typeface="Arial" panose="020B0604020202020204" pitchFamily="34" charset="0"/>
+            </a:endParaRPr>
+          </a:p>
+          <a:p>
+            <a:pPr eaLnBrk="1" hangingPunct="1"/>
+            <a:endParaRPr lang="en-US" sz="2000" dirty="0">
+              <a:latin typeface="Arial" panose="020B0604020202020204" pitchFamily="34" charset="0"/>
+              <a:cs typeface="Arial" panose="020B0604020202020204" pitchFamily="34" charset="0"/>
+            </a:endParaRPr>
+          </a:p>
+          <a:p>
+            <a:pPr eaLnBrk="1" hangingPunct="1"/>
+            <a:endParaRPr lang="en-US" sz="2000" dirty="0" smtClean="0">
+              <a:latin typeface="Arial" panose="020B0604020202020204" pitchFamily="34" charset="0"/>
+              <a:cs typeface="Arial" panose="020B0604020202020204" pitchFamily="34" charset="0"/>
+            </a:endParaRPr>
+          </a:p>
+          <a:p>
+            <a:pPr eaLnBrk="1" hangingPunct="1"/>
+            <a:endParaRPr lang="en-US" sz="2000" dirty="0">
+              <a:latin typeface="Arial" panose="020B0604020202020204" pitchFamily="34" charset="0"/>
+              <a:cs typeface="Arial" panose="020B0604020202020204" pitchFamily="34" charset="0"/>
+            </a:endParaRPr>
+          </a:p>
+          <a:p>
+            <a:pPr eaLnBrk="1" hangingPunct="1"/>
+            <a:endParaRPr lang="en-US" sz="2000" dirty="0" smtClean="0">
+              <a:latin typeface="Arial" panose="020B0604020202020204" pitchFamily="34" charset="0"/>
+              <a:cs typeface="Arial" panose="020B0604020202020204" pitchFamily="34" charset="0"/>
+            </a:endParaRPr>
+          </a:p>
+          <a:p>
+            <a:pPr eaLnBrk="1" hangingPunct="1"/>
+            <a:endParaRPr lang="en-US" sz="2000" dirty="0">
+              <a:latin typeface="Arial" panose="020B0604020202020204" pitchFamily="34" charset="0"/>
+              <a:cs typeface="Arial" panose="020B0604020202020204" pitchFamily="34" charset="0"/>
+            </a:endParaRPr>
+          </a:p>
+          <a:p>
+            <a:pPr eaLnBrk="1" hangingPunct="1"/>
+            <a:endParaRPr lang="en-US" sz="2000" dirty="0" smtClean="0">
+              <a:latin typeface="Arial" panose="020B0604020202020204" pitchFamily="34" charset="0"/>
+              <a:cs typeface="Arial" panose="020B0604020202020204" pitchFamily="34" charset="0"/>
+            </a:endParaRPr>
+          </a:p>
+          <a:p>
+            <a:pPr eaLnBrk="1" hangingPunct="1"/>
+            <a:endParaRPr lang="en-US" sz="2000" dirty="0">
+              <a:latin typeface="Arial" panose="020B0604020202020204" pitchFamily="34" charset="0"/>
+              <a:cs typeface="Arial" panose="020B0604020202020204" pitchFamily="34" charset="0"/>
+            </a:endParaRPr>
+          </a:p>
+          <a:p>
+            <a:pPr eaLnBrk="1" hangingPunct="1"/>
+            <a:endParaRPr lang="en-US" sz="2000" dirty="0" smtClean="0">
+              <a:latin typeface="Arial" panose="020B0604020202020204" pitchFamily="34" charset="0"/>
+              <a:cs typeface="Arial" panose="020B0604020202020204" pitchFamily="34" charset="0"/>
+            </a:endParaRPr>
+          </a:p>
+          <a:p>
+            <a:pPr eaLnBrk="1" hangingPunct="1"/>
+            <a:endParaRPr lang="en-US" sz="2000" dirty="0">
+              <a:latin typeface="Arial" panose="020B0604020202020204" pitchFamily="34" charset="0"/>
+              <a:cs typeface="Arial" panose="020B0604020202020204" pitchFamily="34" charset="0"/>
+            </a:endParaRPr>
+          </a:p>
+          <a:p>
+            <a:pPr eaLnBrk="1" hangingPunct="1"/>
+            <a:endParaRPr lang="en-US" sz="2000" dirty="0" smtClean="0">
+              <a:latin typeface="Arial" panose="020B0604020202020204" pitchFamily="34" charset="0"/>
+              <a:cs typeface="Arial" panose="020B0604020202020204" pitchFamily="34" charset="0"/>
+            </a:endParaRPr>
+          </a:p>
+          <a:p>
+            <a:pPr eaLnBrk="1" hangingPunct="1"/>
+            <a:endParaRPr lang="en-US" sz="2000" dirty="0">
+              <a:latin typeface="Arial" panose="020B0604020202020204" pitchFamily="34" charset="0"/>
+              <a:cs typeface="Arial" panose="020B0604020202020204" pitchFamily="34" charset="0"/>
+            </a:endParaRPr>
+          </a:p>
+          <a:p>
+            <a:pPr eaLnBrk="1" hangingPunct="1"/>
+            <a:endParaRPr lang="en-US" sz="2000" dirty="0" smtClean="0">
+              <a:latin typeface="Arial" panose="020B0604020202020204" pitchFamily="34" charset="0"/>
+              <a:cs typeface="Arial" panose="020B0604020202020204" pitchFamily="34" charset="0"/>
+            </a:endParaRPr>
+          </a:p>
+          <a:p>
+            <a:pPr eaLnBrk="1" hangingPunct="1"/>
+            <a:endParaRPr lang="en-US" sz="2000" dirty="0" smtClean="0">
+              <a:latin typeface="Arial" panose="020B0604020202020204" pitchFamily="34" charset="0"/>
+              <a:cs typeface="Arial" panose="020B0604020202020204" pitchFamily="34" charset="0"/>
+            </a:endParaRPr>
+          </a:p>
+          <a:p>
+            <a:pPr eaLnBrk="1" hangingPunct="1"/>
+            <a:endParaRPr lang="en-US" sz="2000" dirty="0">
+              <a:latin typeface="Arial" panose="020B0604020202020204" pitchFamily="34" charset="0"/>
+              <a:cs typeface="Arial" panose="020B0604020202020204" pitchFamily="34" charset="0"/>
+            </a:endParaRPr>
+          </a:p>
+          <a:p>
+            <a:pPr eaLnBrk="1" hangingPunct="1"/>
+            <a:endParaRPr lang="en-US" sz="2000" dirty="0" smtClean="0">
+              <a:latin typeface="Arial" panose="020B0604020202020204" pitchFamily="34" charset="0"/>
+              <a:cs typeface="Arial" panose="020B0604020202020204" pitchFamily="34" charset="0"/>
+            </a:endParaRPr>
+          </a:p>
+          <a:p>
+            <a:pPr eaLnBrk="1" hangingPunct="1"/>
+            <a:endParaRPr lang="en-US" sz="2000" dirty="0">
+              <a:latin typeface="Arial" panose="020B0604020202020204" pitchFamily="34" charset="0"/>
+              <a:cs typeface="Arial" panose="020B0604020202020204" pitchFamily="34" charset="0"/>
+            </a:endParaRPr>
+          </a:p>
+          <a:p>
+            <a:pPr eaLnBrk="1" hangingPunct="1"/>
+            <a:endParaRPr lang="en-US" sz="2000" dirty="0">
+              <a:latin typeface="Arial" panose="020B0604020202020204" pitchFamily="34" charset="0"/>
+              <a:cs typeface="Arial" panose="020B0604020202020204" pitchFamily="34" charset="0"/>
             </a:endParaRPr>
           </a:p>
         </p:txBody>
       </p:sp>
       <p:pic>
         <p:nvPicPr>
-          <p:cNvPr id="9" name="Picture 8"/>
-          <p:cNvPicPr>
-            <a:picLocks noChangeAspect="1"/>
-          </p:cNvPicPr>
-          <p:nvPr/>
-        </p:nvPicPr>
-        <p:blipFill>
-          <a:blip r:embed="rId3"/>
-          <a:stretch>
-            <a:fillRect/>
-          </a:stretch>
-        </p:blipFill>
-        <p:spPr>
-          <a:xfrm>
-            <a:off x="1163402" y="442141"/>
-            <a:ext cx="3024450" cy="3024450"/>
-          </a:xfrm>
-          <a:prstGeom prst="rect">
-            <a:avLst/>
-          </a:prstGeom>
-        </p:spPr>
-      </p:pic>
-      <p:pic>
-        <p:nvPicPr>
-          <p:cNvPr id="1030" name="Picture 6" descr="https://lh6.googleusercontent.com/89NpnKTCKdl9gKtw2biRG4Zqqy79b7Xzj7OjqZA1K4FuXQwjF84JhesEkV1UaMNZalAV2FiuZWmeMy5EQbjs5xRRw9yGqE-rAwSXIAS45DgHSSRQrRIhnlQLqP496mH5L4NhPt2Y"/>
+          <p:cNvPr id="42" name="Picture 6" descr="https://lh6.googleusercontent.com/89NpnKTCKdl9gKtw2biRG4Zqqy79b7Xzj7OjqZA1K4FuXQwjF84JhesEkV1UaMNZalAV2FiuZWmeMy5EQbjs5xRRw9yGqE-rAwSXIAS45DgHSSRQrRIhnlQLqP496mH5L4NhPt2Y"/>
           <p:cNvPicPr>
             <a:picLocks noChangeAspect="1" noChangeArrowheads="1"/>
           </p:cNvPicPr>
@@ -4677,8 +5586,8 @@
         </p:blipFill>
         <p:spPr bwMode="auto">
           <a:xfrm>
-            <a:off x="15686656" y="7696341"/>
-            <a:ext cx="12158407" cy="7501584"/>
+            <a:off x="11792737" y="4861118"/>
+            <a:ext cx="9036328" cy="5575301"/>
           </a:xfrm>
           <a:prstGeom prst="rect">
             <a:avLst/>
@@ -4697,7 +5606,7 @@
       </p:pic>
       <p:sp>
         <p:nvSpPr>
-          <p:cNvPr id="39" name="Text Box 180"/>
+          <p:cNvPr id="43" name="Text Box 180"/>
           <p:cNvSpPr txBox="1">
             <a:spLocks noChangeArrowheads="1"/>
           </p:cNvSpPr>
@@ -4705,8 +5614,8 @@
         </p:nvSpPr>
         <p:spPr bwMode="auto">
           <a:xfrm>
-            <a:off x="1935067" y="18432535"/>
-            <a:ext cx="12069836" cy="519231"/>
+            <a:off x="1783274" y="12418417"/>
+            <a:ext cx="3526183" cy="295671"/>
           </a:xfrm>
           <a:prstGeom prst="rect">
             <a:avLst/>
@@ -4746,8 +5655,8 @@
           </a:extLst>
         </p:spPr>
         <p:txBody>
-          <a:bodyPr wrap="square" lIns="68568" tIns="34284" rIns="68568" bIns="34284">
-            <a:noAutofit/>
+          <a:bodyPr wrap="none" lIns="48971" tIns="24486" rIns="48971" bIns="24486">
+            <a:spAutoFit/>
           </a:bodyPr>
           <a:lstStyle>
             <a:lvl1pPr defTabSz="4389438" eaLnBrk="0" hangingPunct="0">
@@ -4848,32 +5757,219 @@
             </a:lvl9pPr>
           </a:lstStyle>
           <a:p>
-            <a:pPr eaLnBrk="1" hangingPunct="1"/>
-            <a:r>
-              <a:rPr lang="en-US" sz="2400" b="1" dirty="0" smtClean="0">
+            <a:pPr algn="ctr" eaLnBrk="1" hangingPunct="1"/>
+            <a:r>
+              <a:rPr lang="en-US" sz="1600" b="1" dirty="0" smtClean="0">
                 <a:latin typeface="Calibri" pitchFamily="34" charset="0"/>
               </a:rPr>
-              <a:t>Figure </a:t>
-            </a:r>
-            <a:r>
-              <a:rPr lang="en-US" sz="2400" b="1" dirty="0">
+              <a:t>Figure</a:t>
+            </a:r>
+            <a:r>
+              <a:rPr lang="en-US" sz="1600" b="1" dirty="0" smtClean="0">
                 <a:latin typeface="Calibri" pitchFamily="34" charset="0"/>
               </a:rPr>
-              <a:t>1</a:t>
-            </a:r>
-            <a:r>
-              <a:rPr lang="en-US" sz="2400" b="1" dirty="0" smtClean="0">
+              <a:t> 1</a:t>
+            </a:r>
+            <a:r>
+              <a:rPr lang="en-US" sz="1600" b="1" dirty="0" smtClean="0">
                 <a:latin typeface="Calibri" pitchFamily="34" charset="0"/>
               </a:rPr>
               <a:t>. </a:t>
             </a:r>
             <a:r>
-              <a:rPr lang="en-US" sz="2400" dirty="0" smtClean="0">
+              <a:rPr lang="en-US" sz="1600" dirty="0">
                 <a:latin typeface="Calibri" pitchFamily="34" charset="0"/>
               </a:rPr>
               <a:t>A schematic of the LTS-2 system</a:t>
             </a:r>
-            <a:endParaRPr lang="en-US" sz="2400" dirty="0">
+            <a:endParaRPr lang="en-US" sz="1600" dirty="0">
+              <a:latin typeface="Calibri" pitchFamily="34" charset="0"/>
+            </a:endParaRPr>
+          </a:p>
+        </p:txBody>
+      </p:sp>
+      <p:sp>
+        <p:nvSpPr>
+          <p:cNvPr id="46" name="Text Box 180"/>
+          <p:cNvSpPr txBox="1">
+            <a:spLocks noChangeArrowheads="1"/>
+          </p:cNvSpPr>
+          <p:nvPr/>
+        </p:nvSpPr>
+        <p:spPr bwMode="auto">
+          <a:xfrm>
+            <a:off x="11792737" y="11030163"/>
+            <a:ext cx="7582293" cy="541893"/>
+          </a:xfrm>
+          <a:prstGeom prst="rect">
+            <a:avLst/>
+          </a:prstGeom>
+          <a:noFill/>
+          <a:ln>
+            <a:noFill/>
+          </a:ln>
+          <a:effectLst/>
+          <a:extLst>
+            <a:ext uri="{909E8E84-426E-40DD-AFC4-6F175D3DCCD1}">
+              <a14:hiddenFill xmlns:a14="http://schemas.microsoft.com/office/drawing/2010/main">
+                <a:solidFill>
+                  <a:schemeClr val="accent1"/>
+                </a:solidFill>
+              </a14:hiddenFill>
+            </a:ext>
+            <a:ext uri="{91240B29-F687-4F45-9708-019B960494DF}">
+              <a14:hiddenLine xmlns:a14="http://schemas.microsoft.com/office/drawing/2010/main" w="9525">
+                <a:solidFill>
+                  <a:schemeClr val="tx1"/>
+                </a:solidFill>
+                <a:miter lim="800000"/>
+                <a:headEnd/>
+                <a:tailEnd/>
+              </a14:hiddenLine>
+            </a:ext>
+            <a:ext uri="{AF507438-7753-43E0-B8FC-AC1667EBCBE1}">
+              <a14:hiddenEffects xmlns:a14="http://schemas.microsoft.com/office/drawing/2010/main">
+                <a:effectLst>
+                  <a:outerShdw dist="35921" dir="2700000" algn="ctr" rotWithShape="0">
+                    <a:schemeClr val="bg2"/>
+                  </a:outerShdw>
+                </a:effectLst>
+              </a14:hiddenEffects>
+            </a:ext>
+          </a:extLst>
+        </p:spPr>
+        <p:txBody>
+          <a:bodyPr wrap="none" lIns="48971" tIns="24486" rIns="48971" bIns="24486">
+            <a:spAutoFit/>
+          </a:bodyPr>
+          <a:lstStyle>
+            <a:lvl1pPr defTabSz="4389438" eaLnBrk="0" hangingPunct="0">
+              <a:defRPr sz="2200">
+                <a:solidFill>
+                  <a:schemeClr val="tx1"/>
+                </a:solidFill>
+                <a:latin typeface="Arial" charset="0"/>
+              </a:defRPr>
+            </a:lvl1pPr>
+            <a:lvl2pPr marL="742950" indent="-285750" defTabSz="4389438" eaLnBrk="0" hangingPunct="0">
+              <a:defRPr sz="2200">
+                <a:solidFill>
+                  <a:schemeClr val="tx1"/>
+                </a:solidFill>
+                <a:latin typeface="Arial" charset="0"/>
+              </a:defRPr>
+            </a:lvl2pPr>
+            <a:lvl3pPr marL="1143000" indent="-228600" defTabSz="4389438" eaLnBrk="0" hangingPunct="0">
+              <a:defRPr sz="2200">
+                <a:solidFill>
+                  <a:schemeClr val="tx1"/>
+                </a:solidFill>
+                <a:latin typeface="Arial" charset="0"/>
+              </a:defRPr>
+            </a:lvl3pPr>
+            <a:lvl4pPr marL="1600200" indent="-228600" defTabSz="4389438" eaLnBrk="0" hangingPunct="0">
+              <a:defRPr sz="2200">
+                <a:solidFill>
+                  <a:schemeClr val="tx1"/>
+                </a:solidFill>
+                <a:latin typeface="Arial" charset="0"/>
+              </a:defRPr>
+            </a:lvl4pPr>
+            <a:lvl5pPr marL="2057400" indent="-228600" defTabSz="4389438" eaLnBrk="0" hangingPunct="0">
+              <a:defRPr sz="2200">
+                <a:solidFill>
+                  <a:schemeClr val="tx1"/>
+                </a:solidFill>
+                <a:latin typeface="Arial" charset="0"/>
+              </a:defRPr>
+            </a:lvl5pPr>
+            <a:lvl6pPr marL="2514600" indent="-228600" defTabSz="4389438" eaLnBrk="0" fontAlgn="base" hangingPunct="0">
+              <a:spcBef>
+                <a:spcPct val="0"/>
+              </a:spcBef>
+              <a:spcAft>
+                <a:spcPct val="0"/>
+              </a:spcAft>
+              <a:defRPr sz="2200">
+                <a:solidFill>
+                  <a:schemeClr val="tx1"/>
+                </a:solidFill>
+                <a:latin typeface="Arial" charset="0"/>
+              </a:defRPr>
+            </a:lvl6pPr>
+            <a:lvl7pPr marL="2971800" indent="-228600" defTabSz="4389438" eaLnBrk="0" fontAlgn="base" hangingPunct="0">
+              <a:spcBef>
+                <a:spcPct val="0"/>
+              </a:spcBef>
+              <a:spcAft>
+                <a:spcPct val="0"/>
+              </a:spcAft>
+              <a:defRPr sz="2200">
+                <a:solidFill>
+                  <a:schemeClr val="tx1"/>
+                </a:solidFill>
+                <a:latin typeface="Arial" charset="0"/>
+              </a:defRPr>
+            </a:lvl7pPr>
+            <a:lvl8pPr marL="3429000" indent="-228600" defTabSz="4389438" eaLnBrk="0" fontAlgn="base" hangingPunct="0">
+              <a:spcBef>
+                <a:spcPct val="0"/>
+              </a:spcBef>
+              <a:spcAft>
+                <a:spcPct val="0"/>
+              </a:spcAft>
+              <a:defRPr sz="2200">
+                <a:solidFill>
+                  <a:schemeClr val="tx1"/>
+                </a:solidFill>
+                <a:latin typeface="Arial" charset="0"/>
+              </a:defRPr>
+            </a:lvl8pPr>
+            <a:lvl9pPr marL="3886200" indent="-228600" defTabSz="4389438" eaLnBrk="0" fontAlgn="base" hangingPunct="0">
+              <a:spcBef>
+                <a:spcPct val="0"/>
+              </a:spcBef>
+              <a:spcAft>
+                <a:spcPct val="0"/>
+              </a:spcAft>
+              <a:defRPr sz="2200">
+                <a:solidFill>
+                  <a:schemeClr val="tx1"/>
+                </a:solidFill>
+                <a:latin typeface="Arial" charset="0"/>
+              </a:defRPr>
+            </a:lvl9pPr>
+          </a:lstStyle>
+          <a:p>
+            <a:pPr algn="ctr" eaLnBrk="1" hangingPunct="1"/>
+            <a:r>
+              <a:rPr lang="en-US" sz="1600" b="1" dirty="0" smtClean="0">
+                <a:latin typeface="Calibri" pitchFamily="34" charset="0"/>
+              </a:rPr>
+              <a:t>Figure</a:t>
+            </a:r>
+            <a:r>
+              <a:rPr lang="en-US" sz="1600" b="1" dirty="0" smtClean="0">
+                <a:latin typeface="Calibri" pitchFamily="34" charset="0"/>
+              </a:rPr>
+              <a:t> 2</a:t>
+            </a:r>
+            <a:r>
+              <a:rPr lang="en-US" sz="1600" b="1" dirty="0" smtClean="0">
+                <a:latin typeface="Calibri" pitchFamily="34" charset="0"/>
+              </a:rPr>
+              <a:t>. </a:t>
+            </a:r>
+            <a:r>
+              <a:rPr lang="en-US" sz="1600" dirty="0">
+                <a:latin typeface="Calibri" pitchFamily="34" charset="0"/>
+              </a:rPr>
+              <a:t>The proportion of invalid messages each moth along with the cause of the error. </a:t>
+            </a:r>
+          </a:p>
+          <a:p>
+            <a:pPr algn="ctr" eaLnBrk="1" hangingPunct="1"/>
+            <a:endParaRPr lang="en-US" sz="1600" dirty="0">
               <a:latin typeface="Calibri" pitchFamily="34" charset="0"/>
             </a:endParaRPr>
           </a:p>
@@ -4881,7 +5977,7 @@
       </p:sp>
       <p:pic>
         <p:nvPicPr>
-          <p:cNvPr id="1034" name="Picture 10" descr="https://lh3.googleusercontent.com/rSe20OPXbADmlGaipMyBq4vRePtv6r4R1Rotl0veCg8fYfooqbEvqXT5YLLBjcMqPi9OFqyIAAuy4Cn3vTsv-Z6q1i-7URywxHxRlDbJdyEuaM2o8CVAp5ZRwXIoy7fOJFRP6HdE"/>
+          <p:cNvPr id="47" name="Picture 16" descr="https://lh6.googleusercontent.com/Q80W_GZTRWdBQLA6znLImJZjZDAQENXJQ8-4C2n5fjFgb6REDZSqmsSoXuD3bO-P6_8m36SZ8BLD1PJNo3vL4uad1YDUSccakb6b6Cggn8lvCkd0g1fHRxndNP6evjO8Tz1do3If"/>
           <p:cNvPicPr>
             <a:picLocks noChangeAspect="1" noChangeArrowheads="1"/>
           </p:cNvPicPr>
@@ -4902,8 +5998,8 @@
         </p:blipFill>
         <p:spPr bwMode="auto">
           <a:xfrm>
-            <a:off x="30751779" y="42399411"/>
-            <a:ext cx="24006026" cy="14811414"/>
+            <a:off x="12614658" y="14007916"/>
+            <a:ext cx="7392486" cy="4561323"/>
           </a:xfrm>
           <a:prstGeom prst="rect">
             <a:avLst/>
@@ -4922,7 +6018,7 @@
       </p:pic>
       <p:sp>
         <p:nvSpPr>
-          <p:cNvPr id="42" name="Text Box 180"/>
+          <p:cNvPr id="48" name="Text Box 180"/>
           <p:cNvSpPr txBox="1">
             <a:spLocks noChangeArrowheads="1"/>
           </p:cNvSpPr>
@@ -4930,8 +6026,8 @@
         </p:nvSpPr>
         <p:spPr bwMode="auto">
           <a:xfrm>
-            <a:off x="15710719" y="27547671"/>
-            <a:ext cx="12069836" cy="866375"/>
+            <a:off x="12115800" y="18562373"/>
+            <a:ext cx="5782762" cy="541893"/>
           </a:xfrm>
           <a:prstGeom prst="rect">
             <a:avLst/>
@@ -4971,8 +6067,8 @@
           </a:extLst>
         </p:spPr>
         <p:txBody>
-          <a:bodyPr wrap="square" lIns="68568" tIns="34284" rIns="68568" bIns="34284">
-            <a:noAutofit/>
+          <a:bodyPr wrap="none" lIns="48971" tIns="24486" rIns="48971" bIns="24486">
+            <a:spAutoFit/>
           </a:bodyPr>
           <a:lstStyle>
             <a:lvl1pPr defTabSz="4389438" eaLnBrk="0" hangingPunct="0">
@@ -5073,32 +6169,231 @@
             </a:lvl9pPr>
           </a:lstStyle>
           <a:p>
-            <a:pPr eaLnBrk="1" hangingPunct="1"/>
-            <a:r>
-              <a:rPr lang="en-US" sz="2400" b="1" dirty="0" smtClean="0">
+            <a:pPr algn="ctr" eaLnBrk="1" hangingPunct="1"/>
+            <a:r>
+              <a:rPr lang="en-US" sz="1600" b="1" dirty="0" smtClean="0">
                 <a:latin typeface="Calibri" pitchFamily="34" charset="0"/>
               </a:rPr>
-              <a:t>Figure </a:t>
-            </a:r>
-            <a:r>
-              <a:rPr lang="en-US" sz="2400" b="1" dirty="0">
+              <a:t>Figure</a:t>
+            </a:r>
+            <a:r>
+              <a:rPr lang="en-US" sz="1600" b="1" dirty="0" smtClean="0">
                 <a:latin typeface="Calibri" pitchFamily="34" charset="0"/>
               </a:rPr>
-              <a:t>3</a:t>
-            </a:r>
-            <a:r>
-              <a:rPr lang="en-US" sz="2400" b="1" dirty="0" smtClean="0">
+              <a:t> 3</a:t>
+            </a:r>
+            <a:r>
+              <a:rPr lang="en-US" sz="1600" b="1" dirty="0" smtClean="0">
                 <a:latin typeface="Calibri" pitchFamily="34" charset="0"/>
               </a:rPr>
               <a:t>. </a:t>
             </a:r>
             <a:r>
-              <a:rPr lang="en-US" sz="2400" dirty="0" smtClean="0">
+              <a:rPr lang="en-US" sz="1600" dirty="0">
                 <a:latin typeface="Calibri" pitchFamily="34" charset="0"/>
               </a:rPr>
-              <a:t>The total number of requests received by the LTS-2 system </a:t>
-            </a:r>
-            <a:endParaRPr lang="en-US" sz="2400" dirty="0">
+              <a:t>The total number of requests received by the LTS-2 system</a:t>
+            </a:r>
+            <a:r>
+              <a:rPr lang="en-US" sz="1600" b="1" dirty="0" smtClean="0">
+                <a:latin typeface="Calibri" pitchFamily="34" charset="0"/>
+              </a:rPr>
+              <a:t> </a:t>
+            </a:r>
+            <a:endParaRPr lang="en-US" sz="1600" dirty="0">
+              <a:latin typeface="Calibri" pitchFamily="34" charset="0"/>
+            </a:endParaRPr>
+          </a:p>
+          <a:p>
+            <a:pPr algn="ctr" eaLnBrk="1" hangingPunct="1"/>
+            <a:endParaRPr lang="en-US" sz="1600" dirty="0">
+              <a:latin typeface="Calibri" pitchFamily="34" charset="0"/>
+            </a:endParaRPr>
+          </a:p>
+        </p:txBody>
+      </p:sp>
+      <p:sp>
+        <p:nvSpPr>
+          <p:cNvPr id="54" name="Text Box 180"/>
+          <p:cNvSpPr txBox="1">
+            <a:spLocks noChangeArrowheads="1"/>
+          </p:cNvSpPr>
+          <p:nvPr/>
+        </p:nvSpPr>
+        <p:spPr bwMode="auto">
+          <a:xfrm>
+            <a:off x="22250399" y="18007326"/>
+            <a:ext cx="9326351" cy="788114"/>
+          </a:xfrm>
+          <a:prstGeom prst="rect">
+            <a:avLst/>
+          </a:prstGeom>
+          <a:noFill/>
+          <a:ln>
+            <a:noFill/>
+          </a:ln>
+          <a:effectLst/>
+          <a:extLst>
+            <a:ext uri="{909E8E84-426E-40DD-AFC4-6F175D3DCCD1}">
+              <a14:hiddenFill xmlns:a14="http://schemas.microsoft.com/office/drawing/2010/main">
+                <a:solidFill>
+                  <a:schemeClr val="accent1"/>
+                </a:solidFill>
+              </a14:hiddenFill>
+            </a:ext>
+            <a:ext uri="{91240B29-F687-4F45-9708-019B960494DF}">
+              <a14:hiddenLine xmlns:a14="http://schemas.microsoft.com/office/drawing/2010/main" w="9525">
+                <a:solidFill>
+                  <a:schemeClr val="tx1"/>
+                </a:solidFill>
+                <a:miter lim="800000"/>
+                <a:headEnd/>
+                <a:tailEnd/>
+              </a14:hiddenLine>
+            </a:ext>
+            <a:ext uri="{AF507438-7753-43E0-B8FC-AC1667EBCBE1}">
+              <a14:hiddenEffects xmlns:a14="http://schemas.microsoft.com/office/drawing/2010/main">
+                <a:effectLst>
+                  <a:outerShdw dist="35921" dir="2700000" algn="ctr" rotWithShape="0">
+                    <a:schemeClr val="bg2"/>
+                  </a:outerShdw>
+                </a:effectLst>
+              </a14:hiddenEffects>
+            </a:ext>
+          </a:extLst>
+        </p:spPr>
+        <p:txBody>
+          <a:bodyPr wrap="square" lIns="48971" tIns="24486" rIns="48971" bIns="24486">
+            <a:spAutoFit/>
+          </a:bodyPr>
+          <a:lstStyle>
+            <a:lvl1pPr defTabSz="4389438" eaLnBrk="0" hangingPunct="0">
+              <a:defRPr sz="2200">
+                <a:solidFill>
+                  <a:schemeClr val="tx1"/>
+                </a:solidFill>
+                <a:latin typeface="Arial" charset="0"/>
+              </a:defRPr>
+            </a:lvl1pPr>
+            <a:lvl2pPr marL="742950" indent="-285750" defTabSz="4389438" eaLnBrk="0" hangingPunct="0">
+              <a:defRPr sz="2200">
+                <a:solidFill>
+                  <a:schemeClr val="tx1"/>
+                </a:solidFill>
+                <a:latin typeface="Arial" charset="0"/>
+              </a:defRPr>
+            </a:lvl2pPr>
+            <a:lvl3pPr marL="1143000" indent="-228600" defTabSz="4389438" eaLnBrk="0" hangingPunct="0">
+              <a:defRPr sz="2200">
+                <a:solidFill>
+                  <a:schemeClr val="tx1"/>
+                </a:solidFill>
+                <a:latin typeface="Arial" charset="0"/>
+              </a:defRPr>
+            </a:lvl3pPr>
+            <a:lvl4pPr marL="1600200" indent="-228600" defTabSz="4389438" eaLnBrk="0" hangingPunct="0">
+              <a:defRPr sz="2200">
+                <a:solidFill>
+                  <a:schemeClr val="tx1"/>
+                </a:solidFill>
+                <a:latin typeface="Arial" charset="0"/>
+              </a:defRPr>
+            </a:lvl4pPr>
+            <a:lvl5pPr marL="2057400" indent="-228600" defTabSz="4389438" eaLnBrk="0" hangingPunct="0">
+              <a:defRPr sz="2200">
+                <a:solidFill>
+                  <a:schemeClr val="tx1"/>
+                </a:solidFill>
+                <a:latin typeface="Arial" charset="0"/>
+              </a:defRPr>
+            </a:lvl5pPr>
+            <a:lvl6pPr marL="2514600" indent="-228600" defTabSz="4389438" eaLnBrk="0" fontAlgn="base" hangingPunct="0">
+              <a:spcBef>
+                <a:spcPct val="0"/>
+              </a:spcBef>
+              <a:spcAft>
+                <a:spcPct val="0"/>
+              </a:spcAft>
+              <a:defRPr sz="2200">
+                <a:solidFill>
+                  <a:schemeClr val="tx1"/>
+                </a:solidFill>
+                <a:latin typeface="Arial" charset="0"/>
+              </a:defRPr>
+            </a:lvl6pPr>
+            <a:lvl7pPr marL="2971800" indent="-228600" defTabSz="4389438" eaLnBrk="0" fontAlgn="base" hangingPunct="0">
+              <a:spcBef>
+                <a:spcPct val="0"/>
+              </a:spcBef>
+              <a:spcAft>
+                <a:spcPct val="0"/>
+              </a:spcAft>
+              <a:defRPr sz="2200">
+                <a:solidFill>
+                  <a:schemeClr val="tx1"/>
+                </a:solidFill>
+                <a:latin typeface="Arial" charset="0"/>
+              </a:defRPr>
+            </a:lvl7pPr>
+            <a:lvl8pPr marL="3429000" indent="-228600" defTabSz="4389438" eaLnBrk="0" fontAlgn="base" hangingPunct="0">
+              <a:spcBef>
+                <a:spcPct val="0"/>
+              </a:spcBef>
+              <a:spcAft>
+                <a:spcPct val="0"/>
+              </a:spcAft>
+              <a:defRPr sz="2200">
+                <a:solidFill>
+                  <a:schemeClr val="tx1"/>
+                </a:solidFill>
+                <a:latin typeface="Arial" charset="0"/>
+              </a:defRPr>
+            </a:lvl8pPr>
+            <a:lvl9pPr marL="3886200" indent="-228600" defTabSz="4389438" eaLnBrk="0" fontAlgn="base" hangingPunct="0">
+              <a:spcBef>
+                <a:spcPct val="0"/>
+              </a:spcBef>
+              <a:spcAft>
+                <a:spcPct val="0"/>
+              </a:spcAft>
+              <a:defRPr sz="2200">
+                <a:solidFill>
+                  <a:schemeClr val="tx1"/>
+                </a:solidFill>
+                <a:latin typeface="Arial" charset="0"/>
+              </a:defRPr>
+            </a:lvl9pPr>
+          </a:lstStyle>
+          <a:p>
+            <a:pPr eaLnBrk="1" hangingPunct="1"/>
+            <a:r>
+              <a:rPr lang="en-US" sz="1600" b="1" dirty="0" smtClean="0">
+                <a:latin typeface="Calibri" pitchFamily="34" charset="0"/>
+              </a:rPr>
+              <a:t>Figure</a:t>
+            </a:r>
+            <a:r>
+              <a:rPr lang="en-US" sz="1600" b="1" dirty="0" smtClean="0">
+                <a:latin typeface="Calibri" pitchFamily="34" charset="0"/>
+              </a:rPr>
+              <a:t> 5</a:t>
+            </a:r>
+            <a:r>
+              <a:rPr lang="en-US" sz="1600" b="1" dirty="0" smtClean="0">
+                <a:latin typeface="Calibri" pitchFamily="34" charset="0"/>
+              </a:rPr>
+              <a:t>. </a:t>
+            </a:r>
+            <a:r>
+              <a:rPr lang="en-US" sz="1600" dirty="0">
+                <a:latin typeface="Calibri" pitchFamily="34" charset="0"/>
+              </a:rPr>
+              <a:t>A screenshot of the interactive web map. The size of the circles corresponds to the number of requests from a particular area. </a:t>
+            </a:r>
+          </a:p>
+          <a:p>
+            <a:pPr algn="ctr" eaLnBrk="1" hangingPunct="1"/>
+            <a:endParaRPr lang="en-US" sz="1600" dirty="0">
               <a:latin typeface="Calibri" pitchFamily="34" charset="0"/>
             </a:endParaRPr>
           </a:p>
@@ -5106,7 +6401,7 @@
       </p:sp>
       <p:pic>
         <p:nvPicPr>
-          <p:cNvPr id="1040" name="Picture 16" descr="https://lh6.googleusercontent.com/Q80W_GZTRWdBQLA6znLImJZjZDAQENXJQ8-4C2n5fjFgb6REDZSqmsSoXuD3bO-P6_8m36SZ8BLD1PJNo3vL4uad1YDUSccakb6b6Cggn8lvCkd0g1fHRxndNP6evjO8Tz1do3If"/>
+          <p:cNvPr id="55" name="Picture 18" descr="https://lh3.googleusercontent.com/mhdnMKnGI0zbGTesEsTWkO4KNLGD537QNUdN7OHxIPoO3Tak189AHdoRjubKQa7kDbBc8h2BYP7qDLRF-q8p5ubIcB72EJ6rFDdiEZ_NiNIZhqprHAYM2WXDEMvT-DkdL5eyJgn5"/>
           <p:cNvPicPr>
             <a:picLocks noChangeAspect="1" noChangeArrowheads="1"/>
           </p:cNvPicPr>
@@ -5127,8 +6422,8 @@
         </p:blipFill>
         <p:spPr bwMode="auto">
           <a:xfrm>
-            <a:off x="15685319" y="20583561"/>
-            <a:ext cx="11505294" cy="7099014"/>
+            <a:off x="22078474" y="4617599"/>
+            <a:ext cx="9318345" cy="4121575"/>
           </a:xfrm>
           <a:prstGeom prst="rect">
             <a:avLst/>
@@ -5147,553 +6442,14 @@
       </p:pic>
       <p:pic>
         <p:nvPicPr>
-          <p:cNvPr id="1042" name="Picture 18" descr="https://lh3.googleusercontent.com/mhdnMKnGI0zbGTesEsTWkO4KNLGD537QNUdN7OHxIPoO3Tak189AHdoRjubKQa7kDbBc8h2BYP7qDLRF-q8p5ubIcB72EJ6rFDdiEZ_NiNIZhqprHAYM2WXDEMvT-DkdL5eyJgn5"/>
-          <p:cNvPicPr>
-            <a:picLocks noChangeAspect="1" noChangeArrowheads="1"/>
-          </p:cNvPicPr>
-          <p:nvPr/>
-        </p:nvPicPr>
-        <p:blipFill>
-          <a:blip r:embed="rId7">
-            <a:extLst>
-              <a:ext uri="{28A0092B-C50C-407E-A947-70E740481C1C}">
-                <a14:useLocalDpi xmlns:a14="http://schemas.microsoft.com/office/drawing/2010/main" val="0"/>
-              </a:ext>
-            </a:extLst>
-          </a:blip>
-          <a:srcRect/>
-          <a:stretch>
-            <a:fillRect/>
-          </a:stretch>
-        </p:blipFill>
-        <p:spPr bwMode="auto">
-          <a:xfrm>
-            <a:off x="29336587" y="7209225"/>
-            <a:ext cx="13097126" cy="5792959"/>
-          </a:xfrm>
-          <a:prstGeom prst="rect">
-            <a:avLst/>
-          </a:prstGeom>
-          <a:noFill/>
-          <a:extLst>
-            <a:ext uri="{909E8E84-426E-40DD-AFC4-6F175D3DCCD1}">
-              <a14:hiddenFill xmlns:a14="http://schemas.microsoft.com/office/drawing/2010/main">
-                <a:solidFill>
-                  <a:srgbClr val="FFFFFF"/>
-                </a:solidFill>
-              </a14:hiddenFill>
-            </a:ext>
-          </a:extLst>
-        </p:spPr>
-      </p:pic>
-      <p:sp>
-        <p:nvSpPr>
-          <p:cNvPr id="46" name="Text Box 180"/>
-          <p:cNvSpPr txBox="1">
-            <a:spLocks noChangeArrowheads="1"/>
-          </p:cNvSpPr>
-          <p:nvPr/>
-        </p:nvSpPr>
-        <p:spPr bwMode="auto">
-          <a:xfrm>
-            <a:off x="29850232" y="12920105"/>
-            <a:ext cx="12069836" cy="486512"/>
-          </a:xfrm>
-          <a:prstGeom prst="rect">
-            <a:avLst/>
-          </a:prstGeom>
-          <a:noFill/>
-          <a:ln>
-            <a:noFill/>
-          </a:ln>
-          <a:effectLst/>
-          <a:extLst>
-            <a:ext uri="{909E8E84-426E-40DD-AFC4-6F175D3DCCD1}">
-              <a14:hiddenFill xmlns:a14="http://schemas.microsoft.com/office/drawing/2010/main">
-                <a:solidFill>
-                  <a:schemeClr val="accent1"/>
-                </a:solidFill>
-              </a14:hiddenFill>
-            </a:ext>
-            <a:ext uri="{91240B29-F687-4F45-9708-019B960494DF}">
-              <a14:hiddenLine xmlns:a14="http://schemas.microsoft.com/office/drawing/2010/main" w="9525">
-                <a:solidFill>
-                  <a:schemeClr val="tx1"/>
-                </a:solidFill>
-                <a:miter lim="800000"/>
-                <a:headEnd/>
-                <a:tailEnd/>
-              </a14:hiddenLine>
-            </a:ext>
-            <a:ext uri="{AF507438-7753-43E0-B8FC-AC1667EBCBE1}">
-              <a14:hiddenEffects xmlns:a14="http://schemas.microsoft.com/office/drawing/2010/main">
-                <a:effectLst>
-                  <a:outerShdw dist="35921" dir="2700000" algn="ctr" rotWithShape="0">
-                    <a:schemeClr val="bg2"/>
-                  </a:outerShdw>
-                </a:effectLst>
-              </a14:hiddenEffects>
-            </a:ext>
-          </a:extLst>
-        </p:spPr>
-        <p:txBody>
-          <a:bodyPr wrap="square" lIns="68568" tIns="34284" rIns="68568" bIns="34284">
-            <a:noAutofit/>
-          </a:bodyPr>
-          <a:lstStyle>
-            <a:lvl1pPr defTabSz="4389438" eaLnBrk="0" hangingPunct="0">
-              <a:defRPr sz="2200">
-                <a:solidFill>
-                  <a:schemeClr val="tx1"/>
-                </a:solidFill>
-                <a:latin typeface="Arial" charset="0"/>
-              </a:defRPr>
-            </a:lvl1pPr>
-            <a:lvl2pPr marL="742950" indent="-285750" defTabSz="4389438" eaLnBrk="0" hangingPunct="0">
-              <a:defRPr sz="2200">
-                <a:solidFill>
-                  <a:schemeClr val="tx1"/>
-                </a:solidFill>
-                <a:latin typeface="Arial" charset="0"/>
-              </a:defRPr>
-            </a:lvl2pPr>
-            <a:lvl3pPr marL="1143000" indent="-228600" defTabSz="4389438" eaLnBrk="0" hangingPunct="0">
-              <a:defRPr sz="2200">
-                <a:solidFill>
-                  <a:schemeClr val="tx1"/>
-                </a:solidFill>
-                <a:latin typeface="Arial" charset="0"/>
-              </a:defRPr>
-            </a:lvl3pPr>
-            <a:lvl4pPr marL="1600200" indent="-228600" defTabSz="4389438" eaLnBrk="0" hangingPunct="0">
-              <a:defRPr sz="2200">
-                <a:solidFill>
-                  <a:schemeClr val="tx1"/>
-                </a:solidFill>
-                <a:latin typeface="Arial" charset="0"/>
-              </a:defRPr>
-            </a:lvl4pPr>
-            <a:lvl5pPr marL="2057400" indent="-228600" defTabSz="4389438" eaLnBrk="0" hangingPunct="0">
-              <a:defRPr sz="2200">
-                <a:solidFill>
-                  <a:schemeClr val="tx1"/>
-                </a:solidFill>
-                <a:latin typeface="Arial" charset="0"/>
-              </a:defRPr>
-            </a:lvl5pPr>
-            <a:lvl6pPr marL="2514600" indent="-228600" defTabSz="4389438" eaLnBrk="0" fontAlgn="base" hangingPunct="0">
-              <a:spcBef>
-                <a:spcPct val="0"/>
-              </a:spcBef>
-              <a:spcAft>
-                <a:spcPct val="0"/>
-              </a:spcAft>
-              <a:defRPr sz="2200">
-                <a:solidFill>
-                  <a:schemeClr val="tx1"/>
-                </a:solidFill>
-                <a:latin typeface="Arial" charset="0"/>
-              </a:defRPr>
-            </a:lvl6pPr>
-            <a:lvl7pPr marL="2971800" indent="-228600" defTabSz="4389438" eaLnBrk="0" fontAlgn="base" hangingPunct="0">
-              <a:spcBef>
-                <a:spcPct val="0"/>
-              </a:spcBef>
-              <a:spcAft>
-                <a:spcPct val="0"/>
-              </a:spcAft>
-              <a:defRPr sz="2200">
-                <a:solidFill>
-                  <a:schemeClr val="tx1"/>
-                </a:solidFill>
-                <a:latin typeface="Arial" charset="0"/>
-              </a:defRPr>
-            </a:lvl7pPr>
-            <a:lvl8pPr marL="3429000" indent="-228600" defTabSz="4389438" eaLnBrk="0" fontAlgn="base" hangingPunct="0">
-              <a:spcBef>
-                <a:spcPct val="0"/>
-              </a:spcBef>
-              <a:spcAft>
-                <a:spcPct val="0"/>
-              </a:spcAft>
-              <a:defRPr sz="2200">
-                <a:solidFill>
-                  <a:schemeClr val="tx1"/>
-                </a:solidFill>
-                <a:latin typeface="Arial" charset="0"/>
-              </a:defRPr>
-            </a:lvl8pPr>
-            <a:lvl9pPr marL="3886200" indent="-228600" defTabSz="4389438" eaLnBrk="0" fontAlgn="base" hangingPunct="0">
-              <a:spcBef>
-                <a:spcPct val="0"/>
-              </a:spcBef>
-              <a:spcAft>
-                <a:spcPct val="0"/>
-              </a:spcAft>
-              <a:defRPr sz="2200">
-                <a:solidFill>
-                  <a:schemeClr val="tx1"/>
-                </a:solidFill>
-                <a:latin typeface="Arial" charset="0"/>
-              </a:defRPr>
-            </a:lvl9pPr>
-          </a:lstStyle>
-          <a:p>
-            <a:pPr eaLnBrk="1" hangingPunct="1"/>
-            <a:r>
-              <a:rPr lang="en-US" sz="2400" b="1" dirty="0" smtClean="0">
-                <a:latin typeface="Calibri" pitchFamily="34" charset="0"/>
-              </a:rPr>
-              <a:t>Figure </a:t>
-            </a:r>
-            <a:r>
-              <a:rPr lang="en-US" sz="2400" b="1" dirty="0">
-                <a:latin typeface="Calibri" pitchFamily="34" charset="0"/>
-              </a:rPr>
-              <a:t>4</a:t>
-            </a:r>
-            <a:r>
-              <a:rPr lang="en-US" sz="2400" b="1" dirty="0" smtClean="0">
-                <a:latin typeface="Calibri" pitchFamily="34" charset="0"/>
-              </a:rPr>
-              <a:t>. </a:t>
-            </a:r>
-            <a:r>
-              <a:rPr lang="en-US" sz="2400" dirty="0" smtClean="0">
-                <a:latin typeface="Calibri" pitchFamily="34" charset="0"/>
-              </a:rPr>
-              <a:t>Churn rate of the system calculated on a monthly basis.  </a:t>
-            </a:r>
-            <a:endParaRPr lang="en-US" sz="2400" dirty="0">
-              <a:latin typeface="Calibri" pitchFamily="34" charset="0"/>
-            </a:endParaRPr>
-          </a:p>
-        </p:txBody>
-      </p:sp>
-      <p:sp>
-        <p:nvSpPr>
-          <p:cNvPr id="54" name="Rectangle 53"/>
-          <p:cNvSpPr/>
-          <p:nvPr/>
-        </p:nvSpPr>
-        <p:spPr>
-          <a:xfrm>
-            <a:off x="29301470" y="16935940"/>
-            <a:ext cx="13167360" cy="731520"/>
-          </a:xfrm>
-          <a:prstGeom prst="rect">
-            <a:avLst/>
-          </a:prstGeom>
-          <a:solidFill>
-            <a:schemeClr val="accent1">
-              <a:lumMod val="75000"/>
-            </a:schemeClr>
-          </a:solidFill>
-          <a:ln w="12700">
-            <a:solidFill>
-              <a:schemeClr val="accent1">
-                <a:lumMod val="75000"/>
-              </a:schemeClr>
-            </a:solidFill>
-          </a:ln>
-        </p:spPr>
-        <p:style>
-          <a:lnRef idx="2">
-            <a:schemeClr val="accent1">
-              <a:shade val="50000"/>
-            </a:schemeClr>
-          </a:lnRef>
-          <a:fillRef idx="1">
-            <a:schemeClr val="accent1"/>
-          </a:fillRef>
-          <a:effectRef idx="0">
-            <a:schemeClr val="accent1"/>
-          </a:effectRef>
-          <a:fontRef idx="minor">
-            <a:schemeClr val="lt1"/>
-          </a:fontRef>
-        </p:style>
-        <p:txBody>
-          <a:bodyPr lIns="68568" tIns="34284" rIns="68568" bIns="34284" rtlCol="0" anchor="ctr"/>
-          <a:lstStyle/>
-          <a:p>
-            <a:pPr algn="ctr"/>
-            <a:r>
-              <a:rPr lang="en-US" sz="4400" b="1" dirty="0" smtClean="0">
-                <a:solidFill>
-                  <a:schemeClr val="bg1"/>
-                </a:solidFill>
-              </a:rPr>
-              <a:t>Spatial Analysis and </a:t>
-            </a:r>
-            <a:r>
-              <a:rPr lang="en-US" sz="4400" b="1" dirty="0" smtClean="0">
-                <a:solidFill>
-                  <a:schemeClr val="bg1"/>
-                </a:solidFill>
-              </a:rPr>
-              <a:t>Shiny </a:t>
-            </a:r>
-            <a:r>
-              <a:rPr lang="en-US" sz="4400" b="1" dirty="0" smtClean="0">
-                <a:solidFill>
-                  <a:schemeClr val="bg1"/>
-                </a:solidFill>
-              </a:rPr>
-              <a:t>App</a:t>
-            </a:r>
-            <a:endParaRPr lang="en-US" sz="4400" b="1" dirty="0">
-              <a:solidFill>
-                <a:schemeClr val="bg1"/>
-              </a:solidFill>
-            </a:endParaRPr>
-          </a:p>
-        </p:txBody>
-      </p:sp>
-      <p:sp>
-        <p:nvSpPr>
-          <p:cNvPr id="55" name="Text Box 190"/>
-          <p:cNvSpPr txBox="1">
-            <a:spLocks noChangeArrowheads="1"/>
-          </p:cNvSpPr>
-          <p:nvPr/>
-        </p:nvSpPr>
-        <p:spPr bwMode="auto">
-          <a:xfrm>
-            <a:off x="29301470" y="17644883"/>
-            <a:ext cx="13167360" cy="10047926"/>
-          </a:xfrm>
-          <a:prstGeom prst="rect">
-            <a:avLst/>
-          </a:prstGeom>
-          <a:solidFill>
-            <a:schemeClr val="bg1"/>
-          </a:solidFill>
-          <a:ln w="12700">
-            <a:solidFill>
-              <a:schemeClr val="accent1">
-                <a:lumMod val="75000"/>
-              </a:schemeClr>
-            </a:solidFill>
-          </a:ln>
-          <a:effectLst/>
-        </p:spPr>
-        <p:txBody>
-          <a:bodyPr lIns="137137" tIns="137137" rIns="137137" bIns="137137">
-            <a:noAutofit/>
-          </a:bodyPr>
-          <a:lstStyle>
-            <a:lvl1pPr eaLnBrk="0" hangingPunct="0">
-              <a:defRPr sz="2200">
-                <a:solidFill>
-                  <a:schemeClr val="tx1"/>
-                </a:solidFill>
-                <a:latin typeface="Arial" charset="0"/>
-              </a:defRPr>
-            </a:lvl1pPr>
-            <a:lvl2pPr marL="742950" indent="-285750" eaLnBrk="0" hangingPunct="0">
-              <a:defRPr sz="2200">
-                <a:solidFill>
-                  <a:schemeClr val="tx1"/>
-                </a:solidFill>
-                <a:latin typeface="Arial" charset="0"/>
-              </a:defRPr>
-            </a:lvl2pPr>
-            <a:lvl3pPr marL="1143000" indent="-228600" eaLnBrk="0" hangingPunct="0">
-              <a:defRPr sz="2200">
-                <a:solidFill>
-                  <a:schemeClr val="tx1"/>
-                </a:solidFill>
-                <a:latin typeface="Arial" charset="0"/>
-              </a:defRPr>
-            </a:lvl3pPr>
-            <a:lvl4pPr marL="1600200" indent="-228600" eaLnBrk="0" hangingPunct="0">
-              <a:defRPr sz="2200">
-                <a:solidFill>
-                  <a:schemeClr val="tx1"/>
-                </a:solidFill>
-                <a:latin typeface="Arial" charset="0"/>
-              </a:defRPr>
-            </a:lvl4pPr>
-            <a:lvl5pPr marL="2057400" indent="-228600" eaLnBrk="0" hangingPunct="0">
-              <a:defRPr sz="2200">
-                <a:solidFill>
-                  <a:schemeClr val="tx1"/>
-                </a:solidFill>
-                <a:latin typeface="Arial" charset="0"/>
-              </a:defRPr>
-            </a:lvl5pPr>
-            <a:lvl6pPr marL="2514600" indent="-228600" eaLnBrk="0" fontAlgn="base" hangingPunct="0">
-              <a:spcBef>
-                <a:spcPct val="0"/>
-              </a:spcBef>
-              <a:spcAft>
-                <a:spcPct val="0"/>
-              </a:spcAft>
-              <a:defRPr sz="2200">
-                <a:solidFill>
-                  <a:schemeClr val="tx1"/>
-                </a:solidFill>
-                <a:latin typeface="Arial" charset="0"/>
-              </a:defRPr>
-            </a:lvl6pPr>
-            <a:lvl7pPr marL="2971800" indent="-228600" eaLnBrk="0" fontAlgn="base" hangingPunct="0">
-              <a:spcBef>
-                <a:spcPct val="0"/>
-              </a:spcBef>
-              <a:spcAft>
-                <a:spcPct val="0"/>
-              </a:spcAft>
-              <a:defRPr sz="2200">
-                <a:solidFill>
-                  <a:schemeClr val="tx1"/>
-                </a:solidFill>
-                <a:latin typeface="Arial" charset="0"/>
-              </a:defRPr>
-            </a:lvl7pPr>
-            <a:lvl8pPr marL="3429000" indent="-228600" eaLnBrk="0" fontAlgn="base" hangingPunct="0">
-              <a:spcBef>
-                <a:spcPct val="0"/>
-              </a:spcBef>
-              <a:spcAft>
-                <a:spcPct val="0"/>
-              </a:spcAft>
-              <a:defRPr sz="2200">
-                <a:solidFill>
-                  <a:schemeClr val="tx1"/>
-                </a:solidFill>
-                <a:latin typeface="Arial" charset="0"/>
-              </a:defRPr>
-            </a:lvl8pPr>
-            <a:lvl9pPr marL="3886200" indent="-228600" eaLnBrk="0" fontAlgn="base" hangingPunct="0">
-              <a:spcBef>
-                <a:spcPct val="0"/>
-              </a:spcBef>
-              <a:spcAft>
-                <a:spcPct val="0"/>
-              </a:spcAft>
-              <a:defRPr sz="2200">
-                <a:solidFill>
-                  <a:schemeClr val="tx1"/>
-                </a:solidFill>
-                <a:latin typeface="Arial" charset="0"/>
-              </a:defRPr>
-            </a:lvl9pPr>
-          </a:lstStyle>
-          <a:p>
-            <a:pPr eaLnBrk="1" hangingPunct="1"/>
-            <a:r>
-              <a:rPr lang="en-US" sz="3200" dirty="0" smtClean="0">
-                <a:latin typeface="Arial" panose="020B0604020202020204" pitchFamily="34" charset="0"/>
-                <a:cs typeface="Arial" panose="020B0604020202020204" pitchFamily="34" charset="0"/>
-              </a:rPr>
-              <a:t>We find that the vast majority of users are only interested in forecasts for one or </a:t>
-            </a:r>
-            <a:r>
-              <a:rPr lang="en-US" sz="3200" dirty="0" smtClean="0">
-                <a:latin typeface="Arial" panose="020B0604020202020204" pitchFamily="34" charset="0"/>
-                <a:cs typeface="Arial" panose="020B0604020202020204" pitchFamily="34" charset="0"/>
-              </a:rPr>
-              <a:t>two areas. </a:t>
-            </a:r>
-            <a:r>
-              <a:rPr lang="en-US" sz="3200" dirty="0" smtClean="0">
-                <a:latin typeface="Arial" panose="020B0604020202020204" pitchFamily="34" charset="0"/>
-                <a:cs typeface="Arial" panose="020B0604020202020204" pitchFamily="34" charset="0"/>
-              </a:rPr>
-              <a:t>We also construct a </a:t>
-            </a:r>
-            <a:r>
-              <a:rPr lang="en-US" sz="3200" dirty="0" smtClean="0">
-                <a:latin typeface="Arial" panose="020B0604020202020204" pitchFamily="34" charset="0"/>
-                <a:cs typeface="Arial" panose="020B0604020202020204" pitchFamily="34" charset="0"/>
-              </a:rPr>
-              <a:t>web </a:t>
-            </a:r>
-            <a:r>
-              <a:rPr lang="en-US" sz="3200" dirty="0" smtClean="0">
-                <a:latin typeface="Arial" panose="020B0604020202020204" pitchFamily="34" charset="0"/>
-                <a:cs typeface="Arial" panose="020B0604020202020204" pitchFamily="34" charset="0"/>
-              </a:rPr>
-              <a:t>based </a:t>
-            </a:r>
-            <a:r>
-              <a:rPr lang="en-US" sz="3200" dirty="0" smtClean="0">
-                <a:latin typeface="Arial" panose="020B0604020202020204" pitchFamily="34" charset="0"/>
-                <a:cs typeface="Arial" panose="020B0604020202020204" pitchFamily="34" charset="0"/>
-              </a:rPr>
-              <a:t>interactive map that allows users to visualize the spatial distribution of forecast requests. The app allows for the users to specify a time interval during which the requests occurred along with the type of forecast requested. The app can be found at </a:t>
-            </a:r>
-            <a:r>
-              <a:rPr lang="en-US" sz="3200" u="sng" dirty="0" smtClean="0">
-                <a:latin typeface="Arial" panose="020B0604020202020204" pitchFamily="34" charset="0"/>
-                <a:cs typeface="Arial" panose="020B0604020202020204" pitchFamily="34" charset="0"/>
-              </a:rPr>
-              <a:t>shiny.reed.edu/s/users/</a:t>
-            </a:r>
-            <a:r>
-              <a:rPr lang="en-US" sz="3200" u="sng" dirty="0" err="1" smtClean="0">
-                <a:latin typeface="Arial" panose="020B0604020202020204" pitchFamily="34" charset="0"/>
-                <a:cs typeface="Arial" panose="020B0604020202020204" pitchFamily="34" charset="0"/>
-              </a:rPr>
-              <a:t>giocorti</a:t>
-            </a:r>
-            <a:r>
-              <a:rPr lang="en-US" sz="3200" u="sng" dirty="0" smtClean="0">
-                <a:latin typeface="Arial" panose="020B0604020202020204" pitchFamily="34" charset="0"/>
-                <a:cs typeface="Arial" panose="020B0604020202020204" pitchFamily="34" charset="0"/>
-              </a:rPr>
-              <a:t>/</a:t>
-            </a:r>
-            <a:r>
-              <a:rPr lang="en-US" sz="3200" u="sng" dirty="0" err="1" smtClean="0">
-                <a:latin typeface="Arial" panose="020B0604020202020204" pitchFamily="34" charset="0"/>
-                <a:cs typeface="Arial" panose="020B0604020202020204" pitchFamily="34" charset="0"/>
-              </a:rPr>
-              <a:t>NHMap</a:t>
-            </a:r>
-            <a:r>
-              <a:rPr lang="en-US" sz="3200" dirty="0" smtClean="0">
-                <a:latin typeface="Arial" panose="020B0604020202020204" pitchFamily="34" charset="0"/>
-                <a:cs typeface="Arial" panose="020B0604020202020204" pitchFamily="34" charset="0"/>
-              </a:rPr>
-              <a:t>. A general examination of this map shows that requests are concentrated in the northern part of the country. </a:t>
-            </a:r>
-            <a:endParaRPr lang="en-US" sz="3200" dirty="0" smtClean="0">
-              <a:latin typeface="Arial" panose="020B0604020202020204" pitchFamily="34" charset="0"/>
-              <a:cs typeface="Arial" panose="020B0604020202020204" pitchFamily="34" charset="0"/>
-            </a:endParaRPr>
-          </a:p>
-          <a:p>
-            <a:pPr eaLnBrk="1" hangingPunct="1"/>
-            <a:endParaRPr lang="en-US" sz="3200" dirty="0" smtClean="0">
-              <a:latin typeface="+mn-lt"/>
-            </a:endParaRPr>
-          </a:p>
-          <a:p>
-            <a:pPr eaLnBrk="1" hangingPunct="1"/>
-            <a:endParaRPr lang="en-US" sz="3200" dirty="0">
-              <a:latin typeface="+mn-lt"/>
-            </a:endParaRPr>
-          </a:p>
-          <a:p>
-            <a:pPr eaLnBrk="1" hangingPunct="1"/>
-            <a:endParaRPr lang="en-US" sz="3200" dirty="0">
-              <a:latin typeface="+mn-lt"/>
-            </a:endParaRPr>
-          </a:p>
-        </p:txBody>
-      </p:sp>
-      <p:pic>
-        <p:nvPicPr>
-          <p:cNvPr id="16" name="Picture 15"/>
+          <p:cNvPr id="56" name="Picture 55"/>
           <p:cNvPicPr>
             <a:picLocks noChangeAspect="1"/>
           </p:cNvPicPr>
           <p:nvPr/>
         </p:nvPicPr>
         <p:blipFill rotWithShape="1">
-          <a:blip r:embed="rId8" cstate="print">
+          <a:blip r:embed="rId7" cstate="print">
             <a:extLst>
               <a:ext uri="{28A0092B-C50C-407E-A947-70E740481C1C}">
                 <a14:useLocalDpi xmlns:a14="http://schemas.microsoft.com/office/drawing/2010/main" val="0"/>
@@ -5705,368 +6461,32 @@
         </p:blipFill>
         <p:spPr>
           <a:xfrm>
-            <a:off x="29489430" y="21745728"/>
-            <a:ext cx="12526577" cy="4863082"/>
+            <a:off x="22078474" y="14007916"/>
+            <a:ext cx="9647977" cy="3745548"/>
           </a:xfrm>
           <a:prstGeom prst="rect">
             <a:avLst/>
           </a:prstGeom>
         </p:spPr>
       </p:pic>
-      <p:sp>
-        <p:nvSpPr>
-          <p:cNvPr id="56" name="Text Box 180"/>
-          <p:cNvSpPr txBox="1">
-            <a:spLocks noChangeArrowheads="1"/>
-          </p:cNvSpPr>
-          <p:nvPr/>
-        </p:nvSpPr>
-        <p:spPr bwMode="auto">
-          <a:xfrm>
-            <a:off x="29489430" y="26826434"/>
-            <a:ext cx="13004800" cy="1285326"/>
-          </a:xfrm>
-          <a:prstGeom prst="rect">
-            <a:avLst/>
-          </a:prstGeom>
-          <a:noFill/>
-          <a:ln>
-            <a:noFill/>
-          </a:ln>
-          <a:effectLst/>
-          <a:extLst>
-            <a:ext uri="{909E8E84-426E-40DD-AFC4-6F175D3DCCD1}">
-              <a14:hiddenFill xmlns:a14="http://schemas.microsoft.com/office/drawing/2010/main">
-                <a:solidFill>
-                  <a:schemeClr val="accent1"/>
-                </a:solidFill>
-              </a14:hiddenFill>
-            </a:ext>
-            <a:ext uri="{91240B29-F687-4F45-9708-019B960494DF}">
-              <a14:hiddenLine xmlns:a14="http://schemas.microsoft.com/office/drawing/2010/main" w="9525">
-                <a:solidFill>
-                  <a:schemeClr val="tx1"/>
-                </a:solidFill>
-                <a:miter lim="800000"/>
-                <a:headEnd/>
-                <a:tailEnd/>
-              </a14:hiddenLine>
-            </a:ext>
-            <a:ext uri="{AF507438-7753-43E0-B8FC-AC1667EBCBE1}">
-              <a14:hiddenEffects xmlns:a14="http://schemas.microsoft.com/office/drawing/2010/main">
-                <a:effectLst>
-                  <a:outerShdw dist="35921" dir="2700000" algn="ctr" rotWithShape="0">
-                    <a:schemeClr val="bg2"/>
-                  </a:outerShdw>
-                </a:effectLst>
-              </a14:hiddenEffects>
-            </a:ext>
-          </a:extLst>
-        </p:spPr>
-        <p:txBody>
-          <a:bodyPr wrap="square" lIns="68568" tIns="34284" rIns="68568" bIns="34284">
-            <a:noAutofit/>
-          </a:bodyPr>
-          <a:lstStyle>
-            <a:lvl1pPr defTabSz="4389438" eaLnBrk="0" hangingPunct="0">
-              <a:defRPr sz="2200">
-                <a:solidFill>
-                  <a:schemeClr val="tx1"/>
-                </a:solidFill>
-                <a:latin typeface="Arial" charset="0"/>
-              </a:defRPr>
-            </a:lvl1pPr>
-            <a:lvl2pPr marL="742950" indent="-285750" defTabSz="4389438" eaLnBrk="0" hangingPunct="0">
-              <a:defRPr sz="2200">
-                <a:solidFill>
-                  <a:schemeClr val="tx1"/>
-                </a:solidFill>
-                <a:latin typeface="Arial" charset="0"/>
-              </a:defRPr>
-            </a:lvl2pPr>
-            <a:lvl3pPr marL="1143000" indent="-228600" defTabSz="4389438" eaLnBrk="0" hangingPunct="0">
-              <a:defRPr sz="2200">
-                <a:solidFill>
-                  <a:schemeClr val="tx1"/>
-                </a:solidFill>
-                <a:latin typeface="Arial" charset="0"/>
-              </a:defRPr>
-            </a:lvl3pPr>
-            <a:lvl4pPr marL="1600200" indent="-228600" defTabSz="4389438" eaLnBrk="0" hangingPunct="0">
-              <a:defRPr sz="2200">
-                <a:solidFill>
-                  <a:schemeClr val="tx1"/>
-                </a:solidFill>
-                <a:latin typeface="Arial" charset="0"/>
-              </a:defRPr>
-            </a:lvl4pPr>
-            <a:lvl5pPr marL="2057400" indent="-228600" defTabSz="4389438" eaLnBrk="0" hangingPunct="0">
-              <a:defRPr sz="2200">
-                <a:solidFill>
-                  <a:schemeClr val="tx1"/>
-                </a:solidFill>
-                <a:latin typeface="Arial" charset="0"/>
-              </a:defRPr>
-            </a:lvl5pPr>
-            <a:lvl6pPr marL="2514600" indent="-228600" defTabSz="4389438" eaLnBrk="0" fontAlgn="base" hangingPunct="0">
-              <a:spcBef>
-                <a:spcPct val="0"/>
-              </a:spcBef>
-              <a:spcAft>
-                <a:spcPct val="0"/>
-              </a:spcAft>
-              <a:defRPr sz="2200">
-                <a:solidFill>
-                  <a:schemeClr val="tx1"/>
-                </a:solidFill>
-                <a:latin typeface="Arial" charset="0"/>
-              </a:defRPr>
-            </a:lvl6pPr>
-            <a:lvl7pPr marL="2971800" indent="-228600" defTabSz="4389438" eaLnBrk="0" fontAlgn="base" hangingPunct="0">
-              <a:spcBef>
-                <a:spcPct val="0"/>
-              </a:spcBef>
-              <a:spcAft>
-                <a:spcPct val="0"/>
-              </a:spcAft>
-              <a:defRPr sz="2200">
-                <a:solidFill>
-                  <a:schemeClr val="tx1"/>
-                </a:solidFill>
-                <a:latin typeface="Arial" charset="0"/>
-              </a:defRPr>
-            </a:lvl7pPr>
-            <a:lvl8pPr marL="3429000" indent="-228600" defTabSz="4389438" eaLnBrk="0" fontAlgn="base" hangingPunct="0">
-              <a:spcBef>
-                <a:spcPct val="0"/>
-              </a:spcBef>
-              <a:spcAft>
-                <a:spcPct val="0"/>
-              </a:spcAft>
-              <a:defRPr sz="2200">
-                <a:solidFill>
-                  <a:schemeClr val="tx1"/>
-                </a:solidFill>
-                <a:latin typeface="Arial" charset="0"/>
-              </a:defRPr>
-            </a:lvl8pPr>
-            <a:lvl9pPr marL="3886200" indent="-228600" defTabSz="4389438" eaLnBrk="0" fontAlgn="base" hangingPunct="0">
-              <a:spcBef>
-                <a:spcPct val="0"/>
-              </a:spcBef>
-              <a:spcAft>
-                <a:spcPct val="0"/>
-              </a:spcAft>
-              <a:defRPr sz="2200">
-                <a:solidFill>
-                  <a:schemeClr val="tx1"/>
-                </a:solidFill>
-                <a:latin typeface="Arial" charset="0"/>
-              </a:defRPr>
-            </a:lvl9pPr>
-          </a:lstStyle>
-          <a:p>
-            <a:pPr eaLnBrk="1" hangingPunct="1"/>
-            <a:r>
-              <a:rPr lang="en-US" sz="2400" b="1" dirty="0" smtClean="0">
-                <a:latin typeface="Calibri" pitchFamily="34" charset="0"/>
-              </a:rPr>
-              <a:t>Figure </a:t>
-            </a:r>
-            <a:r>
-              <a:rPr lang="en-US" sz="2400" b="1" dirty="0">
-                <a:latin typeface="Calibri" pitchFamily="34" charset="0"/>
-              </a:rPr>
-              <a:t>5</a:t>
-            </a:r>
-            <a:r>
-              <a:rPr lang="en-US" sz="2400" b="1" dirty="0" smtClean="0">
-                <a:latin typeface="Calibri" pitchFamily="34" charset="0"/>
-              </a:rPr>
-              <a:t>. </a:t>
-            </a:r>
-            <a:r>
-              <a:rPr lang="en-US" sz="2400" dirty="0" smtClean="0">
-                <a:latin typeface="Calibri" pitchFamily="34" charset="0"/>
-              </a:rPr>
-              <a:t>A screenshot of the interactive web map. The size of the circles corresponds to the number of requests from a particular area. </a:t>
-            </a:r>
-            <a:endParaRPr lang="en-US" sz="2400" dirty="0">
-              <a:latin typeface="Calibri" pitchFamily="34" charset="0"/>
-            </a:endParaRPr>
-          </a:p>
-        </p:txBody>
-      </p:sp>
-      <p:sp>
-        <p:nvSpPr>
-          <p:cNvPr id="17" name="TextBox 16"/>
-          <p:cNvSpPr txBox="1"/>
-          <p:nvPr/>
-        </p:nvSpPr>
-        <p:spPr>
-          <a:xfrm>
-            <a:off x="9372600" y="29045205"/>
-            <a:ext cx="34213800" cy="3138069"/>
-          </a:xfrm>
-          <a:prstGeom prst="rect">
-            <a:avLst/>
-          </a:prstGeom>
-          <a:noFill/>
-        </p:spPr>
-        <p:txBody>
-          <a:bodyPr wrap="square" rtlCol="0">
-            <a:noAutofit/>
-          </a:bodyPr>
-          <a:lstStyle/>
-          <a:p>
-            <a:r>
-              <a:rPr lang="en-US" sz="4800" b="1" dirty="0" smtClean="0"/>
-              <a:t>Conclusion</a:t>
-            </a:r>
-          </a:p>
-          <a:p>
-            <a:r>
-              <a:rPr lang="en-US" sz="3200" dirty="0" smtClean="0"/>
-              <a:t>We examine user behavior and analyze the spatial and temporal usage of the LTS-2 system. </a:t>
-            </a:r>
-            <a:r>
-              <a:rPr lang="en-US" sz="3200" dirty="0" smtClean="0"/>
-              <a:t>We find:</a:t>
-            </a:r>
-          </a:p>
-          <a:p>
-            <a:pPr marL="457200" indent="-457200">
-              <a:buFont typeface="Arial" panose="020B0604020202020204" pitchFamily="34" charset="0"/>
-              <a:buChar char="•"/>
-            </a:pPr>
-            <a:r>
-              <a:rPr lang="en-US" sz="3200" dirty="0" smtClean="0"/>
-              <a:t>A </a:t>
-            </a:r>
-            <a:r>
-              <a:rPr lang="en-US" sz="3200" dirty="0" smtClean="0"/>
-              <a:t>strong spike in usage during the winter of 2016 that is not repeated in winter 2017. </a:t>
-            </a:r>
-            <a:endParaRPr lang="en-US" sz="3200" dirty="0" smtClean="0"/>
-          </a:p>
-          <a:p>
-            <a:pPr marL="457200" indent="-457200">
-              <a:buFont typeface="Arial" panose="020B0604020202020204" pitchFamily="34" charset="0"/>
-              <a:buChar char="•"/>
-            </a:pPr>
-            <a:r>
-              <a:rPr lang="en-US" sz="3200" dirty="0"/>
-              <a:t>M</a:t>
-            </a:r>
-            <a:r>
-              <a:rPr lang="en-US" sz="3200" dirty="0" smtClean="0"/>
-              <a:t>any </a:t>
-            </a:r>
-            <a:r>
-              <a:rPr lang="en-US" sz="3200" dirty="0" smtClean="0"/>
-              <a:t>users have trouble sending correctly formatted </a:t>
-            </a:r>
-            <a:r>
-              <a:rPr lang="en-US" sz="3200" dirty="0" smtClean="0"/>
-              <a:t>messages and there is a very high churn rate among users</a:t>
-            </a:r>
-          </a:p>
-          <a:p>
-            <a:pPr marL="457200" indent="-457200">
-              <a:buFont typeface="Arial" panose="020B0604020202020204" pitchFamily="34" charset="0"/>
-              <a:buChar char="•"/>
-            </a:pPr>
-            <a:r>
-              <a:rPr lang="en-US" sz="3200" dirty="0" smtClean="0"/>
-              <a:t>Most users are only interested in forecasts for one or two area codes</a:t>
-            </a:r>
-            <a:endParaRPr lang="en-US" sz="3200" dirty="0" smtClean="0"/>
-          </a:p>
-          <a:p>
-            <a:r>
-              <a:rPr lang="en-US" sz="3200" dirty="0" smtClean="0"/>
-              <a:t>We </a:t>
-            </a:r>
-            <a:r>
-              <a:rPr lang="en-US" sz="3200" dirty="0" smtClean="0"/>
-              <a:t>suggest responding to incorrectly formatted requests with an error message that contains details on how to correctly format a request. </a:t>
-            </a:r>
-            <a:r>
-              <a:rPr lang="en-US" sz="3200" dirty="0" smtClean="0"/>
-              <a:t>Finally, </a:t>
-            </a:r>
-            <a:r>
-              <a:rPr lang="en-US" sz="3200" dirty="0" smtClean="0"/>
-              <a:t> </a:t>
-            </a:r>
-            <a:r>
-              <a:rPr lang="en-US" sz="3200" dirty="0" smtClean="0"/>
-              <a:t>A </a:t>
-            </a:r>
-            <a:r>
-              <a:rPr lang="en-US" sz="3200" dirty="0" smtClean="0"/>
-              <a:t>shiny app is accessible at </a:t>
-            </a:r>
-            <a:r>
-              <a:rPr lang="en-US" sz="3200" u="sng" dirty="0" smtClean="0"/>
-              <a:t>shiny.reed.edu/s/users/</a:t>
-            </a:r>
-            <a:r>
-              <a:rPr lang="en-US" sz="3200" u="sng" dirty="0" err="1" smtClean="0"/>
-              <a:t>giocorti</a:t>
-            </a:r>
-            <a:r>
-              <a:rPr lang="en-US" sz="3200" u="sng" dirty="0" smtClean="0"/>
-              <a:t>/</a:t>
-            </a:r>
-            <a:r>
-              <a:rPr lang="en-US" sz="3200" u="sng" dirty="0" err="1" smtClean="0"/>
-              <a:t>NHMap</a:t>
-            </a:r>
-            <a:r>
-              <a:rPr lang="en-US" sz="3200" u="sng" dirty="0"/>
-              <a:t>/</a:t>
-            </a:r>
-            <a:r>
-              <a:rPr lang="en-US" sz="3200" dirty="0"/>
-              <a:t> </a:t>
-            </a:r>
-            <a:r>
-              <a:rPr lang="en-US" sz="3200" dirty="0" smtClean="0"/>
-              <a:t>to allow for interactive visualization of the spatial distribution of requests.  </a:t>
-            </a:r>
-          </a:p>
-          <a:p>
-            <a:endParaRPr lang="en-US" sz="4800" b="1" dirty="0" smtClean="0"/>
-          </a:p>
-          <a:p>
-            <a:endParaRPr lang="en-US" sz="4800" b="1" dirty="0" smtClean="0"/>
-          </a:p>
-        </p:txBody>
-      </p:sp>
       <p:pic>
         <p:nvPicPr>
-          <p:cNvPr id="2" name="Picture 1"/>
+          <p:cNvPr id="58" name="Picture 57"/>
           <p:cNvPicPr>
             <a:picLocks noChangeAspect="1"/>
           </p:cNvPicPr>
           <p:nvPr/>
         </p:nvPicPr>
-        <p:blipFill rotWithShape="1">
-          <a:blip r:embed="rId9">
-            <a:extLst>
-              <a:ext uri="{28A0092B-C50C-407E-A947-70E740481C1C}">
-                <a14:useLocalDpi xmlns:a14="http://schemas.microsoft.com/office/drawing/2010/main" val="0"/>
-              </a:ext>
-            </a:extLst>
-          </a:blip>
-          <a:srcRect b="27962"/>
-          <a:stretch/>
+        <p:blipFill>
+          <a:blip r:embed="rId8"/>
+          <a:stretch>
+            <a:fillRect/>
+          </a:stretch>
         </p:blipFill>
         <p:spPr>
           <a:xfrm>
-            <a:off x="1911004" y="23241589"/>
-            <a:ext cx="11423996" cy="4480970"/>
+            <a:off x="1163402" y="442141"/>
+            <a:ext cx="1920059" cy="1920059"/>
           </a:xfrm>
           <a:prstGeom prst="rect">
             <a:avLst/>
@@ -6083,6 +6503,13 @@
   <p:clrMapOvr>
     <a:masterClrMapping/>
   </p:clrMapOvr>
+  <p:timing>
+    <p:tnLst>
+      <p:par>
+        <p:cTn id="1" dur="indefinite" restart="never" nodeType="tmRoot"/>
+      </p:par>
+    </p:tnLst>
+  </p:timing>
 </p:sld>
 </file>
 
@@ -6097,44 +6524,44 @@
         <a:sysClr val="window" lastClr="FFFFFF"/>
       </a:lt1>
       <a:dk2>
-        <a:srgbClr val="44546A"/>
+        <a:srgbClr val="1F497D"/>
       </a:dk2>
       <a:lt2>
-        <a:srgbClr val="E7E6E6"/>
+        <a:srgbClr val="EEECE1"/>
       </a:lt2>
       <a:accent1>
-        <a:srgbClr val="4472C4"/>
+        <a:srgbClr val="4F81BD"/>
       </a:accent1>
       <a:accent2>
-        <a:srgbClr val="ED7D31"/>
+        <a:srgbClr val="C0504D"/>
       </a:accent2>
       <a:accent3>
-        <a:srgbClr val="A5A5A5"/>
+        <a:srgbClr val="9BBB59"/>
       </a:accent3>
       <a:accent4>
-        <a:srgbClr val="FFC000"/>
+        <a:srgbClr val="8064A2"/>
       </a:accent4>
       <a:accent5>
-        <a:srgbClr val="5B9BD5"/>
+        <a:srgbClr val="4BACC6"/>
       </a:accent5>
       <a:accent6>
-        <a:srgbClr val="70AD47"/>
+        <a:srgbClr val="F79646"/>
       </a:accent6>
       <a:hlink>
-        <a:srgbClr val="0563C1"/>
+        <a:srgbClr val="0000FF"/>
       </a:hlink>
       <a:folHlink>
-        <a:srgbClr val="954F72"/>
+        <a:srgbClr val="800080"/>
       </a:folHlink>
     </a:clrScheme>
     <a:fontScheme name="Office">
       <a:majorFont>
-        <a:latin typeface="Calibri Light" panose="020F0302020204030204"/>
+        <a:latin typeface="Calibri"/>
         <a:ea typeface=""/>
         <a:cs typeface=""/>
-        <a:font script="Jpan" typeface="游ゴシック Light"/>
+        <a:font script="Jpan" typeface="ＭＳ Ｐゴシック"/>
         <a:font script="Hang" typeface="맑은 고딕"/>
-        <a:font script="Hans" typeface="等线 Light"/>
+        <a:font script="Hans" typeface="宋体"/>
         <a:font script="Hant" typeface="新細明體"/>
         <a:font script="Arab" typeface="Times New Roman"/>
         <a:font script="Hebr" typeface="Times New Roman"/>
@@ -6162,31 +6589,14 @@
         <a:font script="Viet" typeface="Times New Roman"/>
         <a:font script="Uigh" typeface="Microsoft Uighur"/>
         <a:font script="Geor" typeface="Sylfaen"/>
-        <a:font script="Armn" typeface="Arial"/>
-        <a:font script="Bugi" typeface="Leelawadee UI"/>
-        <a:font script="Bopo" typeface="Microsoft JhengHei"/>
-        <a:font script="Java" typeface="Javanese Text"/>
-        <a:font script="Lisu" typeface="Segoe UI"/>
-        <a:font script="Mymr" typeface="Myanmar Text"/>
-        <a:font script="Nkoo" typeface="Ebrima"/>
-        <a:font script="Olck" typeface="Nirmala UI"/>
-        <a:font script="Osma" typeface="Ebrima"/>
-        <a:font script="Phag" typeface="Phagspa"/>
-        <a:font script="Syrn" typeface="Estrangelo Edessa"/>
-        <a:font script="Syrj" typeface="Estrangelo Edessa"/>
-        <a:font script="Syre" typeface="Estrangelo Edessa"/>
-        <a:font script="Sora" typeface="Nirmala UI"/>
-        <a:font script="Tale" typeface="Microsoft Tai Le"/>
-        <a:font script="Talu" typeface="Microsoft New Tai Lue"/>
-        <a:font script="Tfng" typeface="Ebrima"/>
       </a:majorFont>
       <a:minorFont>
-        <a:latin typeface="Calibri" panose="020F0502020204030204"/>
+        <a:latin typeface="Calibri"/>
         <a:ea typeface=""/>
         <a:cs typeface=""/>
-        <a:font script="Jpan" typeface="游ゴシック"/>
+        <a:font script="Jpan" typeface="ＭＳ Ｐゴシック"/>
         <a:font script="Hang" typeface="맑은 고딕"/>
-        <a:font script="Hans" typeface="等线"/>
+        <a:font script="Hans" typeface="宋体"/>
         <a:font script="Hant" typeface="新細明體"/>
         <a:font script="Arab" typeface="Arial"/>
         <a:font script="Hebr" typeface="Arial"/>
@@ -6214,23 +6624,6 @@
         <a:font script="Viet" typeface="Arial"/>
         <a:font script="Uigh" typeface="Microsoft Uighur"/>
         <a:font script="Geor" typeface="Sylfaen"/>
-        <a:font script="Armn" typeface="Arial"/>
-        <a:font script="Bugi" typeface="Leelawadee UI"/>
-        <a:font script="Bopo" typeface="Microsoft JhengHei"/>
-        <a:font script="Java" typeface="Javanese Text"/>
-        <a:font script="Lisu" typeface="Segoe UI"/>
-        <a:font script="Mymr" typeface="Myanmar Text"/>
-        <a:font script="Nkoo" typeface="Ebrima"/>
-        <a:font script="Olck" typeface="Nirmala UI"/>
-        <a:font script="Osma" typeface="Ebrima"/>
-        <a:font script="Phag" typeface="Phagspa"/>
-        <a:font script="Syrn" typeface="Estrangelo Edessa"/>
-        <a:font script="Syrj" typeface="Estrangelo Edessa"/>
-        <a:font script="Syre" typeface="Estrangelo Edessa"/>
-        <a:font script="Sora" typeface="Nirmala UI"/>
-        <a:font script="Tale" typeface="Microsoft Tai Le"/>
-        <a:font script="Talu" typeface="Microsoft New Tai Lue"/>
-        <a:font script="Tfng" typeface="Ebrima"/>
       </a:minorFont>
     </a:fontScheme>
     <a:fmtScheme name="Office">
@@ -6242,141 +6635,450 @@
           <a:gsLst>
             <a:gs pos="0">
               <a:schemeClr val="phClr">
-                <a:lumMod val="110000"/>
-                <a:satMod val="105000"/>
-                <a:tint val="67000"/>
+                <a:tint val="50000"/>
+                <a:satMod val="300000"/>
               </a:schemeClr>
             </a:gs>
-            <a:gs pos="50000">
+            <a:gs pos="35000">
               <a:schemeClr val="phClr">
-                <a:lumMod val="105000"/>
-                <a:satMod val="103000"/>
-                <a:tint val="73000"/>
+                <a:tint val="37000"/>
+                <a:satMod val="300000"/>
               </a:schemeClr>
             </a:gs>
             <a:gs pos="100000">
               <a:schemeClr val="phClr">
-                <a:lumMod val="105000"/>
-                <a:satMod val="109000"/>
-                <a:tint val="81000"/>
+                <a:tint val="15000"/>
+                <a:satMod val="350000"/>
               </a:schemeClr>
             </a:gs>
           </a:gsLst>
-          <a:lin ang="5400000" scaled="0"/>
+          <a:lin ang="16200000" scaled="1"/>
         </a:gradFill>
         <a:gradFill rotWithShape="1">
           <a:gsLst>
             <a:gs pos="0">
               <a:schemeClr val="phClr">
-                <a:satMod val="103000"/>
-                <a:lumMod val="102000"/>
-                <a:tint val="94000"/>
+                <a:shade val="51000"/>
+                <a:satMod val="130000"/>
               </a:schemeClr>
             </a:gs>
-            <a:gs pos="50000">
+            <a:gs pos="80000">
               <a:schemeClr val="phClr">
-                <a:satMod val="110000"/>
-                <a:lumMod val="100000"/>
-                <a:shade val="100000"/>
+                <a:shade val="93000"/>
+                <a:satMod val="130000"/>
               </a:schemeClr>
             </a:gs>
             <a:gs pos="100000">
               <a:schemeClr val="phClr">
-                <a:lumMod val="99000"/>
-                <a:satMod val="120000"/>
-                <a:shade val="78000"/>
+                <a:shade val="94000"/>
+                <a:satMod val="135000"/>
               </a:schemeClr>
             </a:gs>
           </a:gsLst>
-          <a:lin ang="5400000" scaled="0"/>
+          <a:lin ang="16200000" scaled="0"/>
         </a:gradFill>
       </a:fillStyleLst>
       <a:lnStyleLst>
-        <a:ln w="6350" cap="flat" cmpd="sng" algn="ctr">
+        <a:ln w="9525" cap="flat" cmpd="sng" algn="ctr">
+          <a:solidFill>
+            <a:schemeClr val="phClr">
+              <a:shade val="95000"/>
+              <a:satMod val="105000"/>
+            </a:schemeClr>
+          </a:solidFill>
+          <a:prstDash val="solid"/>
+        </a:ln>
+        <a:ln w="25400" cap="flat" cmpd="sng" algn="ctr">
           <a:solidFill>
             <a:schemeClr val="phClr"/>
           </a:solidFill>
           <a:prstDash val="solid"/>
-          <a:miter lim="800000"/>
         </a:ln>
-        <a:ln w="12700" cap="flat" cmpd="sng" algn="ctr">
+        <a:ln w="38100" cap="flat" cmpd="sng" algn="ctr">
           <a:solidFill>
             <a:schemeClr val="phClr"/>
           </a:solidFill>
           <a:prstDash val="solid"/>
-          <a:miter lim="800000"/>
-        </a:ln>
-        <a:ln w="19050" cap="flat" cmpd="sng" algn="ctr">
-          <a:solidFill>
-            <a:schemeClr val="phClr"/>
-          </a:solidFill>
-          <a:prstDash val="solid"/>
-          <a:miter lim="800000"/>
         </a:ln>
       </a:lnStyleLst>
       <a:effectStyleLst>
         <a:effectStyle>
-          <a:effectLst/>
-        </a:effectStyle>
-        <a:effectStyle>
-          <a:effectLst/>
+          <a:effectLst>
+            <a:outerShdw blurRad="40000" dist="20000" dir="5400000" rotWithShape="0">
+              <a:srgbClr val="000000">
+                <a:alpha val="38000"/>
+              </a:srgbClr>
+            </a:outerShdw>
+          </a:effectLst>
         </a:effectStyle>
         <a:effectStyle>
           <a:effectLst>
-            <a:outerShdw blurRad="57150" dist="19050" dir="5400000" algn="ctr" rotWithShape="0">
+            <a:outerShdw blurRad="40000" dist="23000" dir="5400000" rotWithShape="0">
               <a:srgbClr val="000000">
-                <a:alpha val="63000"/>
+                <a:alpha val="35000"/>
               </a:srgbClr>
             </a:outerShdw>
           </a:effectLst>
+        </a:effectStyle>
+        <a:effectStyle>
+          <a:effectLst>
+            <a:outerShdw blurRad="40000" dist="23000" dir="5400000" rotWithShape="0">
+              <a:srgbClr val="000000">
+                <a:alpha val="35000"/>
+              </a:srgbClr>
+            </a:outerShdw>
+          </a:effectLst>
+          <a:scene3d>
+            <a:camera prst="orthographicFront">
+              <a:rot lat="0" lon="0" rev="0"/>
+            </a:camera>
+            <a:lightRig rig="threePt" dir="t">
+              <a:rot lat="0" lon="0" rev="1200000"/>
+            </a:lightRig>
+          </a:scene3d>
+          <a:sp3d>
+            <a:bevelT w="63500" h="25400"/>
+          </a:sp3d>
         </a:effectStyle>
       </a:effectStyleLst>
       <a:bgFillStyleLst>
         <a:solidFill>
           <a:schemeClr val="phClr"/>
         </a:solidFill>
-        <a:solidFill>
-          <a:schemeClr val="phClr">
-            <a:tint val="95000"/>
-            <a:satMod val="170000"/>
-          </a:schemeClr>
-        </a:solidFill>
         <a:gradFill rotWithShape="1">
           <a:gsLst>
             <a:gs pos="0">
               <a:schemeClr val="phClr">
-                <a:tint val="93000"/>
-                <a:satMod val="150000"/>
-                <a:shade val="98000"/>
-                <a:lumMod val="102000"/>
+                <a:tint val="40000"/>
+                <a:satMod val="350000"/>
               </a:schemeClr>
             </a:gs>
-            <a:gs pos="50000">
+            <a:gs pos="40000">
               <a:schemeClr val="phClr">
-                <a:tint val="98000"/>
-                <a:satMod val="130000"/>
-                <a:shade val="90000"/>
-                <a:lumMod val="103000"/>
+                <a:tint val="45000"/>
+                <a:shade val="99000"/>
+                <a:satMod val="350000"/>
               </a:schemeClr>
             </a:gs>
             <a:gs pos="100000">
               <a:schemeClr val="phClr">
-                <a:shade val="63000"/>
-                <a:satMod val="120000"/>
+                <a:shade val="20000"/>
+                <a:satMod val="255000"/>
               </a:schemeClr>
             </a:gs>
           </a:gsLst>
-          <a:lin ang="5400000" scaled="0"/>
+          <a:path path="circle">
+            <a:fillToRect l="50000" t="-80000" r="50000" b="180000"/>
+          </a:path>
+        </a:gradFill>
+        <a:gradFill rotWithShape="1">
+          <a:gsLst>
+            <a:gs pos="0">
+              <a:schemeClr val="phClr">
+                <a:tint val="80000"/>
+                <a:satMod val="300000"/>
+              </a:schemeClr>
+            </a:gs>
+            <a:gs pos="100000">
+              <a:schemeClr val="phClr">
+                <a:shade val="30000"/>
+                <a:satMod val="200000"/>
+              </a:schemeClr>
+            </a:gs>
+          </a:gsLst>
+          <a:path path="circle">
+            <a:fillToRect l="50000" t="50000" r="50000" b="50000"/>
+          </a:path>
         </a:gradFill>
       </a:bgFillStyleLst>
     </a:fmtScheme>
   </a:themeElements>
   <a:objectDefaults/>
   <a:extraClrSchemeLst/>
-  <a:extLst>
-    <a:ext uri="{05A4C25C-085E-4340-85A3-A5531E510DB2}">
-      <thm15:themeFamily xmlns:thm15="http://schemas.microsoft.com/office/thememl/2012/main" name="Office Theme" id="{62F939B6-93AF-4DB8-9C6B-D6C7DFDC589F}" vid="{4A3C46E8-61CC-4603-A589-7422A47A8E4A}"/>
-    </a:ext>
-  </a:extLst>
+</a:theme>
+</file>
+
+<file path=ppt/theme/theme2.xml><?xml version="1.0" encoding="utf-8"?>
+<a:theme xmlns:a="http://schemas.openxmlformats.org/drawingml/2006/main" name="Office Theme">
+  <a:themeElements>
+    <a:clrScheme name="Office">
+      <a:dk1>
+        <a:sysClr val="windowText" lastClr="000000"/>
+      </a:dk1>
+      <a:lt1>
+        <a:sysClr val="window" lastClr="FFFFFF"/>
+      </a:lt1>
+      <a:dk2>
+        <a:srgbClr val="1F497D"/>
+      </a:dk2>
+      <a:lt2>
+        <a:srgbClr val="EEECE1"/>
+      </a:lt2>
+      <a:accent1>
+        <a:srgbClr val="4F81BD"/>
+      </a:accent1>
+      <a:accent2>
+        <a:srgbClr val="C0504D"/>
+      </a:accent2>
+      <a:accent3>
+        <a:srgbClr val="9BBB59"/>
+      </a:accent3>
+      <a:accent4>
+        <a:srgbClr val="8064A2"/>
+      </a:accent4>
+      <a:accent5>
+        <a:srgbClr val="4BACC6"/>
+      </a:accent5>
+      <a:accent6>
+        <a:srgbClr val="F79646"/>
+      </a:accent6>
+      <a:hlink>
+        <a:srgbClr val="0000FF"/>
+      </a:hlink>
+      <a:folHlink>
+        <a:srgbClr val="800080"/>
+      </a:folHlink>
+    </a:clrScheme>
+    <a:fontScheme name="Office">
+      <a:majorFont>
+        <a:latin typeface="Calibri"/>
+        <a:ea typeface=""/>
+        <a:cs typeface=""/>
+        <a:font script="Jpan" typeface="ＭＳ Ｐゴシック"/>
+        <a:font script="Hang" typeface="맑은 고딕"/>
+        <a:font script="Hans" typeface="宋体"/>
+        <a:font script="Hant" typeface="新細明體"/>
+        <a:font script="Arab" typeface="Times New Roman"/>
+        <a:font script="Hebr" typeface="Times New Roman"/>
+        <a:font script="Thai" typeface="Angsana New"/>
+        <a:font script="Ethi" typeface="Nyala"/>
+        <a:font script="Beng" typeface="Vrinda"/>
+        <a:font script="Gujr" typeface="Shruti"/>
+        <a:font script="Khmr" typeface="MoolBoran"/>
+        <a:font script="Knda" typeface="Tunga"/>
+        <a:font script="Guru" typeface="Raavi"/>
+        <a:font script="Cans" typeface="Euphemia"/>
+        <a:font script="Cher" typeface="Plantagenet Cherokee"/>
+        <a:font script="Yiii" typeface="Microsoft Yi Baiti"/>
+        <a:font script="Tibt" typeface="Microsoft Himalaya"/>
+        <a:font script="Thaa" typeface="MV Boli"/>
+        <a:font script="Deva" typeface="Mangal"/>
+        <a:font script="Telu" typeface="Gautami"/>
+        <a:font script="Taml" typeface="Latha"/>
+        <a:font script="Syrc" typeface="Estrangelo Edessa"/>
+        <a:font script="Orya" typeface="Kalinga"/>
+        <a:font script="Mlym" typeface="Kartika"/>
+        <a:font script="Laoo" typeface="DokChampa"/>
+        <a:font script="Sinh" typeface="Iskoola Pota"/>
+        <a:font script="Mong" typeface="Mongolian Baiti"/>
+        <a:font script="Viet" typeface="Times New Roman"/>
+        <a:font script="Uigh" typeface="Microsoft Uighur"/>
+        <a:font script="Geor" typeface="Sylfaen"/>
+      </a:majorFont>
+      <a:minorFont>
+        <a:latin typeface="Calibri"/>
+        <a:ea typeface=""/>
+        <a:cs typeface=""/>
+        <a:font script="Jpan" typeface="ＭＳ Ｐゴシック"/>
+        <a:font script="Hang" typeface="맑은 고딕"/>
+        <a:font script="Hans" typeface="宋体"/>
+        <a:font script="Hant" typeface="新細明體"/>
+        <a:font script="Arab" typeface="Arial"/>
+        <a:font script="Hebr" typeface="Arial"/>
+        <a:font script="Thai" typeface="Cordia New"/>
+        <a:font script="Ethi" typeface="Nyala"/>
+        <a:font script="Beng" typeface="Vrinda"/>
+        <a:font script="Gujr" typeface="Shruti"/>
+        <a:font script="Khmr" typeface="DaunPenh"/>
+        <a:font script="Knda" typeface="Tunga"/>
+        <a:font script="Guru" typeface="Raavi"/>
+        <a:font script="Cans" typeface="Euphemia"/>
+        <a:font script="Cher" typeface="Plantagenet Cherokee"/>
+        <a:font script="Yiii" typeface="Microsoft Yi Baiti"/>
+        <a:font script="Tibt" typeface="Microsoft Himalaya"/>
+        <a:font script="Thaa" typeface="MV Boli"/>
+        <a:font script="Deva" typeface="Mangal"/>
+        <a:font script="Telu" typeface="Gautami"/>
+        <a:font script="Taml" typeface="Latha"/>
+        <a:font script="Syrc" typeface="Estrangelo Edessa"/>
+        <a:font script="Orya" typeface="Kalinga"/>
+        <a:font script="Mlym" typeface="Kartika"/>
+        <a:font script="Laoo" typeface="DokChampa"/>
+        <a:font script="Sinh" typeface="Iskoola Pota"/>
+        <a:font script="Mong" typeface="Mongolian Baiti"/>
+        <a:font script="Viet" typeface="Arial"/>
+        <a:font script="Uigh" typeface="Microsoft Uighur"/>
+        <a:font script="Geor" typeface="Sylfaen"/>
+      </a:minorFont>
+    </a:fontScheme>
+    <a:fmtScheme name="Office">
+      <a:fillStyleLst>
+        <a:solidFill>
+          <a:schemeClr val="phClr"/>
+        </a:solidFill>
+        <a:gradFill rotWithShape="1">
+          <a:gsLst>
+            <a:gs pos="0">
+              <a:schemeClr val="phClr">
+                <a:tint val="50000"/>
+                <a:satMod val="300000"/>
+              </a:schemeClr>
+            </a:gs>
+            <a:gs pos="35000">
+              <a:schemeClr val="phClr">
+                <a:tint val="37000"/>
+                <a:satMod val="300000"/>
+              </a:schemeClr>
+            </a:gs>
+            <a:gs pos="100000">
+              <a:schemeClr val="phClr">
+                <a:tint val="15000"/>
+                <a:satMod val="350000"/>
+              </a:schemeClr>
+            </a:gs>
+          </a:gsLst>
+          <a:lin ang="16200000" scaled="1"/>
+        </a:gradFill>
+        <a:gradFill rotWithShape="1">
+          <a:gsLst>
+            <a:gs pos="0">
+              <a:schemeClr val="phClr">
+                <a:shade val="51000"/>
+                <a:satMod val="130000"/>
+              </a:schemeClr>
+            </a:gs>
+            <a:gs pos="80000">
+              <a:schemeClr val="phClr">
+                <a:shade val="93000"/>
+                <a:satMod val="130000"/>
+              </a:schemeClr>
+            </a:gs>
+            <a:gs pos="100000">
+              <a:schemeClr val="phClr">
+                <a:shade val="94000"/>
+                <a:satMod val="135000"/>
+              </a:schemeClr>
+            </a:gs>
+          </a:gsLst>
+          <a:lin ang="16200000" scaled="0"/>
+        </a:gradFill>
+      </a:fillStyleLst>
+      <a:lnStyleLst>
+        <a:ln w="9525" cap="flat" cmpd="sng" algn="ctr">
+          <a:solidFill>
+            <a:schemeClr val="phClr">
+              <a:shade val="95000"/>
+              <a:satMod val="105000"/>
+            </a:schemeClr>
+          </a:solidFill>
+          <a:prstDash val="solid"/>
+        </a:ln>
+        <a:ln w="25400" cap="flat" cmpd="sng" algn="ctr">
+          <a:solidFill>
+            <a:schemeClr val="phClr"/>
+          </a:solidFill>
+          <a:prstDash val="solid"/>
+        </a:ln>
+        <a:ln w="38100" cap="flat" cmpd="sng" algn="ctr">
+          <a:solidFill>
+            <a:schemeClr val="phClr"/>
+          </a:solidFill>
+          <a:prstDash val="solid"/>
+        </a:ln>
+      </a:lnStyleLst>
+      <a:effectStyleLst>
+        <a:effectStyle>
+          <a:effectLst>
+            <a:outerShdw blurRad="40000" dist="20000" dir="5400000" rotWithShape="0">
+              <a:srgbClr val="000000">
+                <a:alpha val="38000"/>
+              </a:srgbClr>
+            </a:outerShdw>
+          </a:effectLst>
+        </a:effectStyle>
+        <a:effectStyle>
+          <a:effectLst>
+            <a:outerShdw blurRad="40000" dist="23000" dir="5400000" rotWithShape="0">
+              <a:srgbClr val="000000">
+                <a:alpha val="35000"/>
+              </a:srgbClr>
+            </a:outerShdw>
+          </a:effectLst>
+        </a:effectStyle>
+        <a:effectStyle>
+          <a:effectLst>
+            <a:outerShdw blurRad="40000" dist="23000" dir="5400000" rotWithShape="0">
+              <a:srgbClr val="000000">
+                <a:alpha val="35000"/>
+              </a:srgbClr>
+            </a:outerShdw>
+          </a:effectLst>
+          <a:scene3d>
+            <a:camera prst="orthographicFront">
+              <a:rot lat="0" lon="0" rev="0"/>
+            </a:camera>
+            <a:lightRig rig="threePt" dir="t">
+              <a:rot lat="0" lon="0" rev="1200000"/>
+            </a:lightRig>
+          </a:scene3d>
+          <a:sp3d>
+            <a:bevelT w="63500" h="25400"/>
+          </a:sp3d>
+        </a:effectStyle>
+      </a:effectStyleLst>
+      <a:bgFillStyleLst>
+        <a:solidFill>
+          <a:schemeClr val="phClr"/>
+        </a:solidFill>
+        <a:gradFill rotWithShape="1">
+          <a:gsLst>
+            <a:gs pos="0">
+              <a:schemeClr val="phClr">
+                <a:tint val="40000"/>
+                <a:satMod val="350000"/>
+              </a:schemeClr>
+            </a:gs>
+            <a:gs pos="40000">
+              <a:schemeClr val="phClr">
+                <a:tint val="45000"/>
+                <a:shade val="99000"/>
+                <a:satMod val="350000"/>
+              </a:schemeClr>
+            </a:gs>
+            <a:gs pos="100000">
+              <a:schemeClr val="phClr">
+                <a:shade val="20000"/>
+                <a:satMod val="255000"/>
+              </a:schemeClr>
+            </a:gs>
+          </a:gsLst>
+          <a:path path="circle">
+            <a:fillToRect l="50000" t="-80000" r="50000" b="180000"/>
+          </a:path>
+        </a:gradFill>
+        <a:gradFill rotWithShape="1">
+          <a:gsLst>
+            <a:gs pos="0">
+              <a:schemeClr val="phClr">
+                <a:tint val="80000"/>
+                <a:satMod val="300000"/>
+              </a:schemeClr>
+            </a:gs>
+            <a:gs pos="100000">
+              <a:schemeClr val="phClr">
+                <a:shade val="30000"/>
+                <a:satMod val="200000"/>
+              </a:schemeClr>
+            </a:gs>
+          </a:gsLst>
+          <a:path path="circle">
+            <a:fillToRect l="50000" t="50000" r="50000" b="50000"/>
+          </a:path>
+        </a:gradFill>
+      </a:bgFillStyleLst>
+    </a:fmtScheme>
+  </a:themeElements>
+  <a:objectDefaults/>
+  <a:extraClrSchemeLst/>
 </a:theme>
 </file>
--- a/Documents/NH poster.pptx
+++ b/Documents/NH poster.pptx
@@ -3370,14 +3370,14 @@
                 <a:latin typeface="Arial" panose="020B0604020202020204" pitchFamily="34" charset="0"/>
                 <a:cs typeface="Arial" panose="020B0604020202020204" pitchFamily="34" charset="0"/>
               </a:rPr>
-              <a:t>The LTS-2 system exhibits a seasonal cycle although its overall usage seems to be decreasing. Use of the system spiked during November and December, however the magnitude of these spikes was much larger in 2016 as compared to 2017. The system saw a fairly consistent number of requests during the summers of 2016 and 2017</a:t>
+              <a:t>The LTS-2 system exhibits a seasonal cycle although its overall usage seems to be decreasing. Use of the system spiked during November and December, however the magnitude of these spikes was much larger in 2016 as compared to 2017. The system saw a fairly consistent number of requests during the summers of 2016 and </a:t>
             </a:r>
             <a:r>
               <a:rPr lang="en-US" sz="2000" dirty="0" smtClean="0">
                 <a:latin typeface="Arial" panose="020B0604020202020204" pitchFamily="34" charset="0"/>
                 <a:cs typeface="Arial" panose="020B0604020202020204" pitchFamily="34" charset="0"/>
               </a:rPr>
-              <a:t>.</a:t>
+              <a:t>2017. In some cases these spikes in usage are correlated with new users joining the system. In other cases the spikes result from existing users requesting more information.</a:t>
             </a:r>
           </a:p>
           <a:p>
@@ -3424,21 +3424,7 @@
           </a:p>
           <a:p>
             <a:pPr eaLnBrk="1" hangingPunct="1"/>
-            <a:endParaRPr lang="en-US" sz="2000" dirty="0" smtClean="0">
-              <a:latin typeface="Arial" panose="020B0604020202020204" pitchFamily="34" charset="0"/>
-              <a:cs typeface="Arial" panose="020B0604020202020204" pitchFamily="34" charset="0"/>
-            </a:endParaRPr>
-          </a:p>
-          <a:p>
-            <a:pPr eaLnBrk="1" hangingPunct="1"/>
             <a:endParaRPr lang="en-US" sz="2000" dirty="0">
-              <a:latin typeface="Arial" panose="020B0604020202020204" pitchFamily="34" charset="0"/>
-              <a:cs typeface="Arial" panose="020B0604020202020204" pitchFamily="34" charset="0"/>
-            </a:endParaRPr>
-          </a:p>
-          <a:p>
-            <a:pPr eaLnBrk="1" hangingPunct="1"/>
-            <a:endParaRPr lang="en-US" sz="2000" dirty="0" smtClean="0">
               <a:latin typeface="Arial" panose="020B0604020202020204" pitchFamily="34" charset="0"/>
               <a:cs typeface="Arial" panose="020B0604020202020204" pitchFamily="34" charset="0"/>
             </a:endParaRPr>
@@ -3853,7 +3839,7 @@
         </p:nvSpPr>
         <p:spPr bwMode="auto">
           <a:xfrm>
-            <a:off x="21954097" y="3653687"/>
+            <a:off x="21954097" y="3635382"/>
             <a:ext cx="9875520" cy="7276658"/>
           </a:xfrm>
           <a:prstGeom prst="rect">
@@ -4095,7 +4081,14 @@
                 <a:latin typeface="Arial" panose="020B0604020202020204" pitchFamily="34" charset="0"/>
                 <a:cs typeface="Arial" panose="020B0604020202020204" pitchFamily="34" charset="0"/>
               </a:rPr>
-              <a:t>The flux of the user base can be quantified by calculating the churn rate. Churn rate is defined as the proportion of people who use the system for the last time in a given month. It should be noted that users are tracked by phone number so a user who changes phone numbers will appear as having dropped out of the system. This may help explain the extremely high churn rate in December of 2016.</a:t>
+              <a:t>The flux of the user base can be quantified by calculating the churn rate. Churn rate is defined as the proportion of people who use the system for the last time in a given month. It should be noted that users are tracked by phone number so a user who changes phone numbers will appear as having dropped out of the system. This may help explain the extremely high churn rate in December of 2016</a:t>
+            </a:r>
+            <a:r>
+              <a:rPr lang="en-US" sz="2000" dirty="0" smtClean="0">
+                <a:latin typeface="Arial" panose="020B0604020202020204" pitchFamily="34" charset="0"/>
+                <a:cs typeface="Arial" panose="020B0604020202020204" pitchFamily="34" charset="0"/>
+              </a:rPr>
+              <a:t>.</a:t>
             </a:r>
           </a:p>
         </p:txBody>
@@ -4108,7 +4101,7 @@
         </p:nvSpPr>
         <p:spPr>
           <a:xfrm>
-            <a:off x="21954097" y="3196487"/>
+            <a:off x="21954097" y="3171225"/>
             <a:ext cx="9875520" cy="457200"/>
           </a:xfrm>
           <a:prstGeom prst="rect">
@@ -4778,7 +4771,15 @@
                   <a:schemeClr val="bg1"/>
                 </a:solidFill>
               </a:rPr>
-              <a:t>Use over time</a:t>
+              <a:t>Use </a:t>
+            </a:r>
+            <a:r>
+              <a:rPr lang="en-US" sz="3200" b="1" dirty="0" smtClean="0">
+                <a:solidFill>
+                  <a:schemeClr val="bg1"/>
+                </a:solidFill>
+              </a:rPr>
+              <a:t>Over Time</a:t>
             </a:r>
             <a:endParaRPr lang="en-US" sz="3200" b="1" dirty="0">
               <a:solidFill>
@@ -5975,47 +5976,6 @@
           </a:p>
         </p:txBody>
       </p:sp>
-      <p:pic>
-        <p:nvPicPr>
-          <p:cNvPr id="47" name="Picture 16" descr="https://lh6.googleusercontent.com/Q80W_GZTRWdBQLA6znLImJZjZDAQENXJQ8-4C2n5fjFgb6REDZSqmsSoXuD3bO-P6_8m36SZ8BLD1PJNo3vL4uad1YDUSccakb6b6Cggn8lvCkd0g1fHRxndNP6evjO8Tz1do3If"/>
-          <p:cNvPicPr>
-            <a:picLocks noChangeAspect="1" noChangeArrowheads="1"/>
-          </p:cNvPicPr>
-          <p:nvPr/>
-        </p:nvPicPr>
-        <p:blipFill>
-          <a:blip r:embed="rId5">
-            <a:extLst>
-              <a:ext uri="{28A0092B-C50C-407E-A947-70E740481C1C}">
-                <a14:useLocalDpi xmlns:a14="http://schemas.microsoft.com/office/drawing/2010/main" val="0"/>
-              </a:ext>
-            </a:extLst>
-          </a:blip>
-          <a:srcRect/>
-          <a:stretch>
-            <a:fillRect/>
-          </a:stretch>
-        </p:blipFill>
-        <p:spPr bwMode="auto">
-          <a:xfrm>
-            <a:off x="12614658" y="14007916"/>
-            <a:ext cx="7392486" cy="4561323"/>
-          </a:xfrm>
-          <a:prstGeom prst="rect">
-            <a:avLst/>
-          </a:prstGeom>
-          <a:noFill/>
-          <a:extLst>
-            <a:ext uri="{909E8E84-426E-40DD-AFC4-6F175D3DCCD1}">
-              <a14:hiddenFill xmlns:a14="http://schemas.microsoft.com/office/drawing/2010/main">
-                <a:solidFill>
-                  <a:srgbClr val="FFFFFF"/>
-                </a:solidFill>
-              </a14:hiddenFill>
-            </a:ext>
-          </a:extLst>
-        </p:spPr>
-      </p:pic>
       <p:sp>
         <p:nvSpPr>
           <p:cNvPr id="48" name="Text Box 180"/>
@@ -6026,8 +5986,8 @@
         </p:nvSpPr>
         <p:spPr bwMode="auto">
           <a:xfrm>
-            <a:off x="12115800" y="18562373"/>
-            <a:ext cx="5782762" cy="541893"/>
+            <a:off x="11621311" y="18744999"/>
+            <a:ext cx="7925144" cy="541893"/>
           </a:xfrm>
           <a:prstGeom prst="rect">
             <a:avLst/>
@@ -6192,13 +6152,43 @@
               <a:rPr lang="en-US" sz="1600" dirty="0">
                 <a:latin typeface="Calibri" pitchFamily="34" charset="0"/>
               </a:rPr>
-              <a:t>The total number of requests received by the LTS-2 system</a:t>
+              <a:t>The total number of requests </a:t>
+            </a:r>
+            <a:r>
+              <a:rPr lang="en-US" sz="1600" dirty="0" smtClean="0">
+                <a:latin typeface="Calibri" pitchFamily="34" charset="0"/>
+              </a:rPr>
+              <a:t>received </a:t>
+            </a:r>
+            <a:r>
+              <a:rPr lang="en-US" sz="1600" dirty="0">
+                <a:latin typeface="Calibri" pitchFamily="34" charset="0"/>
+              </a:rPr>
+              <a:t>by </a:t>
+            </a:r>
+            <a:r>
+              <a:rPr lang="en-US" sz="1600" dirty="0" smtClean="0">
+                <a:latin typeface="Calibri" pitchFamily="34" charset="0"/>
+              </a:rPr>
+              <a:t>and new users joining the </a:t>
+            </a:r>
+            <a:r>
+              <a:rPr lang="en-US" sz="1600" dirty="0">
+                <a:latin typeface="Calibri" pitchFamily="34" charset="0"/>
+              </a:rPr>
+              <a:t>LTS-2 </a:t>
+            </a:r>
+            <a:r>
+              <a:rPr lang="en-US" sz="1600" dirty="0" smtClean="0">
+                <a:latin typeface="Calibri" pitchFamily="34" charset="0"/>
+              </a:rPr>
+              <a:t>system</a:t>
             </a:r>
             <a:r>
               <a:rPr lang="en-US" sz="1600" b="1" dirty="0" smtClean="0">
                 <a:latin typeface="Calibri" pitchFamily="34" charset="0"/>
               </a:rPr>
-              <a:t> </a:t>
+              <a:t>.</a:t>
             </a:r>
             <a:endParaRPr lang="en-US" sz="1600" dirty="0">
               <a:latin typeface="Calibri" pitchFamily="34" charset="0"/>
@@ -6408,7 +6398,7 @@
           <p:nvPr/>
         </p:nvPicPr>
         <p:blipFill>
-          <a:blip r:embed="rId6">
+          <a:blip r:embed="rId5">
             <a:extLst>
               <a:ext uri="{28A0092B-C50C-407E-A947-70E740481C1C}">
                 <a14:useLocalDpi xmlns:a14="http://schemas.microsoft.com/office/drawing/2010/main" val="0"/>
@@ -6449,7 +6439,7 @@
           <p:nvPr/>
         </p:nvPicPr>
         <p:blipFill rotWithShape="1">
-          <a:blip r:embed="rId7" cstate="print">
+          <a:blip r:embed="rId6" cstate="print">
             <a:extLst>
               <a:ext uri="{28A0092B-C50C-407E-A947-70E740481C1C}">
                 <a14:useLocalDpi xmlns:a14="http://schemas.microsoft.com/office/drawing/2010/main" val="0"/>
@@ -6478,7 +6468,7 @@
           <p:nvPr/>
         </p:nvPicPr>
         <p:blipFill>
-          <a:blip r:embed="rId8"/>
+          <a:blip r:embed="rId7"/>
           <a:stretch>
             <a:fillRect/>
           </a:stretch>
@@ -6491,6 +6481,47 @@
           <a:prstGeom prst="rect">
             <a:avLst/>
           </a:prstGeom>
+        </p:spPr>
+      </p:pic>
+      <p:pic>
+        <p:nvPicPr>
+          <p:cNvPr id="1026" name="Picture 2" descr="unnamed-chunk-9-1.png"/>
+          <p:cNvPicPr>
+            <a:picLocks noChangeAspect="1" noChangeArrowheads="1"/>
+          </p:cNvPicPr>
+          <p:nvPr/>
+        </p:nvPicPr>
+        <p:blipFill>
+          <a:blip r:embed="rId8">
+            <a:extLst>
+              <a:ext uri="{28A0092B-C50C-407E-A947-70E740481C1C}">
+                <a14:useLocalDpi xmlns:a14="http://schemas.microsoft.com/office/drawing/2010/main" val="0"/>
+              </a:ext>
+            </a:extLst>
+          </a:blip>
+          <a:srcRect/>
+          <a:stretch>
+            <a:fillRect/>
+          </a:stretch>
+        </p:blipFill>
+        <p:spPr bwMode="auto">
+          <a:xfrm>
+            <a:off x="13406092" y="14350271"/>
+            <a:ext cx="6104775" cy="4360553"/>
+          </a:xfrm>
+          <a:prstGeom prst="rect">
+            <a:avLst/>
+          </a:prstGeom>
+          <a:noFill/>
+          <a:extLst>
+            <a:ext uri="{909E8E84-426E-40DD-AFC4-6F175D3DCCD1}">
+              <a14:hiddenFill xmlns:a14="http://schemas.microsoft.com/office/drawing/2010/main">
+                <a:solidFill>
+                  <a:srgbClr val="FFFFFF"/>
+                </a:solidFill>
+              </a14:hiddenFill>
+            </a:ext>
+          </a:extLst>
         </p:spPr>
       </p:pic>
     </p:spTree>
